--- a/York Code Dojo - Tech Fest 2018.pptx
+++ b/York Code Dojo - Tech Fest 2018.pptx
@@ -3,17 +3,18 @@
 <p:presentation xmlns:a="http://schemas.openxmlformats.org/drawingml/2006/main" xmlns:r="http://schemas.openxmlformats.org/officeDocument/2006/relationships" xmlns:p="http://schemas.openxmlformats.org/presentationml/2006/main" saveSubsetFonts="1">
   <p:sldMasterIdLst>
     <p:sldMasterId id="2147483648" r:id="rId1"/>
+    <p:sldMasterId id="2147483659" r:id="rId2"/>
   </p:sldMasterIdLst>
   <p:notesMasterIdLst>
-    <p:notesMasterId r:id="rId8"/>
+    <p:notesMasterId r:id="rId9"/>
   </p:notesMasterIdLst>
   <p:sldIdLst>
-    <p:sldId id="256" r:id="rId2"/>
-    <p:sldId id="263" r:id="rId3"/>
-    <p:sldId id="258" r:id="rId4"/>
-    <p:sldId id="264" r:id="rId5"/>
-    <p:sldId id="265" r:id="rId6"/>
-    <p:sldId id="262" r:id="rId7"/>
+    <p:sldId id="266" r:id="rId3"/>
+    <p:sldId id="263" r:id="rId4"/>
+    <p:sldId id="258" r:id="rId5"/>
+    <p:sldId id="264" r:id="rId6"/>
+    <p:sldId id="265" r:id="rId7"/>
+    <p:sldId id="262" r:id="rId8"/>
   </p:sldIdLst>
   <p:sldSz cx="12192000" cy="6858000"/>
   <p:notesSz cx="6742113" cy="9872663"/>
@@ -471,11 +472,11 @@
 </file>
 
 <file path=ppt/notesSlides/notesSlide1.xml><?xml version="1.0" encoding="utf-8"?>
-<p:notes xmlns:a="http://schemas.openxmlformats.org/drawingml/2006/main" xmlns:r="http://schemas.openxmlformats.org/officeDocument/2006/relationships" xmlns:p="http://schemas.openxmlformats.org/presentationml/2006/main">
+<p:notes xmlns:a="http://schemas.openxmlformats.org/drawingml/2006/main" xmlns:r="http://schemas.openxmlformats.org/officeDocument/2006/relationships" xmlns:p="http://schemas.openxmlformats.org/presentationml/2006/main" showMasterSp="0" showMasterPhAnim="0">
   <p:cSld>
     <p:spTree>
       <p:nvGrpSpPr>
-        <p:cNvPr id="1" name=""/>
+        <p:cNvPr id="1" name="Shape 50"/>
         <p:cNvGrpSpPr/>
         <p:nvPr/>
       </p:nvGrpSpPr>
@@ -489,62 +490,87 @@
       </p:grpSpPr>
       <p:sp>
         <p:nvSpPr>
-          <p:cNvPr id="2" name="Slide Image Placeholder 1"/>
+          <p:cNvPr id="51" name="Google Shape;51;p:notes"/>
           <p:cNvSpPr>
             <a:spLocks noGrp="1" noRot="1" noChangeAspect="1"/>
           </p:cNvSpPr>
           <p:nvPr>
-            <p:ph type="sldImg"/>
-          </p:nvPr>
-        </p:nvSpPr>
-        <p:spPr/>
-      </p:sp>
-      <p:sp>
-        <p:nvSpPr>
-          <p:cNvPr id="3" name="Notes Placeholder 2"/>
-          <p:cNvSpPr>
+            <p:ph type="sldImg" idx="2"/>
+          </p:nvPr>
+        </p:nvSpPr>
+        <p:spPr>
+          <a:xfrm>
+            <a:off x="381000" y="685800"/>
+            <a:ext cx="6096000" cy="3429000"/>
+          </a:xfrm>
+          <a:custGeom>
+            <a:avLst/>
+            <a:gdLst/>
+            <a:ahLst/>
+            <a:cxnLst/>
+            <a:rect l="l" t="t" r="r" b="b"/>
+            <a:pathLst>
+              <a:path w="120000" h="120000" extrusionOk="0">
+                <a:moveTo>
+                  <a:pt x="0" y="0"/>
+                </a:moveTo>
+                <a:lnTo>
+                  <a:pt x="120000" y="0"/>
+                </a:lnTo>
+                <a:lnTo>
+                  <a:pt x="120000" y="120000"/>
+                </a:lnTo>
+                <a:lnTo>
+                  <a:pt x="0" y="120000"/>
+                </a:lnTo>
+                <a:close/>
+              </a:path>
+            </a:pathLst>
+          </a:custGeom>
+        </p:spPr>
+      </p:sp>
+      <p:sp>
+        <p:nvSpPr>
+          <p:cNvPr id="52" name="Google Shape;52;p:notes"/>
+          <p:cNvSpPr txBox="1">
             <a:spLocks noGrp="1"/>
           </p:cNvSpPr>
           <p:nvPr>
             <p:ph type="body" idx="1"/>
           </p:nvPr>
         </p:nvSpPr>
-        <p:spPr/>
-        <p:txBody>
-          <a:bodyPr/>
+        <p:spPr>
+          <a:xfrm>
+            <a:off x="685800" y="4343400"/>
+            <a:ext cx="5486400" cy="4114800"/>
+          </a:xfrm>
+          <a:prstGeom prst="rect">
+            <a:avLst/>
+          </a:prstGeom>
+        </p:spPr>
+        <p:txBody>
+          <a:bodyPr spcFirstLastPara="1" wrap="square" lIns="91425" tIns="91425" rIns="91425" bIns="91425" anchor="t" anchorCtr="0">
+            <a:noAutofit/>
+          </a:bodyPr>
           <a:lstStyle/>
           <a:p>
-            <a:endParaRPr lang="en-GB" dirty="0"/>
-          </a:p>
-        </p:txBody>
-      </p:sp>
-      <p:sp>
-        <p:nvSpPr>
-          <p:cNvPr id="4" name="Slide Number Placeholder 3"/>
-          <p:cNvSpPr>
-            <a:spLocks noGrp="1"/>
-          </p:cNvSpPr>
-          <p:nvPr>
-            <p:ph type="sldNum" sz="quarter" idx="10"/>
-          </p:nvPr>
-        </p:nvSpPr>
-        <p:spPr/>
-        <p:txBody>
-          <a:bodyPr/>
-          <a:lstStyle/>
-          <a:p>
-            <a:fld id="{59855E35-2792-42B5-AA9B-1CC1651621A6}" type="slidenum">
-              <a:rPr lang="en-GB" smtClean="0"/>
-              <a:t>1</a:t>
-            </a:fld>
-            <a:endParaRPr lang="en-GB"/>
+            <a:pPr marL="0" lvl="0" indent="0" algn="l" rtl="0">
+              <a:spcBef>
+                <a:spcPts val="0"/>
+              </a:spcBef>
+              <a:spcAft>
+                <a:spcPts val="0"/>
+              </a:spcAft>
+              <a:buNone/>
+            </a:pPr>
+            <a:endParaRPr/>
           </a:p>
         </p:txBody>
       </p:sp>
     </p:spTree>
     <p:extLst>
       <p:ext uri="{BB962C8B-B14F-4D97-AF65-F5344CB8AC3E}">
-        <p14:creationId xmlns:p14="http://schemas.microsoft.com/office/powerpoint/2010/main" val="1303761418"/>
+        <p14:creationId xmlns:p14="http://schemas.microsoft.com/office/powerpoint/2010/main" val="1618760508"/>
       </p:ext>
     </p:extLst>
   </p:cSld>
@@ -1555,6 +1581,2956 @@
 </p:sldLayout>
 </file>
 
+<file path=ppt/slideLayouts/slideLayout11.xml><?xml version="1.0" encoding="utf-8"?>
+<p:sldLayout xmlns:a="http://schemas.openxmlformats.org/drawingml/2006/main" xmlns:r="http://schemas.openxmlformats.org/officeDocument/2006/relationships" xmlns:p="http://schemas.openxmlformats.org/presentationml/2006/main" matchingName="Title slide" type="title">
+  <p:cSld name="Title slide">
+    <p:spTree>
+      <p:nvGrpSpPr>
+        <p:cNvPr id="1" name="Shape 9"/>
+        <p:cNvGrpSpPr/>
+        <p:nvPr/>
+      </p:nvGrpSpPr>
+      <p:grpSpPr>
+        <a:xfrm>
+          <a:off x="0" y="0"/>
+          <a:ext cx="0" cy="0"/>
+          <a:chOff x="0" y="0"/>
+          <a:chExt cx="0" cy="0"/>
+        </a:xfrm>
+      </p:grpSpPr>
+      <p:sp>
+        <p:nvSpPr>
+          <p:cNvPr id="10" name="Google Shape;10;p2"/>
+          <p:cNvSpPr txBox="1">
+            <a:spLocks noGrp="1"/>
+          </p:cNvSpPr>
+          <p:nvPr>
+            <p:ph type="ctrTitle"/>
+          </p:nvPr>
+        </p:nvSpPr>
+        <p:spPr>
+          <a:xfrm>
+            <a:off x="415611" y="992767"/>
+            <a:ext cx="11360800" cy="2736800"/>
+          </a:xfrm>
+          <a:prstGeom prst="rect">
+            <a:avLst/>
+          </a:prstGeom>
+        </p:spPr>
+        <p:txBody>
+          <a:bodyPr spcFirstLastPara="1" wrap="square" lIns="91425" tIns="91425" rIns="91425" bIns="91425" anchor="b" anchorCtr="0"/>
+          <a:lstStyle>
+            <a:lvl1pPr lvl="0" algn="ctr">
+              <a:spcBef>
+                <a:spcPts val="0"/>
+              </a:spcBef>
+              <a:spcAft>
+                <a:spcPts val="0"/>
+              </a:spcAft>
+              <a:buSzPts val="5200"/>
+              <a:buNone/>
+              <a:defRPr sz="6933"/>
+            </a:lvl1pPr>
+            <a:lvl2pPr lvl="1" algn="ctr">
+              <a:spcBef>
+                <a:spcPts val="0"/>
+              </a:spcBef>
+              <a:spcAft>
+                <a:spcPts val="0"/>
+              </a:spcAft>
+              <a:buSzPts val="5200"/>
+              <a:buNone/>
+              <a:defRPr sz="6933"/>
+            </a:lvl2pPr>
+            <a:lvl3pPr lvl="2" algn="ctr">
+              <a:spcBef>
+                <a:spcPts val="0"/>
+              </a:spcBef>
+              <a:spcAft>
+                <a:spcPts val="0"/>
+              </a:spcAft>
+              <a:buSzPts val="5200"/>
+              <a:buNone/>
+              <a:defRPr sz="6933"/>
+            </a:lvl3pPr>
+            <a:lvl4pPr lvl="3" algn="ctr">
+              <a:spcBef>
+                <a:spcPts val="0"/>
+              </a:spcBef>
+              <a:spcAft>
+                <a:spcPts val="0"/>
+              </a:spcAft>
+              <a:buSzPts val="5200"/>
+              <a:buNone/>
+              <a:defRPr sz="6933"/>
+            </a:lvl4pPr>
+            <a:lvl5pPr lvl="4" algn="ctr">
+              <a:spcBef>
+                <a:spcPts val="0"/>
+              </a:spcBef>
+              <a:spcAft>
+                <a:spcPts val="0"/>
+              </a:spcAft>
+              <a:buSzPts val="5200"/>
+              <a:buNone/>
+              <a:defRPr sz="6933"/>
+            </a:lvl5pPr>
+            <a:lvl6pPr lvl="5" algn="ctr">
+              <a:spcBef>
+                <a:spcPts val="0"/>
+              </a:spcBef>
+              <a:spcAft>
+                <a:spcPts val="0"/>
+              </a:spcAft>
+              <a:buSzPts val="5200"/>
+              <a:buNone/>
+              <a:defRPr sz="6933"/>
+            </a:lvl6pPr>
+            <a:lvl7pPr lvl="6" algn="ctr">
+              <a:spcBef>
+                <a:spcPts val="0"/>
+              </a:spcBef>
+              <a:spcAft>
+                <a:spcPts val="0"/>
+              </a:spcAft>
+              <a:buSzPts val="5200"/>
+              <a:buNone/>
+              <a:defRPr sz="6933"/>
+            </a:lvl7pPr>
+            <a:lvl8pPr lvl="7" algn="ctr">
+              <a:spcBef>
+                <a:spcPts val="0"/>
+              </a:spcBef>
+              <a:spcAft>
+                <a:spcPts val="0"/>
+              </a:spcAft>
+              <a:buSzPts val="5200"/>
+              <a:buNone/>
+              <a:defRPr sz="6933"/>
+            </a:lvl8pPr>
+            <a:lvl9pPr lvl="8" algn="ctr">
+              <a:spcBef>
+                <a:spcPts val="0"/>
+              </a:spcBef>
+              <a:spcAft>
+                <a:spcPts val="0"/>
+              </a:spcAft>
+              <a:buSzPts val="5200"/>
+              <a:buNone/>
+              <a:defRPr sz="6933"/>
+            </a:lvl9pPr>
+          </a:lstStyle>
+          <a:p>
+            <a:endParaRPr/>
+          </a:p>
+        </p:txBody>
+      </p:sp>
+      <p:sp>
+        <p:nvSpPr>
+          <p:cNvPr id="11" name="Google Shape;11;p2"/>
+          <p:cNvSpPr txBox="1">
+            <a:spLocks noGrp="1"/>
+          </p:cNvSpPr>
+          <p:nvPr>
+            <p:ph type="subTitle" idx="1"/>
+          </p:nvPr>
+        </p:nvSpPr>
+        <p:spPr>
+          <a:xfrm>
+            <a:off x="415600" y="3778833"/>
+            <a:ext cx="11360800" cy="1056800"/>
+          </a:xfrm>
+          <a:prstGeom prst="rect">
+            <a:avLst/>
+          </a:prstGeom>
+        </p:spPr>
+        <p:txBody>
+          <a:bodyPr spcFirstLastPara="1" wrap="square" lIns="91425" tIns="91425" rIns="91425" bIns="91425" anchor="t" anchorCtr="0"/>
+          <a:lstStyle>
+            <a:lvl1pPr lvl="0" algn="ctr">
+              <a:lnSpc>
+                <a:spcPct val="100000"/>
+              </a:lnSpc>
+              <a:spcBef>
+                <a:spcPts val="0"/>
+              </a:spcBef>
+              <a:spcAft>
+                <a:spcPts val="0"/>
+              </a:spcAft>
+              <a:buSzPts val="2800"/>
+              <a:buNone/>
+              <a:defRPr sz="3733"/>
+            </a:lvl1pPr>
+            <a:lvl2pPr lvl="1" algn="ctr">
+              <a:lnSpc>
+                <a:spcPct val="100000"/>
+              </a:lnSpc>
+              <a:spcBef>
+                <a:spcPts val="0"/>
+              </a:spcBef>
+              <a:spcAft>
+                <a:spcPts val="0"/>
+              </a:spcAft>
+              <a:buSzPts val="2800"/>
+              <a:buNone/>
+              <a:defRPr sz="3733"/>
+            </a:lvl2pPr>
+            <a:lvl3pPr lvl="2" algn="ctr">
+              <a:lnSpc>
+                <a:spcPct val="100000"/>
+              </a:lnSpc>
+              <a:spcBef>
+                <a:spcPts val="0"/>
+              </a:spcBef>
+              <a:spcAft>
+                <a:spcPts val="0"/>
+              </a:spcAft>
+              <a:buSzPts val="2800"/>
+              <a:buNone/>
+              <a:defRPr sz="3733"/>
+            </a:lvl3pPr>
+            <a:lvl4pPr lvl="3" algn="ctr">
+              <a:lnSpc>
+                <a:spcPct val="100000"/>
+              </a:lnSpc>
+              <a:spcBef>
+                <a:spcPts val="0"/>
+              </a:spcBef>
+              <a:spcAft>
+                <a:spcPts val="0"/>
+              </a:spcAft>
+              <a:buSzPts val="2800"/>
+              <a:buNone/>
+              <a:defRPr sz="3733"/>
+            </a:lvl4pPr>
+            <a:lvl5pPr lvl="4" algn="ctr">
+              <a:lnSpc>
+                <a:spcPct val="100000"/>
+              </a:lnSpc>
+              <a:spcBef>
+                <a:spcPts val="0"/>
+              </a:spcBef>
+              <a:spcAft>
+                <a:spcPts val="0"/>
+              </a:spcAft>
+              <a:buSzPts val="2800"/>
+              <a:buNone/>
+              <a:defRPr sz="3733"/>
+            </a:lvl5pPr>
+            <a:lvl6pPr lvl="5" algn="ctr">
+              <a:lnSpc>
+                <a:spcPct val="100000"/>
+              </a:lnSpc>
+              <a:spcBef>
+                <a:spcPts val="0"/>
+              </a:spcBef>
+              <a:spcAft>
+                <a:spcPts val="0"/>
+              </a:spcAft>
+              <a:buSzPts val="2800"/>
+              <a:buNone/>
+              <a:defRPr sz="3733"/>
+            </a:lvl6pPr>
+            <a:lvl7pPr lvl="6" algn="ctr">
+              <a:lnSpc>
+                <a:spcPct val="100000"/>
+              </a:lnSpc>
+              <a:spcBef>
+                <a:spcPts val="0"/>
+              </a:spcBef>
+              <a:spcAft>
+                <a:spcPts val="0"/>
+              </a:spcAft>
+              <a:buSzPts val="2800"/>
+              <a:buNone/>
+              <a:defRPr sz="3733"/>
+            </a:lvl7pPr>
+            <a:lvl8pPr lvl="7" algn="ctr">
+              <a:lnSpc>
+                <a:spcPct val="100000"/>
+              </a:lnSpc>
+              <a:spcBef>
+                <a:spcPts val="0"/>
+              </a:spcBef>
+              <a:spcAft>
+                <a:spcPts val="0"/>
+              </a:spcAft>
+              <a:buSzPts val="2800"/>
+              <a:buNone/>
+              <a:defRPr sz="3733"/>
+            </a:lvl8pPr>
+            <a:lvl9pPr lvl="8" algn="ctr">
+              <a:lnSpc>
+                <a:spcPct val="100000"/>
+              </a:lnSpc>
+              <a:spcBef>
+                <a:spcPts val="0"/>
+              </a:spcBef>
+              <a:spcAft>
+                <a:spcPts val="0"/>
+              </a:spcAft>
+              <a:buSzPts val="2800"/>
+              <a:buNone/>
+              <a:defRPr sz="3733"/>
+            </a:lvl9pPr>
+          </a:lstStyle>
+          <a:p>
+            <a:endParaRPr/>
+          </a:p>
+        </p:txBody>
+      </p:sp>
+      <p:sp>
+        <p:nvSpPr>
+          <p:cNvPr id="12" name="Google Shape;12;p2"/>
+          <p:cNvSpPr txBox="1">
+            <a:spLocks noGrp="1"/>
+          </p:cNvSpPr>
+          <p:nvPr>
+            <p:ph type="sldNum" idx="12"/>
+          </p:nvPr>
+        </p:nvSpPr>
+        <p:spPr>
+          <a:xfrm>
+            <a:off x="11296611" y="6217623"/>
+            <a:ext cx="731600" cy="524800"/>
+          </a:xfrm>
+          <a:prstGeom prst="rect">
+            <a:avLst/>
+          </a:prstGeom>
+        </p:spPr>
+        <p:txBody>
+          <a:bodyPr spcFirstLastPara="1" wrap="square" lIns="91425" tIns="91425" rIns="91425" bIns="91425" anchor="ctr" anchorCtr="0">
+            <a:noAutofit/>
+          </a:bodyPr>
+          <a:lstStyle>
+            <a:lvl1pPr lvl="0">
+              <a:buNone/>
+              <a:defRPr/>
+            </a:lvl1pPr>
+            <a:lvl2pPr lvl="1">
+              <a:buNone/>
+              <a:defRPr/>
+            </a:lvl2pPr>
+            <a:lvl3pPr lvl="2">
+              <a:buNone/>
+              <a:defRPr/>
+            </a:lvl3pPr>
+            <a:lvl4pPr lvl="3">
+              <a:buNone/>
+              <a:defRPr/>
+            </a:lvl4pPr>
+            <a:lvl5pPr lvl="4">
+              <a:buNone/>
+              <a:defRPr/>
+            </a:lvl5pPr>
+            <a:lvl6pPr lvl="5">
+              <a:buNone/>
+              <a:defRPr/>
+            </a:lvl6pPr>
+            <a:lvl7pPr lvl="6">
+              <a:buNone/>
+              <a:defRPr/>
+            </a:lvl7pPr>
+            <a:lvl8pPr lvl="7">
+              <a:buNone/>
+              <a:defRPr/>
+            </a:lvl8pPr>
+            <a:lvl9pPr lvl="8">
+              <a:buNone/>
+              <a:defRPr/>
+            </a:lvl9pPr>
+          </a:lstStyle>
+          <a:p>
+            <a:fld id="{00000000-1234-1234-1234-123412341234}" type="slidenum">
+              <a:rPr lang="en" smtClean="0"/>
+              <a:pPr/>
+              <a:t>‹#›</a:t>
+            </a:fld>
+            <a:endParaRPr lang="en"/>
+          </a:p>
+        </p:txBody>
+      </p:sp>
+    </p:spTree>
+    <p:extLst>
+      <p:ext uri="{BB962C8B-B14F-4D97-AF65-F5344CB8AC3E}">
+        <p14:creationId xmlns:p14="http://schemas.microsoft.com/office/powerpoint/2010/main" val="1595660332"/>
+      </p:ext>
+    </p:extLst>
+  </p:cSld>
+  <p:clrMapOvr>
+    <a:masterClrMapping/>
+  </p:clrMapOvr>
+</p:sldLayout>
+</file>
+
+<file path=ppt/slideLayouts/slideLayout12.xml><?xml version="1.0" encoding="utf-8"?>
+<p:sldLayout xmlns:a="http://schemas.openxmlformats.org/drawingml/2006/main" xmlns:r="http://schemas.openxmlformats.org/officeDocument/2006/relationships" xmlns:p="http://schemas.openxmlformats.org/presentationml/2006/main" matchingName="Section header" type="secHead">
+  <p:cSld name="Section header">
+    <p:spTree>
+      <p:nvGrpSpPr>
+        <p:cNvPr id="1" name="Shape 13"/>
+        <p:cNvGrpSpPr/>
+        <p:nvPr/>
+      </p:nvGrpSpPr>
+      <p:grpSpPr>
+        <a:xfrm>
+          <a:off x="0" y="0"/>
+          <a:ext cx="0" cy="0"/>
+          <a:chOff x="0" y="0"/>
+          <a:chExt cx="0" cy="0"/>
+        </a:xfrm>
+      </p:grpSpPr>
+      <p:sp>
+        <p:nvSpPr>
+          <p:cNvPr id="14" name="Google Shape;14;p3"/>
+          <p:cNvSpPr txBox="1">
+            <a:spLocks noGrp="1"/>
+          </p:cNvSpPr>
+          <p:nvPr>
+            <p:ph type="title"/>
+          </p:nvPr>
+        </p:nvSpPr>
+        <p:spPr>
+          <a:xfrm>
+            <a:off x="415600" y="2867800"/>
+            <a:ext cx="11360800" cy="1122400"/>
+          </a:xfrm>
+          <a:prstGeom prst="rect">
+            <a:avLst/>
+          </a:prstGeom>
+        </p:spPr>
+        <p:txBody>
+          <a:bodyPr spcFirstLastPara="1" wrap="square" lIns="91425" tIns="91425" rIns="91425" bIns="91425" anchor="ctr" anchorCtr="0"/>
+          <a:lstStyle>
+            <a:lvl1pPr lvl="0" algn="ctr">
+              <a:spcBef>
+                <a:spcPts val="0"/>
+              </a:spcBef>
+              <a:spcAft>
+                <a:spcPts val="0"/>
+              </a:spcAft>
+              <a:buSzPts val="3600"/>
+              <a:buNone/>
+              <a:defRPr sz="4800"/>
+            </a:lvl1pPr>
+            <a:lvl2pPr lvl="1" algn="ctr">
+              <a:spcBef>
+                <a:spcPts val="0"/>
+              </a:spcBef>
+              <a:spcAft>
+                <a:spcPts val="0"/>
+              </a:spcAft>
+              <a:buSzPts val="3600"/>
+              <a:buNone/>
+              <a:defRPr sz="4800"/>
+            </a:lvl2pPr>
+            <a:lvl3pPr lvl="2" algn="ctr">
+              <a:spcBef>
+                <a:spcPts val="0"/>
+              </a:spcBef>
+              <a:spcAft>
+                <a:spcPts val="0"/>
+              </a:spcAft>
+              <a:buSzPts val="3600"/>
+              <a:buNone/>
+              <a:defRPr sz="4800"/>
+            </a:lvl3pPr>
+            <a:lvl4pPr lvl="3" algn="ctr">
+              <a:spcBef>
+                <a:spcPts val="0"/>
+              </a:spcBef>
+              <a:spcAft>
+                <a:spcPts val="0"/>
+              </a:spcAft>
+              <a:buSzPts val="3600"/>
+              <a:buNone/>
+              <a:defRPr sz="4800"/>
+            </a:lvl4pPr>
+            <a:lvl5pPr lvl="4" algn="ctr">
+              <a:spcBef>
+                <a:spcPts val="0"/>
+              </a:spcBef>
+              <a:spcAft>
+                <a:spcPts val="0"/>
+              </a:spcAft>
+              <a:buSzPts val="3600"/>
+              <a:buNone/>
+              <a:defRPr sz="4800"/>
+            </a:lvl5pPr>
+            <a:lvl6pPr lvl="5" algn="ctr">
+              <a:spcBef>
+                <a:spcPts val="0"/>
+              </a:spcBef>
+              <a:spcAft>
+                <a:spcPts val="0"/>
+              </a:spcAft>
+              <a:buSzPts val="3600"/>
+              <a:buNone/>
+              <a:defRPr sz="4800"/>
+            </a:lvl6pPr>
+            <a:lvl7pPr lvl="6" algn="ctr">
+              <a:spcBef>
+                <a:spcPts val="0"/>
+              </a:spcBef>
+              <a:spcAft>
+                <a:spcPts val="0"/>
+              </a:spcAft>
+              <a:buSzPts val="3600"/>
+              <a:buNone/>
+              <a:defRPr sz="4800"/>
+            </a:lvl7pPr>
+            <a:lvl8pPr lvl="7" algn="ctr">
+              <a:spcBef>
+                <a:spcPts val="0"/>
+              </a:spcBef>
+              <a:spcAft>
+                <a:spcPts val="0"/>
+              </a:spcAft>
+              <a:buSzPts val="3600"/>
+              <a:buNone/>
+              <a:defRPr sz="4800"/>
+            </a:lvl8pPr>
+            <a:lvl9pPr lvl="8" algn="ctr">
+              <a:spcBef>
+                <a:spcPts val="0"/>
+              </a:spcBef>
+              <a:spcAft>
+                <a:spcPts val="0"/>
+              </a:spcAft>
+              <a:buSzPts val="3600"/>
+              <a:buNone/>
+              <a:defRPr sz="4800"/>
+            </a:lvl9pPr>
+          </a:lstStyle>
+          <a:p>
+            <a:endParaRPr/>
+          </a:p>
+        </p:txBody>
+      </p:sp>
+      <p:sp>
+        <p:nvSpPr>
+          <p:cNvPr id="15" name="Google Shape;15;p3"/>
+          <p:cNvSpPr txBox="1">
+            <a:spLocks noGrp="1"/>
+          </p:cNvSpPr>
+          <p:nvPr>
+            <p:ph type="sldNum" idx="12"/>
+          </p:nvPr>
+        </p:nvSpPr>
+        <p:spPr>
+          <a:xfrm>
+            <a:off x="11296611" y="6217623"/>
+            <a:ext cx="731600" cy="524800"/>
+          </a:xfrm>
+          <a:prstGeom prst="rect">
+            <a:avLst/>
+          </a:prstGeom>
+        </p:spPr>
+        <p:txBody>
+          <a:bodyPr spcFirstLastPara="1" wrap="square" lIns="91425" tIns="91425" rIns="91425" bIns="91425" anchor="ctr" anchorCtr="0">
+            <a:noAutofit/>
+          </a:bodyPr>
+          <a:lstStyle>
+            <a:lvl1pPr lvl="0">
+              <a:buNone/>
+              <a:defRPr/>
+            </a:lvl1pPr>
+            <a:lvl2pPr lvl="1">
+              <a:buNone/>
+              <a:defRPr/>
+            </a:lvl2pPr>
+            <a:lvl3pPr lvl="2">
+              <a:buNone/>
+              <a:defRPr/>
+            </a:lvl3pPr>
+            <a:lvl4pPr lvl="3">
+              <a:buNone/>
+              <a:defRPr/>
+            </a:lvl4pPr>
+            <a:lvl5pPr lvl="4">
+              <a:buNone/>
+              <a:defRPr/>
+            </a:lvl5pPr>
+            <a:lvl6pPr lvl="5">
+              <a:buNone/>
+              <a:defRPr/>
+            </a:lvl6pPr>
+            <a:lvl7pPr lvl="6">
+              <a:buNone/>
+              <a:defRPr/>
+            </a:lvl7pPr>
+            <a:lvl8pPr lvl="7">
+              <a:buNone/>
+              <a:defRPr/>
+            </a:lvl8pPr>
+            <a:lvl9pPr lvl="8">
+              <a:buNone/>
+              <a:defRPr/>
+            </a:lvl9pPr>
+          </a:lstStyle>
+          <a:p>
+            <a:fld id="{00000000-1234-1234-1234-123412341234}" type="slidenum">
+              <a:rPr lang="en" smtClean="0"/>
+              <a:pPr/>
+              <a:t>‹#›</a:t>
+            </a:fld>
+            <a:endParaRPr lang="en"/>
+          </a:p>
+        </p:txBody>
+      </p:sp>
+    </p:spTree>
+    <p:extLst>
+      <p:ext uri="{BB962C8B-B14F-4D97-AF65-F5344CB8AC3E}">
+        <p14:creationId xmlns:p14="http://schemas.microsoft.com/office/powerpoint/2010/main" val="2738820111"/>
+      </p:ext>
+    </p:extLst>
+  </p:cSld>
+  <p:clrMapOvr>
+    <a:masterClrMapping/>
+  </p:clrMapOvr>
+</p:sldLayout>
+</file>
+
+<file path=ppt/slideLayouts/slideLayout13.xml><?xml version="1.0" encoding="utf-8"?>
+<p:sldLayout xmlns:a="http://schemas.openxmlformats.org/drawingml/2006/main" xmlns:r="http://schemas.openxmlformats.org/officeDocument/2006/relationships" xmlns:p="http://schemas.openxmlformats.org/presentationml/2006/main" matchingName="Title and body" type="tx">
+  <p:cSld name="Title and body">
+    <p:spTree>
+      <p:nvGrpSpPr>
+        <p:cNvPr id="1" name="Shape 16"/>
+        <p:cNvGrpSpPr/>
+        <p:nvPr/>
+      </p:nvGrpSpPr>
+      <p:grpSpPr>
+        <a:xfrm>
+          <a:off x="0" y="0"/>
+          <a:ext cx="0" cy="0"/>
+          <a:chOff x="0" y="0"/>
+          <a:chExt cx="0" cy="0"/>
+        </a:xfrm>
+      </p:grpSpPr>
+      <p:sp>
+        <p:nvSpPr>
+          <p:cNvPr id="17" name="Google Shape;17;p4"/>
+          <p:cNvSpPr txBox="1">
+            <a:spLocks noGrp="1"/>
+          </p:cNvSpPr>
+          <p:nvPr>
+            <p:ph type="title"/>
+          </p:nvPr>
+        </p:nvSpPr>
+        <p:spPr>
+          <a:xfrm>
+            <a:off x="415600" y="593367"/>
+            <a:ext cx="11360800" cy="763600"/>
+          </a:xfrm>
+          <a:prstGeom prst="rect">
+            <a:avLst/>
+          </a:prstGeom>
+        </p:spPr>
+        <p:txBody>
+          <a:bodyPr spcFirstLastPara="1" wrap="square" lIns="91425" tIns="91425" rIns="91425" bIns="91425" anchor="t" anchorCtr="0"/>
+          <a:lstStyle>
+            <a:lvl1pPr lvl="0">
+              <a:spcBef>
+                <a:spcPts val="0"/>
+              </a:spcBef>
+              <a:spcAft>
+                <a:spcPts val="0"/>
+              </a:spcAft>
+              <a:buSzPts val="2800"/>
+              <a:buNone/>
+              <a:defRPr/>
+            </a:lvl1pPr>
+            <a:lvl2pPr lvl="1">
+              <a:spcBef>
+                <a:spcPts val="0"/>
+              </a:spcBef>
+              <a:spcAft>
+                <a:spcPts val="0"/>
+              </a:spcAft>
+              <a:buSzPts val="2800"/>
+              <a:buNone/>
+              <a:defRPr/>
+            </a:lvl2pPr>
+            <a:lvl3pPr lvl="2">
+              <a:spcBef>
+                <a:spcPts val="0"/>
+              </a:spcBef>
+              <a:spcAft>
+                <a:spcPts val="0"/>
+              </a:spcAft>
+              <a:buSzPts val="2800"/>
+              <a:buNone/>
+              <a:defRPr/>
+            </a:lvl3pPr>
+            <a:lvl4pPr lvl="3">
+              <a:spcBef>
+                <a:spcPts val="0"/>
+              </a:spcBef>
+              <a:spcAft>
+                <a:spcPts val="0"/>
+              </a:spcAft>
+              <a:buSzPts val="2800"/>
+              <a:buNone/>
+              <a:defRPr/>
+            </a:lvl4pPr>
+            <a:lvl5pPr lvl="4">
+              <a:spcBef>
+                <a:spcPts val="0"/>
+              </a:spcBef>
+              <a:spcAft>
+                <a:spcPts val="0"/>
+              </a:spcAft>
+              <a:buSzPts val="2800"/>
+              <a:buNone/>
+              <a:defRPr/>
+            </a:lvl5pPr>
+            <a:lvl6pPr lvl="5">
+              <a:spcBef>
+                <a:spcPts val="0"/>
+              </a:spcBef>
+              <a:spcAft>
+                <a:spcPts val="0"/>
+              </a:spcAft>
+              <a:buSzPts val="2800"/>
+              <a:buNone/>
+              <a:defRPr/>
+            </a:lvl6pPr>
+            <a:lvl7pPr lvl="6">
+              <a:spcBef>
+                <a:spcPts val="0"/>
+              </a:spcBef>
+              <a:spcAft>
+                <a:spcPts val="0"/>
+              </a:spcAft>
+              <a:buSzPts val="2800"/>
+              <a:buNone/>
+              <a:defRPr/>
+            </a:lvl7pPr>
+            <a:lvl8pPr lvl="7">
+              <a:spcBef>
+                <a:spcPts val="0"/>
+              </a:spcBef>
+              <a:spcAft>
+                <a:spcPts val="0"/>
+              </a:spcAft>
+              <a:buSzPts val="2800"/>
+              <a:buNone/>
+              <a:defRPr/>
+            </a:lvl8pPr>
+            <a:lvl9pPr lvl="8">
+              <a:spcBef>
+                <a:spcPts val="0"/>
+              </a:spcBef>
+              <a:spcAft>
+                <a:spcPts val="0"/>
+              </a:spcAft>
+              <a:buSzPts val="2800"/>
+              <a:buNone/>
+              <a:defRPr/>
+            </a:lvl9pPr>
+          </a:lstStyle>
+          <a:p>
+            <a:endParaRPr/>
+          </a:p>
+        </p:txBody>
+      </p:sp>
+      <p:sp>
+        <p:nvSpPr>
+          <p:cNvPr id="18" name="Google Shape;18;p4"/>
+          <p:cNvSpPr txBox="1">
+            <a:spLocks noGrp="1"/>
+          </p:cNvSpPr>
+          <p:nvPr>
+            <p:ph type="body" idx="1"/>
+          </p:nvPr>
+        </p:nvSpPr>
+        <p:spPr>
+          <a:xfrm>
+            <a:off x="415600" y="1536633"/>
+            <a:ext cx="11360800" cy="4555200"/>
+          </a:xfrm>
+          <a:prstGeom prst="rect">
+            <a:avLst/>
+          </a:prstGeom>
+        </p:spPr>
+        <p:txBody>
+          <a:bodyPr spcFirstLastPara="1" wrap="square" lIns="91425" tIns="91425" rIns="91425" bIns="91425" anchor="t" anchorCtr="0"/>
+          <a:lstStyle>
+            <a:lvl1pPr marL="609585" lvl="0" indent="-457189">
+              <a:spcBef>
+                <a:spcPts val="0"/>
+              </a:spcBef>
+              <a:spcAft>
+                <a:spcPts val="0"/>
+              </a:spcAft>
+              <a:buSzPts val="1800"/>
+              <a:buChar char="●"/>
+              <a:defRPr/>
+            </a:lvl1pPr>
+            <a:lvl2pPr marL="1219170" lvl="1" indent="-423323">
+              <a:spcBef>
+                <a:spcPts val="2133"/>
+              </a:spcBef>
+              <a:spcAft>
+                <a:spcPts val="0"/>
+              </a:spcAft>
+              <a:buSzPts val="1400"/>
+              <a:buChar char="○"/>
+              <a:defRPr/>
+            </a:lvl2pPr>
+            <a:lvl3pPr marL="1828754" lvl="2" indent="-423323">
+              <a:spcBef>
+                <a:spcPts val="2133"/>
+              </a:spcBef>
+              <a:spcAft>
+                <a:spcPts val="0"/>
+              </a:spcAft>
+              <a:buSzPts val="1400"/>
+              <a:buChar char="■"/>
+              <a:defRPr/>
+            </a:lvl3pPr>
+            <a:lvl4pPr marL="2438339" lvl="3" indent="-423323">
+              <a:spcBef>
+                <a:spcPts val="2133"/>
+              </a:spcBef>
+              <a:spcAft>
+                <a:spcPts val="0"/>
+              </a:spcAft>
+              <a:buSzPts val="1400"/>
+              <a:buChar char="●"/>
+              <a:defRPr/>
+            </a:lvl4pPr>
+            <a:lvl5pPr marL="3047924" lvl="4" indent="-423323">
+              <a:spcBef>
+                <a:spcPts val="2133"/>
+              </a:spcBef>
+              <a:spcAft>
+                <a:spcPts val="0"/>
+              </a:spcAft>
+              <a:buSzPts val="1400"/>
+              <a:buChar char="○"/>
+              <a:defRPr/>
+            </a:lvl5pPr>
+            <a:lvl6pPr marL="3657509" lvl="5" indent="-423323">
+              <a:spcBef>
+                <a:spcPts val="2133"/>
+              </a:spcBef>
+              <a:spcAft>
+                <a:spcPts val="0"/>
+              </a:spcAft>
+              <a:buSzPts val="1400"/>
+              <a:buChar char="■"/>
+              <a:defRPr/>
+            </a:lvl6pPr>
+            <a:lvl7pPr marL="4267093" lvl="6" indent="-423323">
+              <a:spcBef>
+                <a:spcPts val="2133"/>
+              </a:spcBef>
+              <a:spcAft>
+                <a:spcPts val="0"/>
+              </a:spcAft>
+              <a:buSzPts val="1400"/>
+              <a:buChar char="●"/>
+              <a:defRPr/>
+            </a:lvl7pPr>
+            <a:lvl8pPr marL="4876678" lvl="7" indent="-423323">
+              <a:spcBef>
+                <a:spcPts val="2133"/>
+              </a:spcBef>
+              <a:spcAft>
+                <a:spcPts val="0"/>
+              </a:spcAft>
+              <a:buSzPts val="1400"/>
+              <a:buChar char="○"/>
+              <a:defRPr/>
+            </a:lvl8pPr>
+            <a:lvl9pPr marL="5486263" lvl="8" indent="-423323">
+              <a:spcBef>
+                <a:spcPts val="2133"/>
+              </a:spcBef>
+              <a:spcAft>
+                <a:spcPts val="2133"/>
+              </a:spcAft>
+              <a:buSzPts val="1400"/>
+              <a:buChar char="■"/>
+              <a:defRPr/>
+            </a:lvl9pPr>
+          </a:lstStyle>
+          <a:p>
+            <a:endParaRPr/>
+          </a:p>
+        </p:txBody>
+      </p:sp>
+      <p:sp>
+        <p:nvSpPr>
+          <p:cNvPr id="19" name="Google Shape;19;p4"/>
+          <p:cNvSpPr txBox="1">
+            <a:spLocks noGrp="1"/>
+          </p:cNvSpPr>
+          <p:nvPr>
+            <p:ph type="sldNum" idx="12"/>
+          </p:nvPr>
+        </p:nvSpPr>
+        <p:spPr>
+          <a:xfrm>
+            <a:off x="11296611" y="6217623"/>
+            <a:ext cx="731600" cy="524800"/>
+          </a:xfrm>
+          <a:prstGeom prst="rect">
+            <a:avLst/>
+          </a:prstGeom>
+        </p:spPr>
+        <p:txBody>
+          <a:bodyPr spcFirstLastPara="1" wrap="square" lIns="91425" tIns="91425" rIns="91425" bIns="91425" anchor="ctr" anchorCtr="0">
+            <a:noAutofit/>
+          </a:bodyPr>
+          <a:lstStyle>
+            <a:lvl1pPr lvl="0">
+              <a:buNone/>
+              <a:defRPr/>
+            </a:lvl1pPr>
+            <a:lvl2pPr lvl="1">
+              <a:buNone/>
+              <a:defRPr/>
+            </a:lvl2pPr>
+            <a:lvl3pPr lvl="2">
+              <a:buNone/>
+              <a:defRPr/>
+            </a:lvl3pPr>
+            <a:lvl4pPr lvl="3">
+              <a:buNone/>
+              <a:defRPr/>
+            </a:lvl4pPr>
+            <a:lvl5pPr lvl="4">
+              <a:buNone/>
+              <a:defRPr/>
+            </a:lvl5pPr>
+            <a:lvl6pPr lvl="5">
+              <a:buNone/>
+              <a:defRPr/>
+            </a:lvl6pPr>
+            <a:lvl7pPr lvl="6">
+              <a:buNone/>
+              <a:defRPr/>
+            </a:lvl7pPr>
+            <a:lvl8pPr lvl="7">
+              <a:buNone/>
+              <a:defRPr/>
+            </a:lvl8pPr>
+            <a:lvl9pPr lvl="8">
+              <a:buNone/>
+              <a:defRPr/>
+            </a:lvl9pPr>
+          </a:lstStyle>
+          <a:p>
+            <a:fld id="{00000000-1234-1234-1234-123412341234}" type="slidenum">
+              <a:rPr lang="en" smtClean="0"/>
+              <a:pPr/>
+              <a:t>‹#›</a:t>
+            </a:fld>
+            <a:endParaRPr lang="en"/>
+          </a:p>
+        </p:txBody>
+      </p:sp>
+    </p:spTree>
+    <p:extLst>
+      <p:ext uri="{BB962C8B-B14F-4D97-AF65-F5344CB8AC3E}">
+        <p14:creationId xmlns:p14="http://schemas.microsoft.com/office/powerpoint/2010/main" val="121395249"/>
+      </p:ext>
+    </p:extLst>
+  </p:cSld>
+  <p:clrMapOvr>
+    <a:masterClrMapping/>
+  </p:clrMapOvr>
+</p:sldLayout>
+</file>
+
+<file path=ppt/slideLayouts/slideLayout14.xml><?xml version="1.0" encoding="utf-8"?>
+<p:sldLayout xmlns:a="http://schemas.openxmlformats.org/drawingml/2006/main" xmlns:r="http://schemas.openxmlformats.org/officeDocument/2006/relationships" xmlns:p="http://schemas.openxmlformats.org/presentationml/2006/main" matchingName="Title and two columns" type="twoColTx">
+  <p:cSld name="Title and two columns">
+    <p:spTree>
+      <p:nvGrpSpPr>
+        <p:cNvPr id="1" name="Shape 20"/>
+        <p:cNvGrpSpPr/>
+        <p:nvPr/>
+      </p:nvGrpSpPr>
+      <p:grpSpPr>
+        <a:xfrm>
+          <a:off x="0" y="0"/>
+          <a:ext cx="0" cy="0"/>
+          <a:chOff x="0" y="0"/>
+          <a:chExt cx="0" cy="0"/>
+        </a:xfrm>
+      </p:grpSpPr>
+      <p:sp>
+        <p:nvSpPr>
+          <p:cNvPr id="21" name="Google Shape;21;p5"/>
+          <p:cNvSpPr txBox="1">
+            <a:spLocks noGrp="1"/>
+          </p:cNvSpPr>
+          <p:nvPr>
+            <p:ph type="title"/>
+          </p:nvPr>
+        </p:nvSpPr>
+        <p:spPr>
+          <a:xfrm>
+            <a:off x="415600" y="593367"/>
+            <a:ext cx="11360800" cy="763600"/>
+          </a:xfrm>
+          <a:prstGeom prst="rect">
+            <a:avLst/>
+          </a:prstGeom>
+        </p:spPr>
+        <p:txBody>
+          <a:bodyPr spcFirstLastPara="1" wrap="square" lIns="91425" tIns="91425" rIns="91425" bIns="91425" anchor="t" anchorCtr="0"/>
+          <a:lstStyle>
+            <a:lvl1pPr lvl="0">
+              <a:spcBef>
+                <a:spcPts val="0"/>
+              </a:spcBef>
+              <a:spcAft>
+                <a:spcPts val="0"/>
+              </a:spcAft>
+              <a:buSzPts val="2800"/>
+              <a:buNone/>
+              <a:defRPr/>
+            </a:lvl1pPr>
+            <a:lvl2pPr lvl="1">
+              <a:spcBef>
+                <a:spcPts val="0"/>
+              </a:spcBef>
+              <a:spcAft>
+                <a:spcPts val="0"/>
+              </a:spcAft>
+              <a:buSzPts val="2800"/>
+              <a:buNone/>
+              <a:defRPr/>
+            </a:lvl2pPr>
+            <a:lvl3pPr lvl="2">
+              <a:spcBef>
+                <a:spcPts val="0"/>
+              </a:spcBef>
+              <a:spcAft>
+                <a:spcPts val="0"/>
+              </a:spcAft>
+              <a:buSzPts val="2800"/>
+              <a:buNone/>
+              <a:defRPr/>
+            </a:lvl3pPr>
+            <a:lvl4pPr lvl="3">
+              <a:spcBef>
+                <a:spcPts val="0"/>
+              </a:spcBef>
+              <a:spcAft>
+                <a:spcPts val="0"/>
+              </a:spcAft>
+              <a:buSzPts val="2800"/>
+              <a:buNone/>
+              <a:defRPr/>
+            </a:lvl4pPr>
+            <a:lvl5pPr lvl="4">
+              <a:spcBef>
+                <a:spcPts val="0"/>
+              </a:spcBef>
+              <a:spcAft>
+                <a:spcPts val="0"/>
+              </a:spcAft>
+              <a:buSzPts val="2800"/>
+              <a:buNone/>
+              <a:defRPr/>
+            </a:lvl5pPr>
+            <a:lvl6pPr lvl="5">
+              <a:spcBef>
+                <a:spcPts val="0"/>
+              </a:spcBef>
+              <a:spcAft>
+                <a:spcPts val="0"/>
+              </a:spcAft>
+              <a:buSzPts val="2800"/>
+              <a:buNone/>
+              <a:defRPr/>
+            </a:lvl6pPr>
+            <a:lvl7pPr lvl="6">
+              <a:spcBef>
+                <a:spcPts val="0"/>
+              </a:spcBef>
+              <a:spcAft>
+                <a:spcPts val="0"/>
+              </a:spcAft>
+              <a:buSzPts val="2800"/>
+              <a:buNone/>
+              <a:defRPr/>
+            </a:lvl7pPr>
+            <a:lvl8pPr lvl="7">
+              <a:spcBef>
+                <a:spcPts val="0"/>
+              </a:spcBef>
+              <a:spcAft>
+                <a:spcPts val="0"/>
+              </a:spcAft>
+              <a:buSzPts val="2800"/>
+              <a:buNone/>
+              <a:defRPr/>
+            </a:lvl8pPr>
+            <a:lvl9pPr lvl="8">
+              <a:spcBef>
+                <a:spcPts val="0"/>
+              </a:spcBef>
+              <a:spcAft>
+                <a:spcPts val="0"/>
+              </a:spcAft>
+              <a:buSzPts val="2800"/>
+              <a:buNone/>
+              <a:defRPr/>
+            </a:lvl9pPr>
+          </a:lstStyle>
+          <a:p>
+            <a:endParaRPr/>
+          </a:p>
+        </p:txBody>
+      </p:sp>
+      <p:sp>
+        <p:nvSpPr>
+          <p:cNvPr id="22" name="Google Shape;22;p5"/>
+          <p:cNvSpPr txBox="1">
+            <a:spLocks noGrp="1"/>
+          </p:cNvSpPr>
+          <p:nvPr>
+            <p:ph type="body" idx="1"/>
+          </p:nvPr>
+        </p:nvSpPr>
+        <p:spPr>
+          <a:xfrm>
+            <a:off x="415600" y="1536633"/>
+            <a:ext cx="5333200" cy="4555200"/>
+          </a:xfrm>
+          <a:prstGeom prst="rect">
+            <a:avLst/>
+          </a:prstGeom>
+        </p:spPr>
+        <p:txBody>
+          <a:bodyPr spcFirstLastPara="1" wrap="square" lIns="91425" tIns="91425" rIns="91425" bIns="91425" anchor="t" anchorCtr="0"/>
+          <a:lstStyle>
+            <a:lvl1pPr marL="609585" lvl="0" indent="-423323">
+              <a:spcBef>
+                <a:spcPts val="0"/>
+              </a:spcBef>
+              <a:spcAft>
+                <a:spcPts val="0"/>
+              </a:spcAft>
+              <a:buSzPts val="1400"/>
+              <a:buChar char="●"/>
+              <a:defRPr sz="1867"/>
+            </a:lvl1pPr>
+            <a:lvl2pPr marL="1219170" lvl="1" indent="-406390">
+              <a:spcBef>
+                <a:spcPts val="2133"/>
+              </a:spcBef>
+              <a:spcAft>
+                <a:spcPts val="0"/>
+              </a:spcAft>
+              <a:buSzPts val="1200"/>
+              <a:buChar char="○"/>
+              <a:defRPr sz="1600"/>
+            </a:lvl2pPr>
+            <a:lvl3pPr marL="1828754" lvl="2" indent="-406390">
+              <a:spcBef>
+                <a:spcPts val="2133"/>
+              </a:spcBef>
+              <a:spcAft>
+                <a:spcPts val="0"/>
+              </a:spcAft>
+              <a:buSzPts val="1200"/>
+              <a:buChar char="■"/>
+              <a:defRPr sz="1600"/>
+            </a:lvl3pPr>
+            <a:lvl4pPr marL="2438339" lvl="3" indent="-406390">
+              <a:spcBef>
+                <a:spcPts val="2133"/>
+              </a:spcBef>
+              <a:spcAft>
+                <a:spcPts val="0"/>
+              </a:spcAft>
+              <a:buSzPts val="1200"/>
+              <a:buChar char="●"/>
+              <a:defRPr sz="1600"/>
+            </a:lvl4pPr>
+            <a:lvl5pPr marL="3047924" lvl="4" indent="-406390">
+              <a:spcBef>
+                <a:spcPts val="2133"/>
+              </a:spcBef>
+              <a:spcAft>
+                <a:spcPts val="0"/>
+              </a:spcAft>
+              <a:buSzPts val="1200"/>
+              <a:buChar char="○"/>
+              <a:defRPr sz="1600"/>
+            </a:lvl5pPr>
+            <a:lvl6pPr marL="3657509" lvl="5" indent="-406390">
+              <a:spcBef>
+                <a:spcPts val="2133"/>
+              </a:spcBef>
+              <a:spcAft>
+                <a:spcPts val="0"/>
+              </a:spcAft>
+              <a:buSzPts val="1200"/>
+              <a:buChar char="■"/>
+              <a:defRPr sz="1600"/>
+            </a:lvl6pPr>
+            <a:lvl7pPr marL="4267093" lvl="6" indent="-406390">
+              <a:spcBef>
+                <a:spcPts val="2133"/>
+              </a:spcBef>
+              <a:spcAft>
+                <a:spcPts val="0"/>
+              </a:spcAft>
+              <a:buSzPts val="1200"/>
+              <a:buChar char="●"/>
+              <a:defRPr sz="1600"/>
+            </a:lvl7pPr>
+            <a:lvl8pPr marL="4876678" lvl="7" indent="-406390">
+              <a:spcBef>
+                <a:spcPts val="2133"/>
+              </a:spcBef>
+              <a:spcAft>
+                <a:spcPts val="0"/>
+              </a:spcAft>
+              <a:buSzPts val="1200"/>
+              <a:buChar char="○"/>
+              <a:defRPr sz="1600"/>
+            </a:lvl8pPr>
+            <a:lvl9pPr marL="5486263" lvl="8" indent="-406390">
+              <a:spcBef>
+                <a:spcPts val="2133"/>
+              </a:spcBef>
+              <a:spcAft>
+                <a:spcPts val="2133"/>
+              </a:spcAft>
+              <a:buSzPts val="1200"/>
+              <a:buChar char="■"/>
+              <a:defRPr sz="1600"/>
+            </a:lvl9pPr>
+          </a:lstStyle>
+          <a:p>
+            <a:endParaRPr/>
+          </a:p>
+        </p:txBody>
+      </p:sp>
+      <p:sp>
+        <p:nvSpPr>
+          <p:cNvPr id="23" name="Google Shape;23;p5"/>
+          <p:cNvSpPr txBox="1">
+            <a:spLocks noGrp="1"/>
+          </p:cNvSpPr>
+          <p:nvPr>
+            <p:ph type="body" idx="2"/>
+          </p:nvPr>
+        </p:nvSpPr>
+        <p:spPr>
+          <a:xfrm>
+            <a:off x="6443200" y="1536633"/>
+            <a:ext cx="5333200" cy="4555200"/>
+          </a:xfrm>
+          <a:prstGeom prst="rect">
+            <a:avLst/>
+          </a:prstGeom>
+        </p:spPr>
+        <p:txBody>
+          <a:bodyPr spcFirstLastPara="1" wrap="square" lIns="91425" tIns="91425" rIns="91425" bIns="91425" anchor="t" anchorCtr="0"/>
+          <a:lstStyle>
+            <a:lvl1pPr marL="609585" lvl="0" indent="-423323">
+              <a:spcBef>
+                <a:spcPts val="0"/>
+              </a:spcBef>
+              <a:spcAft>
+                <a:spcPts val="0"/>
+              </a:spcAft>
+              <a:buSzPts val="1400"/>
+              <a:buChar char="●"/>
+              <a:defRPr sz="1867"/>
+            </a:lvl1pPr>
+            <a:lvl2pPr marL="1219170" lvl="1" indent="-406390">
+              <a:spcBef>
+                <a:spcPts val="2133"/>
+              </a:spcBef>
+              <a:spcAft>
+                <a:spcPts val="0"/>
+              </a:spcAft>
+              <a:buSzPts val="1200"/>
+              <a:buChar char="○"/>
+              <a:defRPr sz="1600"/>
+            </a:lvl2pPr>
+            <a:lvl3pPr marL="1828754" lvl="2" indent="-406390">
+              <a:spcBef>
+                <a:spcPts val="2133"/>
+              </a:spcBef>
+              <a:spcAft>
+                <a:spcPts val="0"/>
+              </a:spcAft>
+              <a:buSzPts val="1200"/>
+              <a:buChar char="■"/>
+              <a:defRPr sz="1600"/>
+            </a:lvl3pPr>
+            <a:lvl4pPr marL="2438339" lvl="3" indent="-406390">
+              <a:spcBef>
+                <a:spcPts val="2133"/>
+              </a:spcBef>
+              <a:spcAft>
+                <a:spcPts val="0"/>
+              </a:spcAft>
+              <a:buSzPts val="1200"/>
+              <a:buChar char="●"/>
+              <a:defRPr sz="1600"/>
+            </a:lvl4pPr>
+            <a:lvl5pPr marL="3047924" lvl="4" indent="-406390">
+              <a:spcBef>
+                <a:spcPts val="2133"/>
+              </a:spcBef>
+              <a:spcAft>
+                <a:spcPts val="0"/>
+              </a:spcAft>
+              <a:buSzPts val="1200"/>
+              <a:buChar char="○"/>
+              <a:defRPr sz="1600"/>
+            </a:lvl5pPr>
+            <a:lvl6pPr marL="3657509" lvl="5" indent="-406390">
+              <a:spcBef>
+                <a:spcPts val="2133"/>
+              </a:spcBef>
+              <a:spcAft>
+                <a:spcPts val="0"/>
+              </a:spcAft>
+              <a:buSzPts val="1200"/>
+              <a:buChar char="■"/>
+              <a:defRPr sz="1600"/>
+            </a:lvl6pPr>
+            <a:lvl7pPr marL="4267093" lvl="6" indent="-406390">
+              <a:spcBef>
+                <a:spcPts val="2133"/>
+              </a:spcBef>
+              <a:spcAft>
+                <a:spcPts val="0"/>
+              </a:spcAft>
+              <a:buSzPts val="1200"/>
+              <a:buChar char="●"/>
+              <a:defRPr sz="1600"/>
+            </a:lvl7pPr>
+            <a:lvl8pPr marL="4876678" lvl="7" indent="-406390">
+              <a:spcBef>
+                <a:spcPts val="2133"/>
+              </a:spcBef>
+              <a:spcAft>
+                <a:spcPts val="0"/>
+              </a:spcAft>
+              <a:buSzPts val="1200"/>
+              <a:buChar char="○"/>
+              <a:defRPr sz="1600"/>
+            </a:lvl8pPr>
+            <a:lvl9pPr marL="5486263" lvl="8" indent="-406390">
+              <a:spcBef>
+                <a:spcPts val="2133"/>
+              </a:spcBef>
+              <a:spcAft>
+                <a:spcPts val="2133"/>
+              </a:spcAft>
+              <a:buSzPts val="1200"/>
+              <a:buChar char="■"/>
+              <a:defRPr sz="1600"/>
+            </a:lvl9pPr>
+          </a:lstStyle>
+          <a:p>
+            <a:endParaRPr/>
+          </a:p>
+        </p:txBody>
+      </p:sp>
+      <p:sp>
+        <p:nvSpPr>
+          <p:cNvPr id="24" name="Google Shape;24;p5"/>
+          <p:cNvSpPr txBox="1">
+            <a:spLocks noGrp="1"/>
+          </p:cNvSpPr>
+          <p:nvPr>
+            <p:ph type="sldNum" idx="12"/>
+          </p:nvPr>
+        </p:nvSpPr>
+        <p:spPr>
+          <a:xfrm>
+            <a:off x="11296611" y="6217623"/>
+            <a:ext cx="731600" cy="524800"/>
+          </a:xfrm>
+          <a:prstGeom prst="rect">
+            <a:avLst/>
+          </a:prstGeom>
+        </p:spPr>
+        <p:txBody>
+          <a:bodyPr spcFirstLastPara="1" wrap="square" lIns="91425" tIns="91425" rIns="91425" bIns="91425" anchor="ctr" anchorCtr="0">
+            <a:noAutofit/>
+          </a:bodyPr>
+          <a:lstStyle>
+            <a:lvl1pPr lvl="0">
+              <a:buNone/>
+              <a:defRPr/>
+            </a:lvl1pPr>
+            <a:lvl2pPr lvl="1">
+              <a:buNone/>
+              <a:defRPr/>
+            </a:lvl2pPr>
+            <a:lvl3pPr lvl="2">
+              <a:buNone/>
+              <a:defRPr/>
+            </a:lvl3pPr>
+            <a:lvl4pPr lvl="3">
+              <a:buNone/>
+              <a:defRPr/>
+            </a:lvl4pPr>
+            <a:lvl5pPr lvl="4">
+              <a:buNone/>
+              <a:defRPr/>
+            </a:lvl5pPr>
+            <a:lvl6pPr lvl="5">
+              <a:buNone/>
+              <a:defRPr/>
+            </a:lvl6pPr>
+            <a:lvl7pPr lvl="6">
+              <a:buNone/>
+              <a:defRPr/>
+            </a:lvl7pPr>
+            <a:lvl8pPr lvl="7">
+              <a:buNone/>
+              <a:defRPr/>
+            </a:lvl8pPr>
+            <a:lvl9pPr lvl="8">
+              <a:buNone/>
+              <a:defRPr/>
+            </a:lvl9pPr>
+          </a:lstStyle>
+          <a:p>
+            <a:fld id="{00000000-1234-1234-1234-123412341234}" type="slidenum">
+              <a:rPr lang="en" smtClean="0"/>
+              <a:pPr/>
+              <a:t>‹#›</a:t>
+            </a:fld>
+            <a:endParaRPr lang="en"/>
+          </a:p>
+        </p:txBody>
+      </p:sp>
+    </p:spTree>
+    <p:extLst>
+      <p:ext uri="{BB962C8B-B14F-4D97-AF65-F5344CB8AC3E}">
+        <p14:creationId xmlns:p14="http://schemas.microsoft.com/office/powerpoint/2010/main" val="2873633079"/>
+      </p:ext>
+    </p:extLst>
+  </p:cSld>
+  <p:clrMapOvr>
+    <a:masterClrMapping/>
+  </p:clrMapOvr>
+</p:sldLayout>
+</file>
+
+<file path=ppt/slideLayouts/slideLayout15.xml><?xml version="1.0" encoding="utf-8"?>
+<p:sldLayout xmlns:a="http://schemas.openxmlformats.org/drawingml/2006/main" xmlns:r="http://schemas.openxmlformats.org/officeDocument/2006/relationships" xmlns:p="http://schemas.openxmlformats.org/presentationml/2006/main" matchingName="Title only" type="titleOnly">
+  <p:cSld name="Title only">
+    <p:spTree>
+      <p:nvGrpSpPr>
+        <p:cNvPr id="1" name="Shape 25"/>
+        <p:cNvGrpSpPr/>
+        <p:nvPr/>
+      </p:nvGrpSpPr>
+      <p:grpSpPr>
+        <a:xfrm>
+          <a:off x="0" y="0"/>
+          <a:ext cx="0" cy="0"/>
+          <a:chOff x="0" y="0"/>
+          <a:chExt cx="0" cy="0"/>
+        </a:xfrm>
+      </p:grpSpPr>
+      <p:sp>
+        <p:nvSpPr>
+          <p:cNvPr id="26" name="Google Shape;26;p6"/>
+          <p:cNvSpPr txBox="1">
+            <a:spLocks noGrp="1"/>
+          </p:cNvSpPr>
+          <p:nvPr>
+            <p:ph type="title"/>
+          </p:nvPr>
+        </p:nvSpPr>
+        <p:spPr>
+          <a:xfrm>
+            <a:off x="415600" y="593367"/>
+            <a:ext cx="11360800" cy="763600"/>
+          </a:xfrm>
+          <a:prstGeom prst="rect">
+            <a:avLst/>
+          </a:prstGeom>
+        </p:spPr>
+        <p:txBody>
+          <a:bodyPr spcFirstLastPara="1" wrap="square" lIns="91425" tIns="91425" rIns="91425" bIns="91425" anchor="t" anchorCtr="0"/>
+          <a:lstStyle>
+            <a:lvl1pPr lvl="0">
+              <a:spcBef>
+                <a:spcPts val="0"/>
+              </a:spcBef>
+              <a:spcAft>
+                <a:spcPts val="0"/>
+              </a:spcAft>
+              <a:buSzPts val="2800"/>
+              <a:buNone/>
+              <a:defRPr/>
+            </a:lvl1pPr>
+            <a:lvl2pPr lvl="1">
+              <a:spcBef>
+                <a:spcPts val="0"/>
+              </a:spcBef>
+              <a:spcAft>
+                <a:spcPts val="0"/>
+              </a:spcAft>
+              <a:buSzPts val="2800"/>
+              <a:buNone/>
+              <a:defRPr/>
+            </a:lvl2pPr>
+            <a:lvl3pPr lvl="2">
+              <a:spcBef>
+                <a:spcPts val="0"/>
+              </a:spcBef>
+              <a:spcAft>
+                <a:spcPts val="0"/>
+              </a:spcAft>
+              <a:buSzPts val="2800"/>
+              <a:buNone/>
+              <a:defRPr/>
+            </a:lvl3pPr>
+            <a:lvl4pPr lvl="3">
+              <a:spcBef>
+                <a:spcPts val="0"/>
+              </a:spcBef>
+              <a:spcAft>
+                <a:spcPts val="0"/>
+              </a:spcAft>
+              <a:buSzPts val="2800"/>
+              <a:buNone/>
+              <a:defRPr/>
+            </a:lvl4pPr>
+            <a:lvl5pPr lvl="4">
+              <a:spcBef>
+                <a:spcPts val="0"/>
+              </a:spcBef>
+              <a:spcAft>
+                <a:spcPts val="0"/>
+              </a:spcAft>
+              <a:buSzPts val="2800"/>
+              <a:buNone/>
+              <a:defRPr/>
+            </a:lvl5pPr>
+            <a:lvl6pPr lvl="5">
+              <a:spcBef>
+                <a:spcPts val="0"/>
+              </a:spcBef>
+              <a:spcAft>
+                <a:spcPts val="0"/>
+              </a:spcAft>
+              <a:buSzPts val="2800"/>
+              <a:buNone/>
+              <a:defRPr/>
+            </a:lvl6pPr>
+            <a:lvl7pPr lvl="6">
+              <a:spcBef>
+                <a:spcPts val="0"/>
+              </a:spcBef>
+              <a:spcAft>
+                <a:spcPts val="0"/>
+              </a:spcAft>
+              <a:buSzPts val="2800"/>
+              <a:buNone/>
+              <a:defRPr/>
+            </a:lvl7pPr>
+            <a:lvl8pPr lvl="7">
+              <a:spcBef>
+                <a:spcPts val="0"/>
+              </a:spcBef>
+              <a:spcAft>
+                <a:spcPts val="0"/>
+              </a:spcAft>
+              <a:buSzPts val="2800"/>
+              <a:buNone/>
+              <a:defRPr/>
+            </a:lvl8pPr>
+            <a:lvl9pPr lvl="8">
+              <a:spcBef>
+                <a:spcPts val="0"/>
+              </a:spcBef>
+              <a:spcAft>
+                <a:spcPts val="0"/>
+              </a:spcAft>
+              <a:buSzPts val="2800"/>
+              <a:buNone/>
+              <a:defRPr/>
+            </a:lvl9pPr>
+          </a:lstStyle>
+          <a:p>
+            <a:endParaRPr/>
+          </a:p>
+        </p:txBody>
+      </p:sp>
+      <p:sp>
+        <p:nvSpPr>
+          <p:cNvPr id="27" name="Google Shape;27;p6"/>
+          <p:cNvSpPr txBox="1">
+            <a:spLocks noGrp="1"/>
+          </p:cNvSpPr>
+          <p:nvPr>
+            <p:ph type="sldNum" idx="12"/>
+          </p:nvPr>
+        </p:nvSpPr>
+        <p:spPr>
+          <a:xfrm>
+            <a:off x="11296611" y="6217623"/>
+            <a:ext cx="731600" cy="524800"/>
+          </a:xfrm>
+          <a:prstGeom prst="rect">
+            <a:avLst/>
+          </a:prstGeom>
+        </p:spPr>
+        <p:txBody>
+          <a:bodyPr spcFirstLastPara="1" wrap="square" lIns="91425" tIns="91425" rIns="91425" bIns="91425" anchor="ctr" anchorCtr="0">
+            <a:noAutofit/>
+          </a:bodyPr>
+          <a:lstStyle>
+            <a:lvl1pPr lvl="0">
+              <a:buNone/>
+              <a:defRPr/>
+            </a:lvl1pPr>
+            <a:lvl2pPr lvl="1">
+              <a:buNone/>
+              <a:defRPr/>
+            </a:lvl2pPr>
+            <a:lvl3pPr lvl="2">
+              <a:buNone/>
+              <a:defRPr/>
+            </a:lvl3pPr>
+            <a:lvl4pPr lvl="3">
+              <a:buNone/>
+              <a:defRPr/>
+            </a:lvl4pPr>
+            <a:lvl5pPr lvl="4">
+              <a:buNone/>
+              <a:defRPr/>
+            </a:lvl5pPr>
+            <a:lvl6pPr lvl="5">
+              <a:buNone/>
+              <a:defRPr/>
+            </a:lvl6pPr>
+            <a:lvl7pPr lvl="6">
+              <a:buNone/>
+              <a:defRPr/>
+            </a:lvl7pPr>
+            <a:lvl8pPr lvl="7">
+              <a:buNone/>
+              <a:defRPr/>
+            </a:lvl8pPr>
+            <a:lvl9pPr lvl="8">
+              <a:buNone/>
+              <a:defRPr/>
+            </a:lvl9pPr>
+          </a:lstStyle>
+          <a:p>
+            <a:fld id="{00000000-1234-1234-1234-123412341234}" type="slidenum">
+              <a:rPr lang="en" smtClean="0"/>
+              <a:pPr/>
+              <a:t>‹#›</a:t>
+            </a:fld>
+            <a:endParaRPr lang="en"/>
+          </a:p>
+        </p:txBody>
+      </p:sp>
+    </p:spTree>
+    <p:extLst>
+      <p:ext uri="{BB962C8B-B14F-4D97-AF65-F5344CB8AC3E}">
+        <p14:creationId xmlns:p14="http://schemas.microsoft.com/office/powerpoint/2010/main" val="1126640887"/>
+      </p:ext>
+    </p:extLst>
+  </p:cSld>
+  <p:clrMapOvr>
+    <a:masterClrMapping/>
+  </p:clrMapOvr>
+</p:sldLayout>
+</file>
+
+<file path=ppt/slideLayouts/slideLayout16.xml><?xml version="1.0" encoding="utf-8"?>
+<p:sldLayout xmlns:a="http://schemas.openxmlformats.org/drawingml/2006/main" xmlns:r="http://schemas.openxmlformats.org/officeDocument/2006/relationships" xmlns:p="http://schemas.openxmlformats.org/presentationml/2006/main" matchingName="One column text">
+  <p:cSld name="One column text">
+    <p:spTree>
+      <p:nvGrpSpPr>
+        <p:cNvPr id="1" name="Shape 28"/>
+        <p:cNvGrpSpPr/>
+        <p:nvPr/>
+      </p:nvGrpSpPr>
+      <p:grpSpPr>
+        <a:xfrm>
+          <a:off x="0" y="0"/>
+          <a:ext cx="0" cy="0"/>
+          <a:chOff x="0" y="0"/>
+          <a:chExt cx="0" cy="0"/>
+        </a:xfrm>
+      </p:grpSpPr>
+      <p:sp>
+        <p:nvSpPr>
+          <p:cNvPr id="29" name="Google Shape;29;p7"/>
+          <p:cNvSpPr txBox="1">
+            <a:spLocks noGrp="1"/>
+          </p:cNvSpPr>
+          <p:nvPr>
+            <p:ph type="title"/>
+          </p:nvPr>
+        </p:nvSpPr>
+        <p:spPr>
+          <a:xfrm>
+            <a:off x="415600" y="740800"/>
+            <a:ext cx="3744000" cy="1007600"/>
+          </a:xfrm>
+          <a:prstGeom prst="rect">
+            <a:avLst/>
+          </a:prstGeom>
+        </p:spPr>
+        <p:txBody>
+          <a:bodyPr spcFirstLastPara="1" wrap="square" lIns="91425" tIns="91425" rIns="91425" bIns="91425" anchor="b" anchorCtr="0"/>
+          <a:lstStyle>
+            <a:lvl1pPr lvl="0">
+              <a:spcBef>
+                <a:spcPts val="0"/>
+              </a:spcBef>
+              <a:spcAft>
+                <a:spcPts val="0"/>
+              </a:spcAft>
+              <a:buSzPts val="2400"/>
+              <a:buNone/>
+              <a:defRPr sz="3200"/>
+            </a:lvl1pPr>
+            <a:lvl2pPr lvl="1">
+              <a:spcBef>
+                <a:spcPts val="0"/>
+              </a:spcBef>
+              <a:spcAft>
+                <a:spcPts val="0"/>
+              </a:spcAft>
+              <a:buSzPts val="2400"/>
+              <a:buNone/>
+              <a:defRPr sz="3200"/>
+            </a:lvl2pPr>
+            <a:lvl3pPr lvl="2">
+              <a:spcBef>
+                <a:spcPts val="0"/>
+              </a:spcBef>
+              <a:spcAft>
+                <a:spcPts val="0"/>
+              </a:spcAft>
+              <a:buSzPts val="2400"/>
+              <a:buNone/>
+              <a:defRPr sz="3200"/>
+            </a:lvl3pPr>
+            <a:lvl4pPr lvl="3">
+              <a:spcBef>
+                <a:spcPts val="0"/>
+              </a:spcBef>
+              <a:spcAft>
+                <a:spcPts val="0"/>
+              </a:spcAft>
+              <a:buSzPts val="2400"/>
+              <a:buNone/>
+              <a:defRPr sz="3200"/>
+            </a:lvl4pPr>
+            <a:lvl5pPr lvl="4">
+              <a:spcBef>
+                <a:spcPts val="0"/>
+              </a:spcBef>
+              <a:spcAft>
+                <a:spcPts val="0"/>
+              </a:spcAft>
+              <a:buSzPts val="2400"/>
+              <a:buNone/>
+              <a:defRPr sz="3200"/>
+            </a:lvl5pPr>
+            <a:lvl6pPr lvl="5">
+              <a:spcBef>
+                <a:spcPts val="0"/>
+              </a:spcBef>
+              <a:spcAft>
+                <a:spcPts val="0"/>
+              </a:spcAft>
+              <a:buSzPts val="2400"/>
+              <a:buNone/>
+              <a:defRPr sz="3200"/>
+            </a:lvl6pPr>
+            <a:lvl7pPr lvl="6">
+              <a:spcBef>
+                <a:spcPts val="0"/>
+              </a:spcBef>
+              <a:spcAft>
+                <a:spcPts val="0"/>
+              </a:spcAft>
+              <a:buSzPts val="2400"/>
+              <a:buNone/>
+              <a:defRPr sz="3200"/>
+            </a:lvl7pPr>
+            <a:lvl8pPr lvl="7">
+              <a:spcBef>
+                <a:spcPts val="0"/>
+              </a:spcBef>
+              <a:spcAft>
+                <a:spcPts val="0"/>
+              </a:spcAft>
+              <a:buSzPts val="2400"/>
+              <a:buNone/>
+              <a:defRPr sz="3200"/>
+            </a:lvl8pPr>
+            <a:lvl9pPr lvl="8">
+              <a:spcBef>
+                <a:spcPts val="0"/>
+              </a:spcBef>
+              <a:spcAft>
+                <a:spcPts val="0"/>
+              </a:spcAft>
+              <a:buSzPts val="2400"/>
+              <a:buNone/>
+              <a:defRPr sz="3200"/>
+            </a:lvl9pPr>
+          </a:lstStyle>
+          <a:p>
+            <a:endParaRPr/>
+          </a:p>
+        </p:txBody>
+      </p:sp>
+      <p:sp>
+        <p:nvSpPr>
+          <p:cNvPr id="30" name="Google Shape;30;p7"/>
+          <p:cNvSpPr txBox="1">
+            <a:spLocks noGrp="1"/>
+          </p:cNvSpPr>
+          <p:nvPr>
+            <p:ph type="body" idx="1"/>
+          </p:nvPr>
+        </p:nvSpPr>
+        <p:spPr>
+          <a:xfrm>
+            <a:off x="415600" y="1852800"/>
+            <a:ext cx="3744000" cy="4239200"/>
+          </a:xfrm>
+          <a:prstGeom prst="rect">
+            <a:avLst/>
+          </a:prstGeom>
+        </p:spPr>
+        <p:txBody>
+          <a:bodyPr spcFirstLastPara="1" wrap="square" lIns="91425" tIns="91425" rIns="91425" bIns="91425" anchor="t" anchorCtr="0"/>
+          <a:lstStyle>
+            <a:lvl1pPr marL="609585" lvl="0" indent="-406390">
+              <a:spcBef>
+                <a:spcPts val="0"/>
+              </a:spcBef>
+              <a:spcAft>
+                <a:spcPts val="0"/>
+              </a:spcAft>
+              <a:buSzPts val="1200"/>
+              <a:buChar char="●"/>
+              <a:defRPr sz="1600"/>
+            </a:lvl1pPr>
+            <a:lvl2pPr marL="1219170" lvl="1" indent="-406390">
+              <a:spcBef>
+                <a:spcPts val="2133"/>
+              </a:spcBef>
+              <a:spcAft>
+                <a:spcPts val="0"/>
+              </a:spcAft>
+              <a:buSzPts val="1200"/>
+              <a:buChar char="○"/>
+              <a:defRPr sz="1600"/>
+            </a:lvl2pPr>
+            <a:lvl3pPr marL="1828754" lvl="2" indent="-406390">
+              <a:spcBef>
+                <a:spcPts val="2133"/>
+              </a:spcBef>
+              <a:spcAft>
+                <a:spcPts val="0"/>
+              </a:spcAft>
+              <a:buSzPts val="1200"/>
+              <a:buChar char="■"/>
+              <a:defRPr sz="1600"/>
+            </a:lvl3pPr>
+            <a:lvl4pPr marL="2438339" lvl="3" indent="-406390">
+              <a:spcBef>
+                <a:spcPts val="2133"/>
+              </a:spcBef>
+              <a:spcAft>
+                <a:spcPts val="0"/>
+              </a:spcAft>
+              <a:buSzPts val="1200"/>
+              <a:buChar char="●"/>
+              <a:defRPr sz="1600"/>
+            </a:lvl4pPr>
+            <a:lvl5pPr marL="3047924" lvl="4" indent="-406390">
+              <a:spcBef>
+                <a:spcPts val="2133"/>
+              </a:spcBef>
+              <a:spcAft>
+                <a:spcPts val="0"/>
+              </a:spcAft>
+              <a:buSzPts val="1200"/>
+              <a:buChar char="○"/>
+              <a:defRPr sz="1600"/>
+            </a:lvl5pPr>
+            <a:lvl6pPr marL="3657509" lvl="5" indent="-406390">
+              <a:spcBef>
+                <a:spcPts val="2133"/>
+              </a:spcBef>
+              <a:spcAft>
+                <a:spcPts val="0"/>
+              </a:spcAft>
+              <a:buSzPts val="1200"/>
+              <a:buChar char="■"/>
+              <a:defRPr sz="1600"/>
+            </a:lvl6pPr>
+            <a:lvl7pPr marL="4267093" lvl="6" indent="-406390">
+              <a:spcBef>
+                <a:spcPts val="2133"/>
+              </a:spcBef>
+              <a:spcAft>
+                <a:spcPts val="0"/>
+              </a:spcAft>
+              <a:buSzPts val="1200"/>
+              <a:buChar char="●"/>
+              <a:defRPr sz="1600"/>
+            </a:lvl7pPr>
+            <a:lvl8pPr marL="4876678" lvl="7" indent="-406390">
+              <a:spcBef>
+                <a:spcPts val="2133"/>
+              </a:spcBef>
+              <a:spcAft>
+                <a:spcPts val="0"/>
+              </a:spcAft>
+              <a:buSzPts val="1200"/>
+              <a:buChar char="○"/>
+              <a:defRPr sz="1600"/>
+            </a:lvl8pPr>
+            <a:lvl9pPr marL="5486263" lvl="8" indent="-406390">
+              <a:spcBef>
+                <a:spcPts val="2133"/>
+              </a:spcBef>
+              <a:spcAft>
+                <a:spcPts val="2133"/>
+              </a:spcAft>
+              <a:buSzPts val="1200"/>
+              <a:buChar char="■"/>
+              <a:defRPr sz="1600"/>
+            </a:lvl9pPr>
+          </a:lstStyle>
+          <a:p>
+            <a:endParaRPr/>
+          </a:p>
+        </p:txBody>
+      </p:sp>
+      <p:sp>
+        <p:nvSpPr>
+          <p:cNvPr id="31" name="Google Shape;31;p7"/>
+          <p:cNvSpPr txBox="1">
+            <a:spLocks noGrp="1"/>
+          </p:cNvSpPr>
+          <p:nvPr>
+            <p:ph type="sldNum" idx="12"/>
+          </p:nvPr>
+        </p:nvSpPr>
+        <p:spPr>
+          <a:xfrm>
+            <a:off x="11296611" y="6217623"/>
+            <a:ext cx="731600" cy="524800"/>
+          </a:xfrm>
+          <a:prstGeom prst="rect">
+            <a:avLst/>
+          </a:prstGeom>
+        </p:spPr>
+        <p:txBody>
+          <a:bodyPr spcFirstLastPara="1" wrap="square" lIns="91425" tIns="91425" rIns="91425" bIns="91425" anchor="ctr" anchorCtr="0">
+            <a:noAutofit/>
+          </a:bodyPr>
+          <a:lstStyle>
+            <a:lvl1pPr lvl="0">
+              <a:buNone/>
+              <a:defRPr/>
+            </a:lvl1pPr>
+            <a:lvl2pPr lvl="1">
+              <a:buNone/>
+              <a:defRPr/>
+            </a:lvl2pPr>
+            <a:lvl3pPr lvl="2">
+              <a:buNone/>
+              <a:defRPr/>
+            </a:lvl3pPr>
+            <a:lvl4pPr lvl="3">
+              <a:buNone/>
+              <a:defRPr/>
+            </a:lvl4pPr>
+            <a:lvl5pPr lvl="4">
+              <a:buNone/>
+              <a:defRPr/>
+            </a:lvl5pPr>
+            <a:lvl6pPr lvl="5">
+              <a:buNone/>
+              <a:defRPr/>
+            </a:lvl6pPr>
+            <a:lvl7pPr lvl="6">
+              <a:buNone/>
+              <a:defRPr/>
+            </a:lvl7pPr>
+            <a:lvl8pPr lvl="7">
+              <a:buNone/>
+              <a:defRPr/>
+            </a:lvl8pPr>
+            <a:lvl9pPr lvl="8">
+              <a:buNone/>
+              <a:defRPr/>
+            </a:lvl9pPr>
+          </a:lstStyle>
+          <a:p>
+            <a:fld id="{00000000-1234-1234-1234-123412341234}" type="slidenum">
+              <a:rPr lang="en" smtClean="0"/>
+              <a:pPr/>
+              <a:t>‹#›</a:t>
+            </a:fld>
+            <a:endParaRPr lang="en"/>
+          </a:p>
+        </p:txBody>
+      </p:sp>
+    </p:spTree>
+    <p:extLst>
+      <p:ext uri="{BB962C8B-B14F-4D97-AF65-F5344CB8AC3E}">
+        <p14:creationId xmlns:p14="http://schemas.microsoft.com/office/powerpoint/2010/main" val="537486444"/>
+      </p:ext>
+    </p:extLst>
+  </p:cSld>
+  <p:clrMapOvr>
+    <a:masterClrMapping/>
+  </p:clrMapOvr>
+</p:sldLayout>
+</file>
+
+<file path=ppt/slideLayouts/slideLayout17.xml><?xml version="1.0" encoding="utf-8"?>
+<p:sldLayout xmlns:a="http://schemas.openxmlformats.org/drawingml/2006/main" xmlns:r="http://schemas.openxmlformats.org/officeDocument/2006/relationships" xmlns:p="http://schemas.openxmlformats.org/presentationml/2006/main" matchingName="Main point">
+  <p:cSld name="Main point">
+    <p:spTree>
+      <p:nvGrpSpPr>
+        <p:cNvPr id="1" name="Shape 32"/>
+        <p:cNvGrpSpPr/>
+        <p:nvPr/>
+      </p:nvGrpSpPr>
+      <p:grpSpPr>
+        <a:xfrm>
+          <a:off x="0" y="0"/>
+          <a:ext cx="0" cy="0"/>
+          <a:chOff x="0" y="0"/>
+          <a:chExt cx="0" cy="0"/>
+        </a:xfrm>
+      </p:grpSpPr>
+      <p:sp>
+        <p:nvSpPr>
+          <p:cNvPr id="33" name="Google Shape;33;p8"/>
+          <p:cNvSpPr txBox="1">
+            <a:spLocks noGrp="1"/>
+          </p:cNvSpPr>
+          <p:nvPr>
+            <p:ph type="title"/>
+          </p:nvPr>
+        </p:nvSpPr>
+        <p:spPr>
+          <a:xfrm>
+            <a:off x="653667" y="600200"/>
+            <a:ext cx="8490400" cy="5454400"/>
+          </a:xfrm>
+          <a:prstGeom prst="rect">
+            <a:avLst/>
+          </a:prstGeom>
+        </p:spPr>
+        <p:txBody>
+          <a:bodyPr spcFirstLastPara="1" wrap="square" lIns="91425" tIns="91425" rIns="91425" bIns="91425" anchor="ctr" anchorCtr="0"/>
+          <a:lstStyle>
+            <a:lvl1pPr lvl="0">
+              <a:spcBef>
+                <a:spcPts val="0"/>
+              </a:spcBef>
+              <a:spcAft>
+                <a:spcPts val="0"/>
+              </a:spcAft>
+              <a:buSzPts val="4800"/>
+              <a:buNone/>
+              <a:defRPr sz="6400"/>
+            </a:lvl1pPr>
+            <a:lvl2pPr lvl="1">
+              <a:spcBef>
+                <a:spcPts val="0"/>
+              </a:spcBef>
+              <a:spcAft>
+                <a:spcPts val="0"/>
+              </a:spcAft>
+              <a:buSzPts val="4800"/>
+              <a:buNone/>
+              <a:defRPr sz="6400"/>
+            </a:lvl2pPr>
+            <a:lvl3pPr lvl="2">
+              <a:spcBef>
+                <a:spcPts val="0"/>
+              </a:spcBef>
+              <a:spcAft>
+                <a:spcPts val="0"/>
+              </a:spcAft>
+              <a:buSzPts val="4800"/>
+              <a:buNone/>
+              <a:defRPr sz="6400"/>
+            </a:lvl3pPr>
+            <a:lvl4pPr lvl="3">
+              <a:spcBef>
+                <a:spcPts val="0"/>
+              </a:spcBef>
+              <a:spcAft>
+                <a:spcPts val="0"/>
+              </a:spcAft>
+              <a:buSzPts val="4800"/>
+              <a:buNone/>
+              <a:defRPr sz="6400"/>
+            </a:lvl4pPr>
+            <a:lvl5pPr lvl="4">
+              <a:spcBef>
+                <a:spcPts val="0"/>
+              </a:spcBef>
+              <a:spcAft>
+                <a:spcPts val="0"/>
+              </a:spcAft>
+              <a:buSzPts val="4800"/>
+              <a:buNone/>
+              <a:defRPr sz="6400"/>
+            </a:lvl5pPr>
+            <a:lvl6pPr lvl="5">
+              <a:spcBef>
+                <a:spcPts val="0"/>
+              </a:spcBef>
+              <a:spcAft>
+                <a:spcPts val="0"/>
+              </a:spcAft>
+              <a:buSzPts val="4800"/>
+              <a:buNone/>
+              <a:defRPr sz="6400"/>
+            </a:lvl6pPr>
+            <a:lvl7pPr lvl="6">
+              <a:spcBef>
+                <a:spcPts val="0"/>
+              </a:spcBef>
+              <a:spcAft>
+                <a:spcPts val="0"/>
+              </a:spcAft>
+              <a:buSzPts val="4800"/>
+              <a:buNone/>
+              <a:defRPr sz="6400"/>
+            </a:lvl7pPr>
+            <a:lvl8pPr lvl="7">
+              <a:spcBef>
+                <a:spcPts val="0"/>
+              </a:spcBef>
+              <a:spcAft>
+                <a:spcPts val="0"/>
+              </a:spcAft>
+              <a:buSzPts val="4800"/>
+              <a:buNone/>
+              <a:defRPr sz="6400"/>
+            </a:lvl8pPr>
+            <a:lvl9pPr lvl="8">
+              <a:spcBef>
+                <a:spcPts val="0"/>
+              </a:spcBef>
+              <a:spcAft>
+                <a:spcPts val="0"/>
+              </a:spcAft>
+              <a:buSzPts val="4800"/>
+              <a:buNone/>
+              <a:defRPr sz="6400"/>
+            </a:lvl9pPr>
+          </a:lstStyle>
+          <a:p>
+            <a:endParaRPr/>
+          </a:p>
+        </p:txBody>
+      </p:sp>
+      <p:sp>
+        <p:nvSpPr>
+          <p:cNvPr id="34" name="Google Shape;34;p8"/>
+          <p:cNvSpPr txBox="1">
+            <a:spLocks noGrp="1"/>
+          </p:cNvSpPr>
+          <p:nvPr>
+            <p:ph type="sldNum" idx="12"/>
+          </p:nvPr>
+        </p:nvSpPr>
+        <p:spPr>
+          <a:xfrm>
+            <a:off x="11296611" y="6217623"/>
+            <a:ext cx="731600" cy="524800"/>
+          </a:xfrm>
+          <a:prstGeom prst="rect">
+            <a:avLst/>
+          </a:prstGeom>
+        </p:spPr>
+        <p:txBody>
+          <a:bodyPr spcFirstLastPara="1" wrap="square" lIns="91425" tIns="91425" rIns="91425" bIns="91425" anchor="ctr" anchorCtr="0">
+            <a:noAutofit/>
+          </a:bodyPr>
+          <a:lstStyle>
+            <a:lvl1pPr lvl="0">
+              <a:buNone/>
+              <a:defRPr/>
+            </a:lvl1pPr>
+            <a:lvl2pPr lvl="1">
+              <a:buNone/>
+              <a:defRPr/>
+            </a:lvl2pPr>
+            <a:lvl3pPr lvl="2">
+              <a:buNone/>
+              <a:defRPr/>
+            </a:lvl3pPr>
+            <a:lvl4pPr lvl="3">
+              <a:buNone/>
+              <a:defRPr/>
+            </a:lvl4pPr>
+            <a:lvl5pPr lvl="4">
+              <a:buNone/>
+              <a:defRPr/>
+            </a:lvl5pPr>
+            <a:lvl6pPr lvl="5">
+              <a:buNone/>
+              <a:defRPr/>
+            </a:lvl6pPr>
+            <a:lvl7pPr lvl="6">
+              <a:buNone/>
+              <a:defRPr/>
+            </a:lvl7pPr>
+            <a:lvl8pPr lvl="7">
+              <a:buNone/>
+              <a:defRPr/>
+            </a:lvl8pPr>
+            <a:lvl9pPr lvl="8">
+              <a:buNone/>
+              <a:defRPr/>
+            </a:lvl9pPr>
+          </a:lstStyle>
+          <a:p>
+            <a:fld id="{00000000-1234-1234-1234-123412341234}" type="slidenum">
+              <a:rPr lang="en" smtClean="0"/>
+              <a:pPr/>
+              <a:t>‹#›</a:t>
+            </a:fld>
+            <a:endParaRPr lang="en"/>
+          </a:p>
+        </p:txBody>
+      </p:sp>
+    </p:spTree>
+    <p:extLst>
+      <p:ext uri="{BB962C8B-B14F-4D97-AF65-F5344CB8AC3E}">
+        <p14:creationId xmlns:p14="http://schemas.microsoft.com/office/powerpoint/2010/main" val="1654163160"/>
+      </p:ext>
+    </p:extLst>
+  </p:cSld>
+  <p:clrMapOvr>
+    <a:masterClrMapping/>
+  </p:clrMapOvr>
+</p:sldLayout>
+</file>
+
+<file path=ppt/slideLayouts/slideLayout18.xml><?xml version="1.0" encoding="utf-8"?>
+<p:sldLayout xmlns:a="http://schemas.openxmlformats.org/drawingml/2006/main" xmlns:r="http://schemas.openxmlformats.org/officeDocument/2006/relationships" xmlns:p="http://schemas.openxmlformats.org/presentationml/2006/main" matchingName="Section title and description">
+  <p:cSld name="Section title and description">
+    <p:spTree>
+      <p:nvGrpSpPr>
+        <p:cNvPr id="1" name="Shape 35"/>
+        <p:cNvGrpSpPr/>
+        <p:nvPr/>
+      </p:nvGrpSpPr>
+      <p:grpSpPr>
+        <a:xfrm>
+          <a:off x="0" y="0"/>
+          <a:ext cx="0" cy="0"/>
+          <a:chOff x="0" y="0"/>
+          <a:chExt cx="0" cy="0"/>
+        </a:xfrm>
+      </p:grpSpPr>
+      <p:sp>
+        <p:nvSpPr>
+          <p:cNvPr id="36" name="Google Shape;36;p9"/>
+          <p:cNvSpPr/>
+          <p:nvPr/>
+        </p:nvSpPr>
+        <p:spPr>
+          <a:xfrm>
+            <a:off x="6096000" y="-167"/>
+            <a:ext cx="6096000" cy="6858000"/>
+          </a:xfrm>
+          <a:prstGeom prst="rect">
+            <a:avLst/>
+          </a:prstGeom>
+          <a:solidFill>
+            <a:schemeClr val="lt2"/>
+          </a:solidFill>
+          <a:ln>
+            <a:noFill/>
+          </a:ln>
+        </p:spPr>
+        <p:txBody>
+          <a:bodyPr spcFirstLastPara="1" wrap="square" lIns="121900" tIns="121900" rIns="121900" bIns="121900" anchor="ctr" anchorCtr="0">
+            <a:noAutofit/>
+          </a:bodyPr>
+          <a:lstStyle/>
+          <a:p>
+            <a:pPr marL="0" lvl="0" indent="0" algn="l" rtl="0">
+              <a:spcBef>
+                <a:spcPts val="0"/>
+              </a:spcBef>
+              <a:spcAft>
+                <a:spcPts val="0"/>
+              </a:spcAft>
+              <a:buNone/>
+            </a:pPr>
+            <a:endParaRPr sz="2400"/>
+          </a:p>
+        </p:txBody>
+      </p:sp>
+      <p:sp>
+        <p:nvSpPr>
+          <p:cNvPr id="37" name="Google Shape;37;p9"/>
+          <p:cNvSpPr txBox="1">
+            <a:spLocks noGrp="1"/>
+          </p:cNvSpPr>
+          <p:nvPr>
+            <p:ph type="title"/>
+          </p:nvPr>
+        </p:nvSpPr>
+        <p:spPr>
+          <a:xfrm>
+            <a:off x="354000" y="1644233"/>
+            <a:ext cx="5393600" cy="1976400"/>
+          </a:xfrm>
+          <a:prstGeom prst="rect">
+            <a:avLst/>
+          </a:prstGeom>
+        </p:spPr>
+        <p:txBody>
+          <a:bodyPr spcFirstLastPara="1" wrap="square" lIns="91425" tIns="91425" rIns="91425" bIns="91425" anchor="b" anchorCtr="0"/>
+          <a:lstStyle>
+            <a:lvl1pPr lvl="0" algn="ctr">
+              <a:spcBef>
+                <a:spcPts val="0"/>
+              </a:spcBef>
+              <a:spcAft>
+                <a:spcPts val="0"/>
+              </a:spcAft>
+              <a:buSzPts val="4200"/>
+              <a:buNone/>
+              <a:defRPr sz="5600"/>
+            </a:lvl1pPr>
+            <a:lvl2pPr lvl="1" algn="ctr">
+              <a:spcBef>
+                <a:spcPts val="0"/>
+              </a:spcBef>
+              <a:spcAft>
+                <a:spcPts val="0"/>
+              </a:spcAft>
+              <a:buSzPts val="4200"/>
+              <a:buNone/>
+              <a:defRPr sz="5600"/>
+            </a:lvl2pPr>
+            <a:lvl3pPr lvl="2" algn="ctr">
+              <a:spcBef>
+                <a:spcPts val="0"/>
+              </a:spcBef>
+              <a:spcAft>
+                <a:spcPts val="0"/>
+              </a:spcAft>
+              <a:buSzPts val="4200"/>
+              <a:buNone/>
+              <a:defRPr sz="5600"/>
+            </a:lvl3pPr>
+            <a:lvl4pPr lvl="3" algn="ctr">
+              <a:spcBef>
+                <a:spcPts val="0"/>
+              </a:spcBef>
+              <a:spcAft>
+                <a:spcPts val="0"/>
+              </a:spcAft>
+              <a:buSzPts val="4200"/>
+              <a:buNone/>
+              <a:defRPr sz="5600"/>
+            </a:lvl4pPr>
+            <a:lvl5pPr lvl="4" algn="ctr">
+              <a:spcBef>
+                <a:spcPts val="0"/>
+              </a:spcBef>
+              <a:spcAft>
+                <a:spcPts val="0"/>
+              </a:spcAft>
+              <a:buSzPts val="4200"/>
+              <a:buNone/>
+              <a:defRPr sz="5600"/>
+            </a:lvl5pPr>
+            <a:lvl6pPr lvl="5" algn="ctr">
+              <a:spcBef>
+                <a:spcPts val="0"/>
+              </a:spcBef>
+              <a:spcAft>
+                <a:spcPts val="0"/>
+              </a:spcAft>
+              <a:buSzPts val="4200"/>
+              <a:buNone/>
+              <a:defRPr sz="5600"/>
+            </a:lvl6pPr>
+            <a:lvl7pPr lvl="6" algn="ctr">
+              <a:spcBef>
+                <a:spcPts val="0"/>
+              </a:spcBef>
+              <a:spcAft>
+                <a:spcPts val="0"/>
+              </a:spcAft>
+              <a:buSzPts val="4200"/>
+              <a:buNone/>
+              <a:defRPr sz="5600"/>
+            </a:lvl7pPr>
+            <a:lvl8pPr lvl="7" algn="ctr">
+              <a:spcBef>
+                <a:spcPts val="0"/>
+              </a:spcBef>
+              <a:spcAft>
+                <a:spcPts val="0"/>
+              </a:spcAft>
+              <a:buSzPts val="4200"/>
+              <a:buNone/>
+              <a:defRPr sz="5600"/>
+            </a:lvl8pPr>
+            <a:lvl9pPr lvl="8" algn="ctr">
+              <a:spcBef>
+                <a:spcPts val="0"/>
+              </a:spcBef>
+              <a:spcAft>
+                <a:spcPts val="0"/>
+              </a:spcAft>
+              <a:buSzPts val="4200"/>
+              <a:buNone/>
+              <a:defRPr sz="5600"/>
+            </a:lvl9pPr>
+          </a:lstStyle>
+          <a:p>
+            <a:endParaRPr/>
+          </a:p>
+        </p:txBody>
+      </p:sp>
+      <p:sp>
+        <p:nvSpPr>
+          <p:cNvPr id="38" name="Google Shape;38;p9"/>
+          <p:cNvSpPr txBox="1">
+            <a:spLocks noGrp="1"/>
+          </p:cNvSpPr>
+          <p:nvPr>
+            <p:ph type="subTitle" idx="1"/>
+          </p:nvPr>
+        </p:nvSpPr>
+        <p:spPr>
+          <a:xfrm>
+            <a:off x="354000" y="3737433"/>
+            <a:ext cx="5393600" cy="1646800"/>
+          </a:xfrm>
+          <a:prstGeom prst="rect">
+            <a:avLst/>
+          </a:prstGeom>
+        </p:spPr>
+        <p:txBody>
+          <a:bodyPr spcFirstLastPara="1" wrap="square" lIns="91425" tIns="91425" rIns="91425" bIns="91425" anchor="t" anchorCtr="0"/>
+          <a:lstStyle>
+            <a:lvl1pPr lvl="0" algn="ctr">
+              <a:lnSpc>
+                <a:spcPct val="100000"/>
+              </a:lnSpc>
+              <a:spcBef>
+                <a:spcPts val="0"/>
+              </a:spcBef>
+              <a:spcAft>
+                <a:spcPts val="0"/>
+              </a:spcAft>
+              <a:buSzPts val="2100"/>
+              <a:buNone/>
+              <a:defRPr sz="2800"/>
+            </a:lvl1pPr>
+            <a:lvl2pPr lvl="1" algn="ctr">
+              <a:lnSpc>
+                <a:spcPct val="100000"/>
+              </a:lnSpc>
+              <a:spcBef>
+                <a:spcPts val="0"/>
+              </a:spcBef>
+              <a:spcAft>
+                <a:spcPts val="0"/>
+              </a:spcAft>
+              <a:buSzPts val="2100"/>
+              <a:buNone/>
+              <a:defRPr sz="2800"/>
+            </a:lvl2pPr>
+            <a:lvl3pPr lvl="2" algn="ctr">
+              <a:lnSpc>
+                <a:spcPct val="100000"/>
+              </a:lnSpc>
+              <a:spcBef>
+                <a:spcPts val="0"/>
+              </a:spcBef>
+              <a:spcAft>
+                <a:spcPts val="0"/>
+              </a:spcAft>
+              <a:buSzPts val="2100"/>
+              <a:buNone/>
+              <a:defRPr sz="2800"/>
+            </a:lvl3pPr>
+            <a:lvl4pPr lvl="3" algn="ctr">
+              <a:lnSpc>
+                <a:spcPct val="100000"/>
+              </a:lnSpc>
+              <a:spcBef>
+                <a:spcPts val="0"/>
+              </a:spcBef>
+              <a:spcAft>
+                <a:spcPts val="0"/>
+              </a:spcAft>
+              <a:buSzPts val="2100"/>
+              <a:buNone/>
+              <a:defRPr sz="2800"/>
+            </a:lvl4pPr>
+            <a:lvl5pPr lvl="4" algn="ctr">
+              <a:lnSpc>
+                <a:spcPct val="100000"/>
+              </a:lnSpc>
+              <a:spcBef>
+                <a:spcPts val="0"/>
+              </a:spcBef>
+              <a:spcAft>
+                <a:spcPts val="0"/>
+              </a:spcAft>
+              <a:buSzPts val="2100"/>
+              <a:buNone/>
+              <a:defRPr sz="2800"/>
+            </a:lvl5pPr>
+            <a:lvl6pPr lvl="5" algn="ctr">
+              <a:lnSpc>
+                <a:spcPct val="100000"/>
+              </a:lnSpc>
+              <a:spcBef>
+                <a:spcPts val="0"/>
+              </a:spcBef>
+              <a:spcAft>
+                <a:spcPts val="0"/>
+              </a:spcAft>
+              <a:buSzPts val="2100"/>
+              <a:buNone/>
+              <a:defRPr sz="2800"/>
+            </a:lvl6pPr>
+            <a:lvl7pPr lvl="6" algn="ctr">
+              <a:lnSpc>
+                <a:spcPct val="100000"/>
+              </a:lnSpc>
+              <a:spcBef>
+                <a:spcPts val="0"/>
+              </a:spcBef>
+              <a:spcAft>
+                <a:spcPts val="0"/>
+              </a:spcAft>
+              <a:buSzPts val="2100"/>
+              <a:buNone/>
+              <a:defRPr sz="2800"/>
+            </a:lvl7pPr>
+            <a:lvl8pPr lvl="7" algn="ctr">
+              <a:lnSpc>
+                <a:spcPct val="100000"/>
+              </a:lnSpc>
+              <a:spcBef>
+                <a:spcPts val="0"/>
+              </a:spcBef>
+              <a:spcAft>
+                <a:spcPts val="0"/>
+              </a:spcAft>
+              <a:buSzPts val="2100"/>
+              <a:buNone/>
+              <a:defRPr sz="2800"/>
+            </a:lvl8pPr>
+            <a:lvl9pPr lvl="8" algn="ctr">
+              <a:lnSpc>
+                <a:spcPct val="100000"/>
+              </a:lnSpc>
+              <a:spcBef>
+                <a:spcPts val="0"/>
+              </a:spcBef>
+              <a:spcAft>
+                <a:spcPts val="0"/>
+              </a:spcAft>
+              <a:buSzPts val="2100"/>
+              <a:buNone/>
+              <a:defRPr sz="2800"/>
+            </a:lvl9pPr>
+          </a:lstStyle>
+          <a:p>
+            <a:endParaRPr/>
+          </a:p>
+        </p:txBody>
+      </p:sp>
+      <p:sp>
+        <p:nvSpPr>
+          <p:cNvPr id="39" name="Google Shape;39;p9"/>
+          <p:cNvSpPr txBox="1">
+            <a:spLocks noGrp="1"/>
+          </p:cNvSpPr>
+          <p:nvPr>
+            <p:ph type="body" idx="2"/>
+          </p:nvPr>
+        </p:nvSpPr>
+        <p:spPr>
+          <a:xfrm>
+            <a:off x="6586000" y="965433"/>
+            <a:ext cx="5116000" cy="4926800"/>
+          </a:xfrm>
+          <a:prstGeom prst="rect">
+            <a:avLst/>
+          </a:prstGeom>
+        </p:spPr>
+        <p:txBody>
+          <a:bodyPr spcFirstLastPara="1" wrap="square" lIns="91425" tIns="91425" rIns="91425" bIns="91425" anchor="ctr" anchorCtr="0"/>
+          <a:lstStyle>
+            <a:lvl1pPr marL="609585" lvl="0" indent="-457189">
+              <a:spcBef>
+                <a:spcPts val="0"/>
+              </a:spcBef>
+              <a:spcAft>
+                <a:spcPts val="0"/>
+              </a:spcAft>
+              <a:buSzPts val="1800"/>
+              <a:buChar char="●"/>
+              <a:defRPr/>
+            </a:lvl1pPr>
+            <a:lvl2pPr marL="1219170" lvl="1" indent="-423323">
+              <a:spcBef>
+                <a:spcPts val="2133"/>
+              </a:spcBef>
+              <a:spcAft>
+                <a:spcPts val="0"/>
+              </a:spcAft>
+              <a:buSzPts val="1400"/>
+              <a:buChar char="○"/>
+              <a:defRPr/>
+            </a:lvl2pPr>
+            <a:lvl3pPr marL="1828754" lvl="2" indent="-423323">
+              <a:spcBef>
+                <a:spcPts val="2133"/>
+              </a:spcBef>
+              <a:spcAft>
+                <a:spcPts val="0"/>
+              </a:spcAft>
+              <a:buSzPts val="1400"/>
+              <a:buChar char="■"/>
+              <a:defRPr/>
+            </a:lvl3pPr>
+            <a:lvl4pPr marL="2438339" lvl="3" indent="-423323">
+              <a:spcBef>
+                <a:spcPts val="2133"/>
+              </a:spcBef>
+              <a:spcAft>
+                <a:spcPts val="0"/>
+              </a:spcAft>
+              <a:buSzPts val="1400"/>
+              <a:buChar char="●"/>
+              <a:defRPr/>
+            </a:lvl4pPr>
+            <a:lvl5pPr marL="3047924" lvl="4" indent="-423323">
+              <a:spcBef>
+                <a:spcPts val="2133"/>
+              </a:spcBef>
+              <a:spcAft>
+                <a:spcPts val="0"/>
+              </a:spcAft>
+              <a:buSzPts val="1400"/>
+              <a:buChar char="○"/>
+              <a:defRPr/>
+            </a:lvl5pPr>
+            <a:lvl6pPr marL="3657509" lvl="5" indent="-423323">
+              <a:spcBef>
+                <a:spcPts val="2133"/>
+              </a:spcBef>
+              <a:spcAft>
+                <a:spcPts val="0"/>
+              </a:spcAft>
+              <a:buSzPts val="1400"/>
+              <a:buChar char="■"/>
+              <a:defRPr/>
+            </a:lvl6pPr>
+            <a:lvl7pPr marL="4267093" lvl="6" indent="-423323">
+              <a:spcBef>
+                <a:spcPts val="2133"/>
+              </a:spcBef>
+              <a:spcAft>
+                <a:spcPts val="0"/>
+              </a:spcAft>
+              <a:buSzPts val="1400"/>
+              <a:buChar char="●"/>
+              <a:defRPr/>
+            </a:lvl7pPr>
+            <a:lvl8pPr marL="4876678" lvl="7" indent="-423323">
+              <a:spcBef>
+                <a:spcPts val="2133"/>
+              </a:spcBef>
+              <a:spcAft>
+                <a:spcPts val="0"/>
+              </a:spcAft>
+              <a:buSzPts val="1400"/>
+              <a:buChar char="○"/>
+              <a:defRPr/>
+            </a:lvl8pPr>
+            <a:lvl9pPr marL="5486263" lvl="8" indent="-423323">
+              <a:spcBef>
+                <a:spcPts val="2133"/>
+              </a:spcBef>
+              <a:spcAft>
+                <a:spcPts val="2133"/>
+              </a:spcAft>
+              <a:buSzPts val="1400"/>
+              <a:buChar char="■"/>
+              <a:defRPr/>
+            </a:lvl9pPr>
+          </a:lstStyle>
+          <a:p>
+            <a:endParaRPr/>
+          </a:p>
+        </p:txBody>
+      </p:sp>
+      <p:sp>
+        <p:nvSpPr>
+          <p:cNvPr id="40" name="Google Shape;40;p9"/>
+          <p:cNvSpPr txBox="1">
+            <a:spLocks noGrp="1"/>
+          </p:cNvSpPr>
+          <p:nvPr>
+            <p:ph type="sldNum" idx="12"/>
+          </p:nvPr>
+        </p:nvSpPr>
+        <p:spPr>
+          <a:xfrm>
+            <a:off x="11296611" y="6217623"/>
+            <a:ext cx="731600" cy="524800"/>
+          </a:xfrm>
+          <a:prstGeom prst="rect">
+            <a:avLst/>
+          </a:prstGeom>
+        </p:spPr>
+        <p:txBody>
+          <a:bodyPr spcFirstLastPara="1" wrap="square" lIns="91425" tIns="91425" rIns="91425" bIns="91425" anchor="ctr" anchorCtr="0">
+            <a:noAutofit/>
+          </a:bodyPr>
+          <a:lstStyle>
+            <a:lvl1pPr lvl="0">
+              <a:buNone/>
+              <a:defRPr/>
+            </a:lvl1pPr>
+            <a:lvl2pPr lvl="1">
+              <a:buNone/>
+              <a:defRPr/>
+            </a:lvl2pPr>
+            <a:lvl3pPr lvl="2">
+              <a:buNone/>
+              <a:defRPr/>
+            </a:lvl3pPr>
+            <a:lvl4pPr lvl="3">
+              <a:buNone/>
+              <a:defRPr/>
+            </a:lvl4pPr>
+            <a:lvl5pPr lvl="4">
+              <a:buNone/>
+              <a:defRPr/>
+            </a:lvl5pPr>
+            <a:lvl6pPr lvl="5">
+              <a:buNone/>
+              <a:defRPr/>
+            </a:lvl6pPr>
+            <a:lvl7pPr lvl="6">
+              <a:buNone/>
+              <a:defRPr/>
+            </a:lvl7pPr>
+            <a:lvl8pPr lvl="7">
+              <a:buNone/>
+              <a:defRPr/>
+            </a:lvl8pPr>
+            <a:lvl9pPr lvl="8">
+              <a:buNone/>
+              <a:defRPr/>
+            </a:lvl9pPr>
+          </a:lstStyle>
+          <a:p>
+            <a:fld id="{00000000-1234-1234-1234-123412341234}" type="slidenum">
+              <a:rPr lang="en" smtClean="0"/>
+              <a:pPr/>
+              <a:t>‹#›</a:t>
+            </a:fld>
+            <a:endParaRPr lang="en"/>
+          </a:p>
+        </p:txBody>
+      </p:sp>
+    </p:spTree>
+    <p:extLst>
+      <p:ext uri="{BB962C8B-B14F-4D97-AF65-F5344CB8AC3E}">
+        <p14:creationId xmlns:p14="http://schemas.microsoft.com/office/powerpoint/2010/main" val="2491491494"/>
+      </p:ext>
+    </p:extLst>
+  </p:cSld>
+  <p:clrMapOvr>
+    <a:masterClrMapping/>
+  </p:clrMapOvr>
+</p:sldLayout>
+</file>
+
+<file path=ppt/slideLayouts/slideLayout19.xml><?xml version="1.0" encoding="utf-8"?>
+<p:sldLayout xmlns:a="http://schemas.openxmlformats.org/drawingml/2006/main" xmlns:r="http://schemas.openxmlformats.org/officeDocument/2006/relationships" xmlns:p="http://schemas.openxmlformats.org/presentationml/2006/main" matchingName="Caption">
+  <p:cSld name="Caption">
+    <p:spTree>
+      <p:nvGrpSpPr>
+        <p:cNvPr id="1" name="Shape 41"/>
+        <p:cNvGrpSpPr/>
+        <p:nvPr/>
+      </p:nvGrpSpPr>
+      <p:grpSpPr>
+        <a:xfrm>
+          <a:off x="0" y="0"/>
+          <a:ext cx="0" cy="0"/>
+          <a:chOff x="0" y="0"/>
+          <a:chExt cx="0" cy="0"/>
+        </a:xfrm>
+      </p:grpSpPr>
+      <p:sp>
+        <p:nvSpPr>
+          <p:cNvPr id="42" name="Google Shape;42;p10"/>
+          <p:cNvSpPr txBox="1">
+            <a:spLocks noGrp="1"/>
+          </p:cNvSpPr>
+          <p:nvPr>
+            <p:ph type="body" idx="1"/>
+          </p:nvPr>
+        </p:nvSpPr>
+        <p:spPr>
+          <a:xfrm>
+            <a:off x="415600" y="5640767"/>
+            <a:ext cx="7998400" cy="806800"/>
+          </a:xfrm>
+          <a:prstGeom prst="rect">
+            <a:avLst/>
+          </a:prstGeom>
+        </p:spPr>
+        <p:txBody>
+          <a:bodyPr spcFirstLastPara="1" wrap="square" lIns="91425" tIns="91425" rIns="91425" bIns="91425" anchor="ctr" anchorCtr="0"/>
+          <a:lstStyle>
+            <a:lvl1pPr marL="609585" lvl="0" indent="-304792">
+              <a:lnSpc>
+                <a:spcPct val="100000"/>
+              </a:lnSpc>
+              <a:spcBef>
+                <a:spcPts val="0"/>
+              </a:spcBef>
+              <a:spcAft>
+                <a:spcPts val="0"/>
+              </a:spcAft>
+              <a:buSzPts val="1800"/>
+              <a:buNone/>
+              <a:defRPr/>
+            </a:lvl1pPr>
+          </a:lstStyle>
+          <a:p>
+            <a:endParaRPr/>
+          </a:p>
+        </p:txBody>
+      </p:sp>
+      <p:sp>
+        <p:nvSpPr>
+          <p:cNvPr id="43" name="Google Shape;43;p10"/>
+          <p:cNvSpPr txBox="1">
+            <a:spLocks noGrp="1"/>
+          </p:cNvSpPr>
+          <p:nvPr>
+            <p:ph type="sldNum" idx="12"/>
+          </p:nvPr>
+        </p:nvSpPr>
+        <p:spPr>
+          <a:xfrm>
+            <a:off x="11296611" y="6217623"/>
+            <a:ext cx="731600" cy="524800"/>
+          </a:xfrm>
+          <a:prstGeom prst="rect">
+            <a:avLst/>
+          </a:prstGeom>
+        </p:spPr>
+        <p:txBody>
+          <a:bodyPr spcFirstLastPara="1" wrap="square" lIns="91425" tIns="91425" rIns="91425" bIns="91425" anchor="ctr" anchorCtr="0">
+            <a:noAutofit/>
+          </a:bodyPr>
+          <a:lstStyle>
+            <a:lvl1pPr lvl="0">
+              <a:buNone/>
+              <a:defRPr/>
+            </a:lvl1pPr>
+            <a:lvl2pPr lvl="1">
+              <a:buNone/>
+              <a:defRPr/>
+            </a:lvl2pPr>
+            <a:lvl3pPr lvl="2">
+              <a:buNone/>
+              <a:defRPr/>
+            </a:lvl3pPr>
+            <a:lvl4pPr lvl="3">
+              <a:buNone/>
+              <a:defRPr/>
+            </a:lvl4pPr>
+            <a:lvl5pPr lvl="4">
+              <a:buNone/>
+              <a:defRPr/>
+            </a:lvl5pPr>
+            <a:lvl6pPr lvl="5">
+              <a:buNone/>
+              <a:defRPr/>
+            </a:lvl6pPr>
+            <a:lvl7pPr lvl="6">
+              <a:buNone/>
+              <a:defRPr/>
+            </a:lvl7pPr>
+            <a:lvl8pPr lvl="7">
+              <a:buNone/>
+              <a:defRPr/>
+            </a:lvl8pPr>
+            <a:lvl9pPr lvl="8">
+              <a:buNone/>
+              <a:defRPr/>
+            </a:lvl9pPr>
+          </a:lstStyle>
+          <a:p>
+            <a:fld id="{00000000-1234-1234-1234-123412341234}" type="slidenum">
+              <a:rPr lang="en" smtClean="0"/>
+              <a:pPr/>
+              <a:t>‹#›</a:t>
+            </a:fld>
+            <a:endParaRPr lang="en"/>
+          </a:p>
+        </p:txBody>
+      </p:sp>
+    </p:spTree>
+    <p:extLst>
+      <p:ext uri="{BB962C8B-B14F-4D97-AF65-F5344CB8AC3E}">
+        <p14:creationId xmlns:p14="http://schemas.microsoft.com/office/powerpoint/2010/main" val="2100373851"/>
+      </p:ext>
+    </p:extLst>
+  </p:cSld>
+  <p:clrMapOvr>
+    <a:masterClrMapping/>
+  </p:clrMapOvr>
+</p:sldLayout>
+</file>
+
 <file path=ppt/slideLayouts/slideLayout2.xml><?xml version="1.0" encoding="utf-8"?>
 <p:sldLayout xmlns:a="http://schemas.openxmlformats.org/drawingml/2006/main" xmlns:r="http://schemas.openxmlformats.org/officeDocument/2006/relationships" xmlns:p="http://schemas.openxmlformats.org/presentationml/2006/main" type="obj" preserve="1">
   <p:cSld name="Title and Content">
@@ -1756,6 +4732,464 @@
     <p:extLst>
       <p:ext uri="{BB962C8B-B14F-4D97-AF65-F5344CB8AC3E}">
         <p14:creationId xmlns:p14="http://schemas.microsoft.com/office/powerpoint/2010/main" val="3462069180"/>
+      </p:ext>
+    </p:extLst>
+  </p:cSld>
+  <p:clrMapOvr>
+    <a:masterClrMapping/>
+  </p:clrMapOvr>
+</p:sldLayout>
+</file>
+
+<file path=ppt/slideLayouts/slideLayout20.xml><?xml version="1.0" encoding="utf-8"?>
+<p:sldLayout xmlns:a="http://schemas.openxmlformats.org/drawingml/2006/main" xmlns:r="http://schemas.openxmlformats.org/officeDocument/2006/relationships" xmlns:p="http://schemas.openxmlformats.org/presentationml/2006/main" matchingName="Big number">
+  <p:cSld name="Big number">
+    <p:spTree>
+      <p:nvGrpSpPr>
+        <p:cNvPr id="1" name="Shape 44"/>
+        <p:cNvGrpSpPr/>
+        <p:nvPr/>
+      </p:nvGrpSpPr>
+      <p:grpSpPr>
+        <a:xfrm>
+          <a:off x="0" y="0"/>
+          <a:ext cx="0" cy="0"/>
+          <a:chOff x="0" y="0"/>
+          <a:chExt cx="0" cy="0"/>
+        </a:xfrm>
+      </p:grpSpPr>
+      <p:sp>
+        <p:nvSpPr>
+          <p:cNvPr id="45" name="Google Shape;45;p11"/>
+          <p:cNvSpPr txBox="1">
+            <a:spLocks noGrp="1"/>
+          </p:cNvSpPr>
+          <p:nvPr>
+            <p:ph type="title" hasCustomPrompt="1"/>
+          </p:nvPr>
+        </p:nvSpPr>
+        <p:spPr>
+          <a:xfrm>
+            <a:off x="415600" y="1474833"/>
+            <a:ext cx="11360800" cy="2618000"/>
+          </a:xfrm>
+          <a:prstGeom prst="rect">
+            <a:avLst/>
+          </a:prstGeom>
+        </p:spPr>
+        <p:txBody>
+          <a:bodyPr spcFirstLastPara="1" wrap="square" lIns="91425" tIns="91425" rIns="91425" bIns="91425" anchor="b" anchorCtr="0"/>
+          <a:lstStyle>
+            <a:lvl1pPr lvl="0" algn="ctr">
+              <a:spcBef>
+                <a:spcPts val="0"/>
+              </a:spcBef>
+              <a:spcAft>
+                <a:spcPts val="0"/>
+              </a:spcAft>
+              <a:buSzPts val="12000"/>
+              <a:buNone/>
+              <a:defRPr sz="16000"/>
+            </a:lvl1pPr>
+            <a:lvl2pPr lvl="1" algn="ctr">
+              <a:spcBef>
+                <a:spcPts val="0"/>
+              </a:spcBef>
+              <a:spcAft>
+                <a:spcPts val="0"/>
+              </a:spcAft>
+              <a:buSzPts val="12000"/>
+              <a:buNone/>
+              <a:defRPr sz="16000"/>
+            </a:lvl2pPr>
+            <a:lvl3pPr lvl="2" algn="ctr">
+              <a:spcBef>
+                <a:spcPts val="0"/>
+              </a:spcBef>
+              <a:spcAft>
+                <a:spcPts val="0"/>
+              </a:spcAft>
+              <a:buSzPts val="12000"/>
+              <a:buNone/>
+              <a:defRPr sz="16000"/>
+            </a:lvl3pPr>
+            <a:lvl4pPr lvl="3" algn="ctr">
+              <a:spcBef>
+                <a:spcPts val="0"/>
+              </a:spcBef>
+              <a:spcAft>
+                <a:spcPts val="0"/>
+              </a:spcAft>
+              <a:buSzPts val="12000"/>
+              <a:buNone/>
+              <a:defRPr sz="16000"/>
+            </a:lvl4pPr>
+            <a:lvl5pPr lvl="4" algn="ctr">
+              <a:spcBef>
+                <a:spcPts val="0"/>
+              </a:spcBef>
+              <a:spcAft>
+                <a:spcPts val="0"/>
+              </a:spcAft>
+              <a:buSzPts val="12000"/>
+              <a:buNone/>
+              <a:defRPr sz="16000"/>
+            </a:lvl5pPr>
+            <a:lvl6pPr lvl="5" algn="ctr">
+              <a:spcBef>
+                <a:spcPts val="0"/>
+              </a:spcBef>
+              <a:spcAft>
+                <a:spcPts val="0"/>
+              </a:spcAft>
+              <a:buSzPts val="12000"/>
+              <a:buNone/>
+              <a:defRPr sz="16000"/>
+            </a:lvl6pPr>
+            <a:lvl7pPr lvl="6" algn="ctr">
+              <a:spcBef>
+                <a:spcPts val="0"/>
+              </a:spcBef>
+              <a:spcAft>
+                <a:spcPts val="0"/>
+              </a:spcAft>
+              <a:buSzPts val="12000"/>
+              <a:buNone/>
+              <a:defRPr sz="16000"/>
+            </a:lvl7pPr>
+            <a:lvl8pPr lvl="7" algn="ctr">
+              <a:spcBef>
+                <a:spcPts val="0"/>
+              </a:spcBef>
+              <a:spcAft>
+                <a:spcPts val="0"/>
+              </a:spcAft>
+              <a:buSzPts val="12000"/>
+              <a:buNone/>
+              <a:defRPr sz="16000"/>
+            </a:lvl8pPr>
+            <a:lvl9pPr lvl="8" algn="ctr">
+              <a:spcBef>
+                <a:spcPts val="0"/>
+              </a:spcBef>
+              <a:spcAft>
+                <a:spcPts val="0"/>
+              </a:spcAft>
+              <a:buSzPts val="12000"/>
+              <a:buNone/>
+              <a:defRPr sz="16000"/>
+            </a:lvl9pPr>
+          </a:lstStyle>
+          <a:p>
+            <a:r>
+              <a:t>xx%</a:t>
+            </a:r>
+          </a:p>
+        </p:txBody>
+      </p:sp>
+      <p:sp>
+        <p:nvSpPr>
+          <p:cNvPr id="46" name="Google Shape;46;p11"/>
+          <p:cNvSpPr txBox="1">
+            <a:spLocks noGrp="1"/>
+          </p:cNvSpPr>
+          <p:nvPr>
+            <p:ph type="body" idx="1"/>
+          </p:nvPr>
+        </p:nvSpPr>
+        <p:spPr>
+          <a:xfrm>
+            <a:off x="415600" y="4202967"/>
+            <a:ext cx="11360800" cy="1734400"/>
+          </a:xfrm>
+          <a:prstGeom prst="rect">
+            <a:avLst/>
+          </a:prstGeom>
+        </p:spPr>
+        <p:txBody>
+          <a:bodyPr spcFirstLastPara="1" wrap="square" lIns="91425" tIns="91425" rIns="91425" bIns="91425" anchor="t" anchorCtr="0"/>
+          <a:lstStyle>
+            <a:lvl1pPr marL="609585" lvl="0" indent="-457189" algn="ctr">
+              <a:spcBef>
+                <a:spcPts val="0"/>
+              </a:spcBef>
+              <a:spcAft>
+                <a:spcPts val="0"/>
+              </a:spcAft>
+              <a:buSzPts val="1800"/>
+              <a:buChar char="●"/>
+              <a:defRPr/>
+            </a:lvl1pPr>
+            <a:lvl2pPr marL="1219170" lvl="1" indent="-423323" algn="ctr">
+              <a:spcBef>
+                <a:spcPts val="2133"/>
+              </a:spcBef>
+              <a:spcAft>
+                <a:spcPts val="0"/>
+              </a:spcAft>
+              <a:buSzPts val="1400"/>
+              <a:buChar char="○"/>
+              <a:defRPr/>
+            </a:lvl2pPr>
+            <a:lvl3pPr marL="1828754" lvl="2" indent="-423323" algn="ctr">
+              <a:spcBef>
+                <a:spcPts val="2133"/>
+              </a:spcBef>
+              <a:spcAft>
+                <a:spcPts val="0"/>
+              </a:spcAft>
+              <a:buSzPts val="1400"/>
+              <a:buChar char="■"/>
+              <a:defRPr/>
+            </a:lvl3pPr>
+            <a:lvl4pPr marL="2438339" lvl="3" indent="-423323" algn="ctr">
+              <a:spcBef>
+                <a:spcPts val="2133"/>
+              </a:spcBef>
+              <a:spcAft>
+                <a:spcPts val="0"/>
+              </a:spcAft>
+              <a:buSzPts val="1400"/>
+              <a:buChar char="●"/>
+              <a:defRPr/>
+            </a:lvl4pPr>
+            <a:lvl5pPr marL="3047924" lvl="4" indent="-423323" algn="ctr">
+              <a:spcBef>
+                <a:spcPts val="2133"/>
+              </a:spcBef>
+              <a:spcAft>
+                <a:spcPts val="0"/>
+              </a:spcAft>
+              <a:buSzPts val="1400"/>
+              <a:buChar char="○"/>
+              <a:defRPr/>
+            </a:lvl5pPr>
+            <a:lvl6pPr marL="3657509" lvl="5" indent="-423323" algn="ctr">
+              <a:spcBef>
+                <a:spcPts val="2133"/>
+              </a:spcBef>
+              <a:spcAft>
+                <a:spcPts val="0"/>
+              </a:spcAft>
+              <a:buSzPts val="1400"/>
+              <a:buChar char="■"/>
+              <a:defRPr/>
+            </a:lvl6pPr>
+            <a:lvl7pPr marL="4267093" lvl="6" indent="-423323" algn="ctr">
+              <a:spcBef>
+                <a:spcPts val="2133"/>
+              </a:spcBef>
+              <a:spcAft>
+                <a:spcPts val="0"/>
+              </a:spcAft>
+              <a:buSzPts val="1400"/>
+              <a:buChar char="●"/>
+              <a:defRPr/>
+            </a:lvl7pPr>
+            <a:lvl8pPr marL="4876678" lvl="7" indent="-423323" algn="ctr">
+              <a:spcBef>
+                <a:spcPts val="2133"/>
+              </a:spcBef>
+              <a:spcAft>
+                <a:spcPts val="0"/>
+              </a:spcAft>
+              <a:buSzPts val="1400"/>
+              <a:buChar char="○"/>
+              <a:defRPr/>
+            </a:lvl8pPr>
+            <a:lvl9pPr marL="5486263" lvl="8" indent="-423323" algn="ctr">
+              <a:spcBef>
+                <a:spcPts val="2133"/>
+              </a:spcBef>
+              <a:spcAft>
+                <a:spcPts val="2133"/>
+              </a:spcAft>
+              <a:buSzPts val="1400"/>
+              <a:buChar char="■"/>
+              <a:defRPr/>
+            </a:lvl9pPr>
+          </a:lstStyle>
+          <a:p>
+            <a:endParaRPr/>
+          </a:p>
+        </p:txBody>
+      </p:sp>
+      <p:sp>
+        <p:nvSpPr>
+          <p:cNvPr id="47" name="Google Shape;47;p11"/>
+          <p:cNvSpPr txBox="1">
+            <a:spLocks noGrp="1"/>
+          </p:cNvSpPr>
+          <p:nvPr>
+            <p:ph type="sldNum" idx="12"/>
+          </p:nvPr>
+        </p:nvSpPr>
+        <p:spPr>
+          <a:xfrm>
+            <a:off x="11296611" y="6217623"/>
+            <a:ext cx="731600" cy="524800"/>
+          </a:xfrm>
+          <a:prstGeom prst="rect">
+            <a:avLst/>
+          </a:prstGeom>
+        </p:spPr>
+        <p:txBody>
+          <a:bodyPr spcFirstLastPara="1" wrap="square" lIns="91425" tIns="91425" rIns="91425" bIns="91425" anchor="ctr" anchorCtr="0">
+            <a:noAutofit/>
+          </a:bodyPr>
+          <a:lstStyle>
+            <a:lvl1pPr lvl="0">
+              <a:buNone/>
+              <a:defRPr/>
+            </a:lvl1pPr>
+            <a:lvl2pPr lvl="1">
+              <a:buNone/>
+              <a:defRPr/>
+            </a:lvl2pPr>
+            <a:lvl3pPr lvl="2">
+              <a:buNone/>
+              <a:defRPr/>
+            </a:lvl3pPr>
+            <a:lvl4pPr lvl="3">
+              <a:buNone/>
+              <a:defRPr/>
+            </a:lvl4pPr>
+            <a:lvl5pPr lvl="4">
+              <a:buNone/>
+              <a:defRPr/>
+            </a:lvl5pPr>
+            <a:lvl6pPr lvl="5">
+              <a:buNone/>
+              <a:defRPr/>
+            </a:lvl6pPr>
+            <a:lvl7pPr lvl="6">
+              <a:buNone/>
+              <a:defRPr/>
+            </a:lvl7pPr>
+            <a:lvl8pPr lvl="7">
+              <a:buNone/>
+              <a:defRPr/>
+            </a:lvl8pPr>
+            <a:lvl9pPr lvl="8">
+              <a:buNone/>
+              <a:defRPr/>
+            </a:lvl9pPr>
+          </a:lstStyle>
+          <a:p>
+            <a:fld id="{00000000-1234-1234-1234-123412341234}" type="slidenum">
+              <a:rPr lang="en" smtClean="0"/>
+              <a:pPr/>
+              <a:t>‹#›</a:t>
+            </a:fld>
+            <a:endParaRPr lang="en"/>
+          </a:p>
+        </p:txBody>
+      </p:sp>
+    </p:spTree>
+    <p:extLst>
+      <p:ext uri="{BB962C8B-B14F-4D97-AF65-F5344CB8AC3E}">
+        <p14:creationId xmlns:p14="http://schemas.microsoft.com/office/powerpoint/2010/main" val="1571491689"/>
+      </p:ext>
+    </p:extLst>
+  </p:cSld>
+  <p:clrMapOvr>
+    <a:masterClrMapping/>
+  </p:clrMapOvr>
+</p:sldLayout>
+</file>
+
+<file path=ppt/slideLayouts/slideLayout21.xml><?xml version="1.0" encoding="utf-8"?>
+<p:sldLayout xmlns:a="http://schemas.openxmlformats.org/drawingml/2006/main" xmlns:r="http://schemas.openxmlformats.org/officeDocument/2006/relationships" xmlns:p="http://schemas.openxmlformats.org/presentationml/2006/main" matchingName="Blank" type="blank">
+  <p:cSld name="Blank">
+    <p:spTree>
+      <p:nvGrpSpPr>
+        <p:cNvPr id="1" name="Shape 48"/>
+        <p:cNvGrpSpPr/>
+        <p:nvPr/>
+      </p:nvGrpSpPr>
+      <p:grpSpPr>
+        <a:xfrm>
+          <a:off x="0" y="0"/>
+          <a:ext cx="0" cy="0"/>
+          <a:chOff x="0" y="0"/>
+          <a:chExt cx="0" cy="0"/>
+        </a:xfrm>
+      </p:grpSpPr>
+      <p:sp>
+        <p:nvSpPr>
+          <p:cNvPr id="49" name="Google Shape;49;p12"/>
+          <p:cNvSpPr txBox="1">
+            <a:spLocks noGrp="1"/>
+          </p:cNvSpPr>
+          <p:nvPr>
+            <p:ph type="sldNum" idx="12"/>
+          </p:nvPr>
+        </p:nvSpPr>
+        <p:spPr>
+          <a:xfrm>
+            <a:off x="11296611" y="6217623"/>
+            <a:ext cx="731600" cy="524800"/>
+          </a:xfrm>
+          <a:prstGeom prst="rect">
+            <a:avLst/>
+          </a:prstGeom>
+        </p:spPr>
+        <p:txBody>
+          <a:bodyPr spcFirstLastPara="1" wrap="square" lIns="91425" tIns="91425" rIns="91425" bIns="91425" anchor="ctr" anchorCtr="0">
+            <a:noAutofit/>
+          </a:bodyPr>
+          <a:lstStyle>
+            <a:lvl1pPr lvl="0">
+              <a:buNone/>
+              <a:defRPr/>
+            </a:lvl1pPr>
+            <a:lvl2pPr lvl="1">
+              <a:buNone/>
+              <a:defRPr/>
+            </a:lvl2pPr>
+            <a:lvl3pPr lvl="2">
+              <a:buNone/>
+              <a:defRPr/>
+            </a:lvl3pPr>
+            <a:lvl4pPr lvl="3">
+              <a:buNone/>
+              <a:defRPr/>
+            </a:lvl4pPr>
+            <a:lvl5pPr lvl="4">
+              <a:buNone/>
+              <a:defRPr/>
+            </a:lvl5pPr>
+            <a:lvl6pPr lvl="5">
+              <a:buNone/>
+              <a:defRPr/>
+            </a:lvl6pPr>
+            <a:lvl7pPr lvl="6">
+              <a:buNone/>
+              <a:defRPr/>
+            </a:lvl7pPr>
+            <a:lvl8pPr lvl="7">
+              <a:buNone/>
+              <a:defRPr/>
+            </a:lvl8pPr>
+            <a:lvl9pPr lvl="8">
+              <a:buNone/>
+              <a:defRPr/>
+            </a:lvl9pPr>
+          </a:lstStyle>
+          <a:p>
+            <a:fld id="{00000000-1234-1234-1234-123412341234}" type="slidenum">
+              <a:rPr lang="en" smtClean="0"/>
+              <a:pPr/>
+              <a:t>‹#›</a:t>
+            </a:fld>
+            <a:endParaRPr lang="en"/>
+          </a:p>
+        </p:txBody>
+      </p:sp>
+    </p:spTree>
+    <p:extLst>
+      <p:ext uri="{BB962C8B-B14F-4D97-AF65-F5344CB8AC3E}">
+        <p14:creationId xmlns:p14="http://schemas.microsoft.com/office/powerpoint/2010/main" val="375123080"/>
       </p:ext>
     </p:extLst>
   </p:cSld>
@@ -3941,12 +7375,20 @@
 </p:sldMaster>
 </file>
 
-<file path=ppt/slides/slide1.xml><?xml version="1.0" encoding="utf-8"?>
-<p:sld xmlns:a="http://schemas.openxmlformats.org/drawingml/2006/main" xmlns:r="http://schemas.openxmlformats.org/officeDocument/2006/relationships" xmlns:p="http://schemas.openxmlformats.org/presentationml/2006/main">
+<file path=ppt/slideMasters/slideMaster2.xml><?xml version="1.0" encoding="utf-8"?>
+<p:sldMaster xmlns:a="http://schemas.openxmlformats.org/drawingml/2006/main" xmlns:r="http://schemas.openxmlformats.org/officeDocument/2006/relationships" xmlns:p="http://schemas.openxmlformats.org/presentationml/2006/main">
   <p:cSld>
+    <p:bg>
+      <p:bgPr>
+        <a:solidFill>
+          <a:schemeClr val="lt1"/>
+        </a:solidFill>
+        <a:effectLst/>
+      </p:bgPr>
+    </p:bg>
     <p:spTree>
       <p:nvGrpSpPr>
-        <p:cNvPr id="1" name=""/>
+        <p:cNvPr id="1" name="Shape 5"/>
         <p:cNvGrpSpPr/>
         <p:nvPr/>
       </p:nvGrpSpPr>
@@ -3960,82 +7402,1527 @@
       </p:grpSpPr>
       <p:sp>
         <p:nvSpPr>
-          <p:cNvPr id="2" name="Title 1"/>
-          <p:cNvSpPr>
-            <a:spLocks noGrp="1"/>
-          </p:cNvSpPr>
-          <p:nvPr>
-            <p:ph type="ctrTitle"/>
-          </p:nvPr>
-        </p:nvSpPr>
-        <p:spPr>
-          <a:xfrm>
-            <a:off x="1524000" y="1122363"/>
-            <a:ext cx="9144000" cy="2387600"/>
-          </a:xfrm>
-        </p:spPr>
-        <p:txBody>
-          <a:bodyPr/>
-          <a:lstStyle/>
-          <a:p>
-            <a:r>
-              <a:rPr lang="en-GB"/>
-              <a:t>Welcome To York Code Dojo</a:t>
-            </a:r>
-            <a:endParaRPr lang="en-GB" dirty="0"/>
-          </a:p>
-        </p:txBody>
-      </p:sp>
-      <p:sp>
-        <p:nvSpPr>
-          <p:cNvPr id="3" name="Subtitle 2"/>
-          <p:cNvSpPr>
-            <a:spLocks noGrp="1"/>
-          </p:cNvSpPr>
-          <p:nvPr>
-            <p:ph type="subTitle" idx="1"/>
-          </p:nvPr>
-        </p:nvSpPr>
-        <p:spPr>
-          <a:xfrm>
-            <a:off x="1375144" y="3665833"/>
-            <a:ext cx="9144000" cy="1655762"/>
-          </a:xfrm>
-        </p:spPr>
-        <p:txBody>
-          <a:bodyPr/>
-          <a:lstStyle/>
-          <a:p>
-            <a:r>
-              <a:rPr lang="en-GB"/>
-              <a:t>David Betteridge @da_betteridge</a:t>
-            </a:r>
-          </a:p>
-          <a:p>
-            <a:r>
-              <a:rPr lang="en-GB"/>
-              <a:t>Yorkdevelopers.org</a:t>
-            </a:r>
-          </a:p>
-          <a:p>
-            <a:r>
-              <a:rPr lang="en-GB"/>
-              <a:t>@yorkdevelopers</a:t>
-            </a:r>
-          </a:p>
-          <a:p>
-            <a:r>
-              <a:rPr lang="en-GB"/>
-              <a:t>@yorkcodedojo</a:t>
-            </a:r>
-            <a:endParaRPr lang="en-GB" dirty="0"/>
+          <p:cNvPr id="6" name="Google Shape;6;p1"/>
+          <p:cNvSpPr txBox="1">
+            <a:spLocks noGrp="1"/>
+          </p:cNvSpPr>
+          <p:nvPr>
+            <p:ph type="title"/>
+          </p:nvPr>
+        </p:nvSpPr>
+        <p:spPr>
+          <a:xfrm>
+            <a:off x="415600" y="593367"/>
+            <a:ext cx="11360800" cy="763600"/>
+          </a:xfrm>
+          <a:prstGeom prst="rect">
+            <a:avLst/>
+          </a:prstGeom>
+          <a:noFill/>
+          <a:ln>
+            <a:noFill/>
+          </a:ln>
+        </p:spPr>
+        <p:txBody>
+          <a:bodyPr spcFirstLastPara="1" wrap="square" lIns="91425" tIns="91425" rIns="91425" bIns="91425" anchor="t" anchorCtr="0"/>
+          <a:lstStyle>
+            <a:lvl1pPr lvl="0">
+              <a:spcBef>
+                <a:spcPts val="0"/>
+              </a:spcBef>
+              <a:spcAft>
+                <a:spcPts val="0"/>
+              </a:spcAft>
+              <a:buClr>
+                <a:schemeClr val="dk1"/>
+              </a:buClr>
+              <a:buSzPts val="2800"/>
+              <a:buNone/>
+              <a:defRPr sz="2800">
+                <a:solidFill>
+                  <a:schemeClr val="dk1"/>
+                </a:solidFill>
+              </a:defRPr>
+            </a:lvl1pPr>
+            <a:lvl2pPr lvl="1">
+              <a:spcBef>
+                <a:spcPts val="0"/>
+              </a:spcBef>
+              <a:spcAft>
+                <a:spcPts val="0"/>
+              </a:spcAft>
+              <a:buClr>
+                <a:schemeClr val="dk1"/>
+              </a:buClr>
+              <a:buSzPts val="2800"/>
+              <a:buNone/>
+              <a:defRPr sz="2800">
+                <a:solidFill>
+                  <a:schemeClr val="dk1"/>
+                </a:solidFill>
+              </a:defRPr>
+            </a:lvl2pPr>
+            <a:lvl3pPr lvl="2">
+              <a:spcBef>
+                <a:spcPts val="0"/>
+              </a:spcBef>
+              <a:spcAft>
+                <a:spcPts val="0"/>
+              </a:spcAft>
+              <a:buClr>
+                <a:schemeClr val="dk1"/>
+              </a:buClr>
+              <a:buSzPts val="2800"/>
+              <a:buNone/>
+              <a:defRPr sz="2800">
+                <a:solidFill>
+                  <a:schemeClr val="dk1"/>
+                </a:solidFill>
+              </a:defRPr>
+            </a:lvl3pPr>
+            <a:lvl4pPr lvl="3">
+              <a:spcBef>
+                <a:spcPts val="0"/>
+              </a:spcBef>
+              <a:spcAft>
+                <a:spcPts val="0"/>
+              </a:spcAft>
+              <a:buClr>
+                <a:schemeClr val="dk1"/>
+              </a:buClr>
+              <a:buSzPts val="2800"/>
+              <a:buNone/>
+              <a:defRPr sz="2800">
+                <a:solidFill>
+                  <a:schemeClr val="dk1"/>
+                </a:solidFill>
+              </a:defRPr>
+            </a:lvl4pPr>
+            <a:lvl5pPr lvl="4">
+              <a:spcBef>
+                <a:spcPts val="0"/>
+              </a:spcBef>
+              <a:spcAft>
+                <a:spcPts val="0"/>
+              </a:spcAft>
+              <a:buClr>
+                <a:schemeClr val="dk1"/>
+              </a:buClr>
+              <a:buSzPts val="2800"/>
+              <a:buNone/>
+              <a:defRPr sz="2800">
+                <a:solidFill>
+                  <a:schemeClr val="dk1"/>
+                </a:solidFill>
+              </a:defRPr>
+            </a:lvl5pPr>
+            <a:lvl6pPr lvl="5">
+              <a:spcBef>
+                <a:spcPts val="0"/>
+              </a:spcBef>
+              <a:spcAft>
+                <a:spcPts val="0"/>
+              </a:spcAft>
+              <a:buClr>
+                <a:schemeClr val="dk1"/>
+              </a:buClr>
+              <a:buSzPts val="2800"/>
+              <a:buNone/>
+              <a:defRPr sz="2800">
+                <a:solidFill>
+                  <a:schemeClr val="dk1"/>
+                </a:solidFill>
+              </a:defRPr>
+            </a:lvl6pPr>
+            <a:lvl7pPr lvl="6">
+              <a:spcBef>
+                <a:spcPts val="0"/>
+              </a:spcBef>
+              <a:spcAft>
+                <a:spcPts val="0"/>
+              </a:spcAft>
+              <a:buClr>
+                <a:schemeClr val="dk1"/>
+              </a:buClr>
+              <a:buSzPts val="2800"/>
+              <a:buNone/>
+              <a:defRPr sz="2800">
+                <a:solidFill>
+                  <a:schemeClr val="dk1"/>
+                </a:solidFill>
+              </a:defRPr>
+            </a:lvl7pPr>
+            <a:lvl8pPr lvl="7">
+              <a:spcBef>
+                <a:spcPts val="0"/>
+              </a:spcBef>
+              <a:spcAft>
+                <a:spcPts val="0"/>
+              </a:spcAft>
+              <a:buClr>
+                <a:schemeClr val="dk1"/>
+              </a:buClr>
+              <a:buSzPts val="2800"/>
+              <a:buNone/>
+              <a:defRPr sz="2800">
+                <a:solidFill>
+                  <a:schemeClr val="dk1"/>
+                </a:solidFill>
+              </a:defRPr>
+            </a:lvl8pPr>
+            <a:lvl9pPr lvl="8">
+              <a:spcBef>
+                <a:spcPts val="0"/>
+              </a:spcBef>
+              <a:spcAft>
+                <a:spcPts val="0"/>
+              </a:spcAft>
+              <a:buClr>
+                <a:schemeClr val="dk1"/>
+              </a:buClr>
+              <a:buSzPts val="2800"/>
+              <a:buNone/>
+              <a:defRPr sz="2800">
+                <a:solidFill>
+                  <a:schemeClr val="dk1"/>
+                </a:solidFill>
+              </a:defRPr>
+            </a:lvl9pPr>
+          </a:lstStyle>
+          <a:p>
+            <a:endParaRPr/>
+          </a:p>
+        </p:txBody>
+      </p:sp>
+      <p:sp>
+        <p:nvSpPr>
+          <p:cNvPr id="7" name="Google Shape;7;p1"/>
+          <p:cNvSpPr txBox="1">
+            <a:spLocks noGrp="1"/>
+          </p:cNvSpPr>
+          <p:nvPr>
+            <p:ph type="body" idx="1"/>
+          </p:nvPr>
+        </p:nvSpPr>
+        <p:spPr>
+          <a:xfrm>
+            <a:off x="415600" y="1536633"/>
+            <a:ext cx="11360800" cy="4555200"/>
+          </a:xfrm>
+          <a:prstGeom prst="rect">
+            <a:avLst/>
+          </a:prstGeom>
+          <a:noFill/>
+          <a:ln>
+            <a:noFill/>
+          </a:ln>
+        </p:spPr>
+        <p:txBody>
+          <a:bodyPr spcFirstLastPara="1" wrap="square" lIns="91425" tIns="91425" rIns="91425" bIns="91425" anchor="t" anchorCtr="0"/>
+          <a:lstStyle>
+            <a:lvl1pPr marL="457200" lvl="0" indent="-342900">
+              <a:lnSpc>
+                <a:spcPct val="115000"/>
+              </a:lnSpc>
+              <a:spcBef>
+                <a:spcPts val="0"/>
+              </a:spcBef>
+              <a:spcAft>
+                <a:spcPts val="0"/>
+              </a:spcAft>
+              <a:buClr>
+                <a:schemeClr val="dk2"/>
+              </a:buClr>
+              <a:buSzPts val="1800"/>
+              <a:buChar char="●"/>
+              <a:defRPr sz="1800">
+                <a:solidFill>
+                  <a:schemeClr val="dk2"/>
+                </a:solidFill>
+              </a:defRPr>
+            </a:lvl1pPr>
+            <a:lvl2pPr marL="914400" lvl="1" indent="-317500">
+              <a:lnSpc>
+                <a:spcPct val="115000"/>
+              </a:lnSpc>
+              <a:spcBef>
+                <a:spcPts val="1600"/>
+              </a:spcBef>
+              <a:spcAft>
+                <a:spcPts val="0"/>
+              </a:spcAft>
+              <a:buClr>
+                <a:schemeClr val="dk2"/>
+              </a:buClr>
+              <a:buSzPts val="1400"/>
+              <a:buChar char="○"/>
+              <a:defRPr>
+                <a:solidFill>
+                  <a:schemeClr val="dk2"/>
+                </a:solidFill>
+              </a:defRPr>
+            </a:lvl2pPr>
+            <a:lvl3pPr marL="1371600" lvl="2" indent="-317500">
+              <a:lnSpc>
+                <a:spcPct val="115000"/>
+              </a:lnSpc>
+              <a:spcBef>
+                <a:spcPts val="1600"/>
+              </a:spcBef>
+              <a:spcAft>
+                <a:spcPts val="0"/>
+              </a:spcAft>
+              <a:buClr>
+                <a:schemeClr val="dk2"/>
+              </a:buClr>
+              <a:buSzPts val="1400"/>
+              <a:buChar char="■"/>
+              <a:defRPr>
+                <a:solidFill>
+                  <a:schemeClr val="dk2"/>
+                </a:solidFill>
+              </a:defRPr>
+            </a:lvl3pPr>
+            <a:lvl4pPr marL="1828800" lvl="3" indent="-317500">
+              <a:lnSpc>
+                <a:spcPct val="115000"/>
+              </a:lnSpc>
+              <a:spcBef>
+                <a:spcPts val="1600"/>
+              </a:spcBef>
+              <a:spcAft>
+                <a:spcPts val="0"/>
+              </a:spcAft>
+              <a:buClr>
+                <a:schemeClr val="dk2"/>
+              </a:buClr>
+              <a:buSzPts val="1400"/>
+              <a:buChar char="●"/>
+              <a:defRPr>
+                <a:solidFill>
+                  <a:schemeClr val="dk2"/>
+                </a:solidFill>
+              </a:defRPr>
+            </a:lvl4pPr>
+            <a:lvl5pPr marL="2286000" lvl="4" indent="-317500">
+              <a:lnSpc>
+                <a:spcPct val="115000"/>
+              </a:lnSpc>
+              <a:spcBef>
+                <a:spcPts val="1600"/>
+              </a:spcBef>
+              <a:spcAft>
+                <a:spcPts val="0"/>
+              </a:spcAft>
+              <a:buClr>
+                <a:schemeClr val="dk2"/>
+              </a:buClr>
+              <a:buSzPts val="1400"/>
+              <a:buChar char="○"/>
+              <a:defRPr>
+                <a:solidFill>
+                  <a:schemeClr val="dk2"/>
+                </a:solidFill>
+              </a:defRPr>
+            </a:lvl5pPr>
+            <a:lvl6pPr marL="2743200" lvl="5" indent="-317500">
+              <a:lnSpc>
+                <a:spcPct val="115000"/>
+              </a:lnSpc>
+              <a:spcBef>
+                <a:spcPts val="1600"/>
+              </a:spcBef>
+              <a:spcAft>
+                <a:spcPts val="0"/>
+              </a:spcAft>
+              <a:buClr>
+                <a:schemeClr val="dk2"/>
+              </a:buClr>
+              <a:buSzPts val="1400"/>
+              <a:buChar char="■"/>
+              <a:defRPr>
+                <a:solidFill>
+                  <a:schemeClr val="dk2"/>
+                </a:solidFill>
+              </a:defRPr>
+            </a:lvl6pPr>
+            <a:lvl7pPr marL="3200400" lvl="6" indent="-317500">
+              <a:lnSpc>
+                <a:spcPct val="115000"/>
+              </a:lnSpc>
+              <a:spcBef>
+                <a:spcPts val="1600"/>
+              </a:spcBef>
+              <a:spcAft>
+                <a:spcPts val="0"/>
+              </a:spcAft>
+              <a:buClr>
+                <a:schemeClr val="dk2"/>
+              </a:buClr>
+              <a:buSzPts val="1400"/>
+              <a:buChar char="●"/>
+              <a:defRPr>
+                <a:solidFill>
+                  <a:schemeClr val="dk2"/>
+                </a:solidFill>
+              </a:defRPr>
+            </a:lvl7pPr>
+            <a:lvl8pPr marL="3657600" lvl="7" indent="-317500">
+              <a:lnSpc>
+                <a:spcPct val="115000"/>
+              </a:lnSpc>
+              <a:spcBef>
+                <a:spcPts val="1600"/>
+              </a:spcBef>
+              <a:spcAft>
+                <a:spcPts val="0"/>
+              </a:spcAft>
+              <a:buClr>
+                <a:schemeClr val="dk2"/>
+              </a:buClr>
+              <a:buSzPts val="1400"/>
+              <a:buChar char="○"/>
+              <a:defRPr>
+                <a:solidFill>
+                  <a:schemeClr val="dk2"/>
+                </a:solidFill>
+              </a:defRPr>
+            </a:lvl8pPr>
+            <a:lvl9pPr marL="4114800" lvl="8" indent="-317500">
+              <a:lnSpc>
+                <a:spcPct val="115000"/>
+              </a:lnSpc>
+              <a:spcBef>
+                <a:spcPts val="1600"/>
+              </a:spcBef>
+              <a:spcAft>
+                <a:spcPts val="1600"/>
+              </a:spcAft>
+              <a:buClr>
+                <a:schemeClr val="dk2"/>
+              </a:buClr>
+              <a:buSzPts val="1400"/>
+              <a:buChar char="■"/>
+              <a:defRPr>
+                <a:solidFill>
+                  <a:schemeClr val="dk2"/>
+                </a:solidFill>
+              </a:defRPr>
+            </a:lvl9pPr>
+          </a:lstStyle>
+          <a:p>
+            <a:endParaRPr/>
+          </a:p>
+        </p:txBody>
+      </p:sp>
+      <p:sp>
+        <p:nvSpPr>
+          <p:cNvPr id="8" name="Google Shape;8;p1"/>
+          <p:cNvSpPr txBox="1">
+            <a:spLocks noGrp="1"/>
+          </p:cNvSpPr>
+          <p:nvPr>
+            <p:ph type="sldNum" idx="12"/>
+          </p:nvPr>
+        </p:nvSpPr>
+        <p:spPr>
+          <a:xfrm>
+            <a:off x="11296611" y="6217623"/>
+            <a:ext cx="731600" cy="524800"/>
+          </a:xfrm>
+          <a:prstGeom prst="rect">
+            <a:avLst/>
+          </a:prstGeom>
+          <a:noFill/>
+          <a:ln>
+            <a:noFill/>
+          </a:ln>
+        </p:spPr>
+        <p:txBody>
+          <a:bodyPr spcFirstLastPara="1" wrap="square" lIns="91425" tIns="91425" rIns="91425" bIns="91425" anchor="ctr" anchorCtr="0">
+            <a:noAutofit/>
+          </a:bodyPr>
+          <a:lstStyle>
+            <a:lvl1pPr lvl="0" algn="r">
+              <a:buNone/>
+              <a:defRPr sz="1333">
+                <a:solidFill>
+                  <a:schemeClr val="dk2"/>
+                </a:solidFill>
+              </a:defRPr>
+            </a:lvl1pPr>
+            <a:lvl2pPr lvl="1" algn="r">
+              <a:buNone/>
+              <a:defRPr sz="1333">
+                <a:solidFill>
+                  <a:schemeClr val="dk2"/>
+                </a:solidFill>
+              </a:defRPr>
+            </a:lvl2pPr>
+            <a:lvl3pPr lvl="2" algn="r">
+              <a:buNone/>
+              <a:defRPr sz="1333">
+                <a:solidFill>
+                  <a:schemeClr val="dk2"/>
+                </a:solidFill>
+              </a:defRPr>
+            </a:lvl3pPr>
+            <a:lvl4pPr lvl="3" algn="r">
+              <a:buNone/>
+              <a:defRPr sz="1333">
+                <a:solidFill>
+                  <a:schemeClr val="dk2"/>
+                </a:solidFill>
+              </a:defRPr>
+            </a:lvl4pPr>
+            <a:lvl5pPr lvl="4" algn="r">
+              <a:buNone/>
+              <a:defRPr sz="1333">
+                <a:solidFill>
+                  <a:schemeClr val="dk2"/>
+                </a:solidFill>
+              </a:defRPr>
+            </a:lvl5pPr>
+            <a:lvl6pPr lvl="5" algn="r">
+              <a:buNone/>
+              <a:defRPr sz="1333">
+                <a:solidFill>
+                  <a:schemeClr val="dk2"/>
+                </a:solidFill>
+              </a:defRPr>
+            </a:lvl6pPr>
+            <a:lvl7pPr lvl="6" algn="r">
+              <a:buNone/>
+              <a:defRPr sz="1333">
+                <a:solidFill>
+                  <a:schemeClr val="dk2"/>
+                </a:solidFill>
+              </a:defRPr>
+            </a:lvl7pPr>
+            <a:lvl8pPr lvl="7" algn="r">
+              <a:buNone/>
+              <a:defRPr sz="1333">
+                <a:solidFill>
+                  <a:schemeClr val="dk2"/>
+                </a:solidFill>
+              </a:defRPr>
+            </a:lvl8pPr>
+            <a:lvl9pPr lvl="8" algn="r">
+              <a:buNone/>
+              <a:defRPr sz="1333">
+                <a:solidFill>
+                  <a:schemeClr val="dk2"/>
+                </a:solidFill>
+              </a:defRPr>
+            </a:lvl9pPr>
+          </a:lstStyle>
+          <a:p>
+            <a:fld id="{00000000-1234-1234-1234-123412341234}" type="slidenum">
+              <a:rPr lang="en" smtClean="0"/>
+              <a:pPr/>
+              <a:t>‹#›</a:t>
+            </a:fld>
+            <a:endParaRPr lang="en"/>
           </a:p>
         </p:txBody>
       </p:sp>
     </p:spTree>
     <p:extLst>
       <p:ext uri="{BB962C8B-B14F-4D97-AF65-F5344CB8AC3E}">
-        <p14:creationId xmlns:p14="http://schemas.microsoft.com/office/powerpoint/2010/main" val="3963478798"/>
+        <p14:creationId xmlns:p14="http://schemas.microsoft.com/office/powerpoint/2010/main" val="3213170268"/>
+      </p:ext>
+    </p:extLst>
+  </p:cSld>
+  <p:clrMap bg1="lt1" tx1="dk1" bg2="dk2" tx2="lt2" accent1="accent1" accent2="accent2" accent3="accent3" accent4="accent4" accent5="accent5" accent6="accent6" hlink="hlink" folHlink="folHlink"/>
+  <p:sldLayoutIdLst>
+    <p:sldLayoutId id="2147483660" r:id="rId1"/>
+    <p:sldLayoutId id="2147483661" r:id="rId2"/>
+    <p:sldLayoutId id="2147483662" r:id="rId3"/>
+    <p:sldLayoutId id="2147483663" r:id="rId4"/>
+    <p:sldLayoutId id="2147483664" r:id="rId5"/>
+    <p:sldLayoutId id="2147483665" r:id="rId6"/>
+    <p:sldLayoutId id="2147483666" r:id="rId7"/>
+    <p:sldLayoutId id="2147483667" r:id="rId8"/>
+    <p:sldLayoutId id="2147483668" r:id="rId9"/>
+    <p:sldLayoutId id="2147483669" r:id="rId10"/>
+    <p:sldLayoutId id="2147483670" r:id="rId11"/>
+  </p:sldLayoutIdLst>
+  <p:hf sldNum="0" hdr="0" ftr="0" dt="0"/>
+  <p:txStyles>
+    <p:titleStyle>
+      <a:defPPr marR="0" lvl="0" algn="l" rtl="0">
+        <a:lnSpc>
+          <a:spcPct val="100000"/>
+        </a:lnSpc>
+        <a:spcBef>
+          <a:spcPts val="0"/>
+        </a:spcBef>
+        <a:spcAft>
+          <a:spcPts val="0"/>
+        </a:spcAft>
+      </a:defPPr>
+      <a:lvl1pPr marR="0" lvl="0" algn="l" rtl="0">
+        <a:lnSpc>
+          <a:spcPct val="100000"/>
+        </a:lnSpc>
+        <a:spcBef>
+          <a:spcPts val="0"/>
+        </a:spcBef>
+        <a:spcAft>
+          <a:spcPts val="0"/>
+        </a:spcAft>
+        <a:buClr>
+          <a:srgbClr val="000000"/>
+        </a:buClr>
+        <a:buFont typeface="Arial"/>
+        <a:defRPr sz="1867" b="0" i="0" u="none" strike="noStrike" cap="none">
+          <a:solidFill>
+            <a:srgbClr val="000000"/>
+          </a:solidFill>
+          <a:latin typeface="Arial"/>
+          <a:ea typeface="Arial"/>
+          <a:cs typeface="Arial"/>
+          <a:sym typeface="Arial"/>
+        </a:defRPr>
+      </a:lvl1pPr>
+      <a:lvl2pPr marR="0" lvl="1" algn="l" rtl="0">
+        <a:lnSpc>
+          <a:spcPct val="100000"/>
+        </a:lnSpc>
+        <a:spcBef>
+          <a:spcPts val="0"/>
+        </a:spcBef>
+        <a:spcAft>
+          <a:spcPts val="0"/>
+        </a:spcAft>
+        <a:buClr>
+          <a:srgbClr val="000000"/>
+        </a:buClr>
+        <a:buFont typeface="Arial"/>
+        <a:defRPr sz="1867" b="0" i="0" u="none" strike="noStrike" cap="none">
+          <a:solidFill>
+            <a:srgbClr val="000000"/>
+          </a:solidFill>
+          <a:latin typeface="Arial"/>
+          <a:ea typeface="Arial"/>
+          <a:cs typeface="Arial"/>
+          <a:sym typeface="Arial"/>
+        </a:defRPr>
+      </a:lvl2pPr>
+      <a:lvl3pPr marR="0" lvl="2" algn="l" rtl="0">
+        <a:lnSpc>
+          <a:spcPct val="100000"/>
+        </a:lnSpc>
+        <a:spcBef>
+          <a:spcPts val="0"/>
+        </a:spcBef>
+        <a:spcAft>
+          <a:spcPts val="0"/>
+        </a:spcAft>
+        <a:buClr>
+          <a:srgbClr val="000000"/>
+        </a:buClr>
+        <a:buFont typeface="Arial"/>
+        <a:defRPr sz="1867" b="0" i="0" u="none" strike="noStrike" cap="none">
+          <a:solidFill>
+            <a:srgbClr val="000000"/>
+          </a:solidFill>
+          <a:latin typeface="Arial"/>
+          <a:ea typeface="Arial"/>
+          <a:cs typeface="Arial"/>
+          <a:sym typeface="Arial"/>
+        </a:defRPr>
+      </a:lvl3pPr>
+      <a:lvl4pPr marR="0" lvl="3" algn="l" rtl="0">
+        <a:lnSpc>
+          <a:spcPct val="100000"/>
+        </a:lnSpc>
+        <a:spcBef>
+          <a:spcPts val="0"/>
+        </a:spcBef>
+        <a:spcAft>
+          <a:spcPts val="0"/>
+        </a:spcAft>
+        <a:buClr>
+          <a:srgbClr val="000000"/>
+        </a:buClr>
+        <a:buFont typeface="Arial"/>
+        <a:defRPr sz="1867" b="0" i="0" u="none" strike="noStrike" cap="none">
+          <a:solidFill>
+            <a:srgbClr val="000000"/>
+          </a:solidFill>
+          <a:latin typeface="Arial"/>
+          <a:ea typeface="Arial"/>
+          <a:cs typeface="Arial"/>
+          <a:sym typeface="Arial"/>
+        </a:defRPr>
+      </a:lvl4pPr>
+      <a:lvl5pPr marR="0" lvl="4" algn="l" rtl="0">
+        <a:lnSpc>
+          <a:spcPct val="100000"/>
+        </a:lnSpc>
+        <a:spcBef>
+          <a:spcPts val="0"/>
+        </a:spcBef>
+        <a:spcAft>
+          <a:spcPts val="0"/>
+        </a:spcAft>
+        <a:buClr>
+          <a:srgbClr val="000000"/>
+        </a:buClr>
+        <a:buFont typeface="Arial"/>
+        <a:defRPr sz="1867" b="0" i="0" u="none" strike="noStrike" cap="none">
+          <a:solidFill>
+            <a:srgbClr val="000000"/>
+          </a:solidFill>
+          <a:latin typeface="Arial"/>
+          <a:ea typeface="Arial"/>
+          <a:cs typeface="Arial"/>
+          <a:sym typeface="Arial"/>
+        </a:defRPr>
+      </a:lvl5pPr>
+      <a:lvl6pPr marR="0" lvl="5" algn="l" rtl="0">
+        <a:lnSpc>
+          <a:spcPct val="100000"/>
+        </a:lnSpc>
+        <a:spcBef>
+          <a:spcPts val="0"/>
+        </a:spcBef>
+        <a:spcAft>
+          <a:spcPts val="0"/>
+        </a:spcAft>
+        <a:buClr>
+          <a:srgbClr val="000000"/>
+        </a:buClr>
+        <a:buFont typeface="Arial"/>
+        <a:defRPr sz="1867" b="0" i="0" u="none" strike="noStrike" cap="none">
+          <a:solidFill>
+            <a:srgbClr val="000000"/>
+          </a:solidFill>
+          <a:latin typeface="Arial"/>
+          <a:ea typeface="Arial"/>
+          <a:cs typeface="Arial"/>
+          <a:sym typeface="Arial"/>
+        </a:defRPr>
+      </a:lvl6pPr>
+      <a:lvl7pPr marR="0" lvl="6" algn="l" rtl="0">
+        <a:lnSpc>
+          <a:spcPct val="100000"/>
+        </a:lnSpc>
+        <a:spcBef>
+          <a:spcPts val="0"/>
+        </a:spcBef>
+        <a:spcAft>
+          <a:spcPts val="0"/>
+        </a:spcAft>
+        <a:buClr>
+          <a:srgbClr val="000000"/>
+        </a:buClr>
+        <a:buFont typeface="Arial"/>
+        <a:defRPr sz="1867" b="0" i="0" u="none" strike="noStrike" cap="none">
+          <a:solidFill>
+            <a:srgbClr val="000000"/>
+          </a:solidFill>
+          <a:latin typeface="Arial"/>
+          <a:ea typeface="Arial"/>
+          <a:cs typeface="Arial"/>
+          <a:sym typeface="Arial"/>
+        </a:defRPr>
+      </a:lvl7pPr>
+      <a:lvl8pPr marR="0" lvl="7" algn="l" rtl="0">
+        <a:lnSpc>
+          <a:spcPct val="100000"/>
+        </a:lnSpc>
+        <a:spcBef>
+          <a:spcPts val="0"/>
+        </a:spcBef>
+        <a:spcAft>
+          <a:spcPts val="0"/>
+        </a:spcAft>
+        <a:buClr>
+          <a:srgbClr val="000000"/>
+        </a:buClr>
+        <a:buFont typeface="Arial"/>
+        <a:defRPr sz="1867" b="0" i="0" u="none" strike="noStrike" cap="none">
+          <a:solidFill>
+            <a:srgbClr val="000000"/>
+          </a:solidFill>
+          <a:latin typeface="Arial"/>
+          <a:ea typeface="Arial"/>
+          <a:cs typeface="Arial"/>
+          <a:sym typeface="Arial"/>
+        </a:defRPr>
+      </a:lvl8pPr>
+      <a:lvl9pPr marR="0" lvl="8" algn="l" rtl="0">
+        <a:lnSpc>
+          <a:spcPct val="100000"/>
+        </a:lnSpc>
+        <a:spcBef>
+          <a:spcPts val="0"/>
+        </a:spcBef>
+        <a:spcAft>
+          <a:spcPts val="0"/>
+        </a:spcAft>
+        <a:buClr>
+          <a:srgbClr val="000000"/>
+        </a:buClr>
+        <a:buFont typeface="Arial"/>
+        <a:defRPr sz="1867" b="0" i="0" u="none" strike="noStrike" cap="none">
+          <a:solidFill>
+            <a:srgbClr val="000000"/>
+          </a:solidFill>
+          <a:latin typeface="Arial"/>
+          <a:ea typeface="Arial"/>
+          <a:cs typeface="Arial"/>
+          <a:sym typeface="Arial"/>
+        </a:defRPr>
+      </a:lvl9pPr>
+    </p:titleStyle>
+    <p:bodyStyle>
+      <a:defPPr marR="0" lvl="0" algn="l" rtl="0">
+        <a:lnSpc>
+          <a:spcPct val="100000"/>
+        </a:lnSpc>
+        <a:spcBef>
+          <a:spcPts val="0"/>
+        </a:spcBef>
+        <a:spcAft>
+          <a:spcPts val="0"/>
+        </a:spcAft>
+      </a:defPPr>
+      <a:lvl1pPr marR="0" lvl="0" algn="l" rtl="0">
+        <a:lnSpc>
+          <a:spcPct val="100000"/>
+        </a:lnSpc>
+        <a:spcBef>
+          <a:spcPts val="0"/>
+        </a:spcBef>
+        <a:spcAft>
+          <a:spcPts val="0"/>
+        </a:spcAft>
+        <a:buClr>
+          <a:srgbClr val="000000"/>
+        </a:buClr>
+        <a:buFont typeface="Arial"/>
+        <a:defRPr sz="1867" b="0" i="0" u="none" strike="noStrike" cap="none">
+          <a:solidFill>
+            <a:srgbClr val="000000"/>
+          </a:solidFill>
+          <a:latin typeface="Arial"/>
+          <a:ea typeface="Arial"/>
+          <a:cs typeface="Arial"/>
+          <a:sym typeface="Arial"/>
+        </a:defRPr>
+      </a:lvl1pPr>
+      <a:lvl2pPr marR="0" lvl="1" algn="l" rtl="0">
+        <a:lnSpc>
+          <a:spcPct val="100000"/>
+        </a:lnSpc>
+        <a:spcBef>
+          <a:spcPts val="0"/>
+        </a:spcBef>
+        <a:spcAft>
+          <a:spcPts val="0"/>
+        </a:spcAft>
+        <a:buClr>
+          <a:srgbClr val="000000"/>
+        </a:buClr>
+        <a:buFont typeface="Arial"/>
+        <a:defRPr sz="1867" b="0" i="0" u="none" strike="noStrike" cap="none">
+          <a:solidFill>
+            <a:srgbClr val="000000"/>
+          </a:solidFill>
+          <a:latin typeface="Arial"/>
+          <a:ea typeface="Arial"/>
+          <a:cs typeface="Arial"/>
+          <a:sym typeface="Arial"/>
+        </a:defRPr>
+      </a:lvl2pPr>
+      <a:lvl3pPr marR="0" lvl="2" algn="l" rtl="0">
+        <a:lnSpc>
+          <a:spcPct val="100000"/>
+        </a:lnSpc>
+        <a:spcBef>
+          <a:spcPts val="0"/>
+        </a:spcBef>
+        <a:spcAft>
+          <a:spcPts val="0"/>
+        </a:spcAft>
+        <a:buClr>
+          <a:srgbClr val="000000"/>
+        </a:buClr>
+        <a:buFont typeface="Arial"/>
+        <a:defRPr sz="1867" b="0" i="0" u="none" strike="noStrike" cap="none">
+          <a:solidFill>
+            <a:srgbClr val="000000"/>
+          </a:solidFill>
+          <a:latin typeface="Arial"/>
+          <a:ea typeface="Arial"/>
+          <a:cs typeface="Arial"/>
+          <a:sym typeface="Arial"/>
+        </a:defRPr>
+      </a:lvl3pPr>
+      <a:lvl4pPr marR="0" lvl="3" algn="l" rtl="0">
+        <a:lnSpc>
+          <a:spcPct val="100000"/>
+        </a:lnSpc>
+        <a:spcBef>
+          <a:spcPts val="0"/>
+        </a:spcBef>
+        <a:spcAft>
+          <a:spcPts val="0"/>
+        </a:spcAft>
+        <a:buClr>
+          <a:srgbClr val="000000"/>
+        </a:buClr>
+        <a:buFont typeface="Arial"/>
+        <a:defRPr sz="1867" b="0" i="0" u="none" strike="noStrike" cap="none">
+          <a:solidFill>
+            <a:srgbClr val="000000"/>
+          </a:solidFill>
+          <a:latin typeface="Arial"/>
+          <a:ea typeface="Arial"/>
+          <a:cs typeface="Arial"/>
+          <a:sym typeface="Arial"/>
+        </a:defRPr>
+      </a:lvl4pPr>
+      <a:lvl5pPr marR="0" lvl="4" algn="l" rtl="0">
+        <a:lnSpc>
+          <a:spcPct val="100000"/>
+        </a:lnSpc>
+        <a:spcBef>
+          <a:spcPts val="0"/>
+        </a:spcBef>
+        <a:spcAft>
+          <a:spcPts val="0"/>
+        </a:spcAft>
+        <a:buClr>
+          <a:srgbClr val="000000"/>
+        </a:buClr>
+        <a:buFont typeface="Arial"/>
+        <a:defRPr sz="1867" b="0" i="0" u="none" strike="noStrike" cap="none">
+          <a:solidFill>
+            <a:srgbClr val="000000"/>
+          </a:solidFill>
+          <a:latin typeface="Arial"/>
+          <a:ea typeface="Arial"/>
+          <a:cs typeface="Arial"/>
+          <a:sym typeface="Arial"/>
+        </a:defRPr>
+      </a:lvl5pPr>
+      <a:lvl6pPr marR="0" lvl="5" algn="l" rtl="0">
+        <a:lnSpc>
+          <a:spcPct val="100000"/>
+        </a:lnSpc>
+        <a:spcBef>
+          <a:spcPts val="0"/>
+        </a:spcBef>
+        <a:spcAft>
+          <a:spcPts val="0"/>
+        </a:spcAft>
+        <a:buClr>
+          <a:srgbClr val="000000"/>
+        </a:buClr>
+        <a:buFont typeface="Arial"/>
+        <a:defRPr sz="1867" b="0" i="0" u="none" strike="noStrike" cap="none">
+          <a:solidFill>
+            <a:srgbClr val="000000"/>
+          </a:solidFill>
+          <a:latin typeface="Arial"/>
+          <a:ea typeface="Arial"/>
+          <a:cs typeface="Arial"/>
+          <a:sym typeface="Arial"/>
+        </a:defRPr>
+      </a:lvl6pPr>
+      <a:lvl7pPr marR="0" lvl="6" algn="l" rtl="0">
+        <a:lnSpc>
+          <a:spcPct val="100000"/>
+        </a:lnSpc>
+        <a:spcBef>
+          <a:spcPts val="0"/>
+        </a:spcBef>
+        <a:spcAft>
+          <a:spcPts val="0"/>
+        </a:spcAft>
+        <a:buClr>
+          <a:srgbClr val="000000"/>
+        </a:buClr>
+        <a:buFont typeface="Arial"/>
+        <a:defRPr sz="1867" b="0" i="0" u="none" strike="noStrike" cap="none">
+          <a:solidFill>
+            <a:srgbClr val="000000"/>
+          </a:solidFill>
+          <a:latin typeface="Arial"/>
+          <a:ea typeface="Arial"/>
+          <a:cs typeface="Arial"/>
+          <a:sym typeface="Arial"/>
+        </a:defRPr>
+      </a:lvl7pPr>
+      <a:lvl8pPr marR="0" lvl="7" algn="l" rtl="0">
+        <a:lnSpc>
+          <a:spcPct val="100000"/>
+        </a:lnSpc>
+        <a:spcBef>
+          <a:spcPts val="0"/>
+        </a:spcBef>
+        <a:spcAft>
+          <a:spcPts val="0"/>
+        </a:spcAft>
+        <a:buClr>
+          <a:srgbClr val="000000"/>
+        </a:buClr>
+        <a:buFont typeface="Arial"/>
+        <a:defRPr sz="1867" b="0" i="0" u="none" strike="noStrike" cap="none">
+          <a:solidFill>
+            <a:srgbClr val="000000"/>
+          </a:solidFill>
+          <a:latin typeface="Arial"/>
+          <a:ea typeface="Arial"/>
+          <a:cs typeface="Arial"/>
+          <a:sym typeface="Arial"/>
+        </a:defRPr>
+      </a:lvl8pPr>
+      <a:lvl9pPr marR="0" lvl="8" algn="l" rtl="0">
+        <a:lnSpc>
+          <a:spcPct val="100000"/>
+        </a:lnSpc>
+        <a:spcBef>
+          <a:spcPts val="0"/>
+        </a:spcBef>
+        <a:spcAft>
+          <a:spcPts val="0"/>
+        </a:spcAft>
+        <a:buClr>
+          <a:srgbClr val="000000"/>
+        </a:buClr>
+        <a:buFont typeface="Arial"/>
+        <a:defRPr sz="1867" b="0" i="0" u="none" strike="noStrike" cap="none">
+          <a:solidFill>
+            <a:srgbClr val="000000"/>
+          </a:solidFill>
+          <a:latin typeface="Arial"/>
+          <a:ea typeface="Arial"/>
+          <a:cs typeface="Arial"/>
+          <a:sym typeface="Arial"/>
+        </a:defRPr>
+      </a:lvl9pPr>
+    </p:bodyStyle>
+    <p:otherStyle>
+      <a:defPPr marR="0" lvl="0" algn="l" rtl="0">
+        <a:lnSpc>
+          <a:spcPct val="100000"/>
+        </a:lnSpc>
+        <a:spcBef>
+          <a:spcPts val="0"/>
+        </a:spcBef>
+        <a:spcAft>
+          <a:spcPts val="0"/>
+        </a:spcAft>
+      </a:defPPr>
+      <a:lvl1pPr marR="0" lvl="0" algn="l" rtl="0">
+        <a:lnSpc>
+          <a:spcPct val="100000"/>
+        </a:lnSpc>
+        <a:spcBef>
+          <a:spcPts val="0"/>
+        </a:spcBef>
+        <a:spcAft>
+          <a:spcPts val="0"/>
+        </a:spcAft>
+        <a:buClr>
+          <a:srgbClr val="000000"/>
+        </a:buClr>
+        <a:buFont typeface="Arial"/>
+        <a:defRPr sz="1867" b="0" i="0" u="none" strike="noStrike" cap="none">
+          <a:solidFill>
+            <a:srgbClr val="000000"/>
+          </a:solidFill>
+          <a:latin typeface="Arial"/>
+          <a:ea typeface="Arial"/>
+          <a:cs typeface="Arial"/>
+          <a:sym typeface="Arial"/>
+        </a:defRPr>
+      </a:lvl1pPr>
+      <a:lvl2pPr marR="0" lvl="1" algn="l" rtl="0">
+        <a:lnSpc>
+          <a:spcPct val="100000"/>
+        </a:lnSpc>
+        <a:spcBef>
+          <a:spcPts val="0"/>
+        </a:spcBef>
+        <a:spcAft>
+          <a:spcPts val="0"/>
+        </a:spcAft>
+        <a:buClr>
+          <a:srgbClr val="000000"/>
+        </a:buClr>
+        <a:buFont typeface="Arial"/>
+        <a:defRPr sz="1867" b="0" i="0" u="none" strike="noStrike" cap="none">
+          <a:solidFill>
+            <a:srgbClr val="000000"/>
+          </a:solidFill>
+          <a:latin typeface="Arial"/>
+          <a:ea typeface="Arial"/>
+          <a:cs typeface="Arial"/>
+          <a:sym typeface="Arial"/>
+        </a:defRPr>
+      </a:lvl2pPr>
+      <a:lvl3pPr marR="0" lvl="2" algn="l" rtl="0">
+        <a:lnSpc>
+          <a:spcPct val="100000"/>
+        </a:lnSpc>
+        <a:spcBef>
+          <a:spcPts val="0"/>
+        </a:spcBef>
+        <a:spcAft>
+          <a:spcPts val="0"/>
+        </a:spcAft>
+        <a:buClr>
+          <a:srgbClr val="000000"/>
+        </a:buClr>
+        <a:buFont typeface="Arial"/>
+        <a:defRPr sz="1867" b="0" i="0" u="none" strike="noStrike" cap="none">
+          <a:solidFill>
+            <a:srgbClr val="000000"/>
+          </a:solidFill>
+          <a:latin typeface="Arial"/>
+          <a:ea typeface="Arial"/>
+          <a:cs typeface="Arial"/>
+          <a:sym typeface="Arial"/>
+        </a:defRPr>
+      </a:lvl3pPr>
+      <a:lvl4pPr marR="0" lvl="3" algn="l" rtl="0">
+        <a:lnSpc>
+          <a:spcPct val="100000"/>
+        </a:lnSpc>
+        <a:spcBef>
+          <a:spcPts val="0"/>
+        </a:spcBef>
+        <a:spcAft>
+          <a:spcPts val="0"/>
+        </a:spcAft>
+        <a:buClr>
+          <a:srgbClr val="000000"/>
+        </a:buClr>
+        <a:buFont typeface="Arial"/>
+        <a:defRPr sz="1867" b="0" i="0" u="none" strike="noStrike" cap="none">
+          <a:solidFill>
+            <a:srgbClr val="000000"/>
+          </a:solidFill>
+          <a:latin typeface="Arial"/>
+          <a:ea typeface="Arial"/>
+          <a:cs typeface="Arial"/>
+          <a:sym typeface="Arial"/>
+        </a:defRPr>
+      </a:lvl4pPr>
+      <a:lvl5pPr marR="0" lvl="4" algn="l" rtl="0">
+        <a:lnSpc>
+          <a:spcPct val="100000"/>
+        </a:lnSpc>
+        <a:spcBef>
+          <a:spcPts val="0"/>
+        </a:spcBef>
+        <a:spcAft>
+          <a:spcPts val="0"/>
+        </a:spcAft>
+        <a:buClr>
+          <a:srgbClr val="000000"/>
+        </a:buClr>
+        <a:buFont typeface="Arial"/>
+        <a:defRPr sz="1867" b="0" i="0" u="none" strike="noStrike" cap="none">
+          <a:solidFill>
+            <a:srgbClr val="000000"/>
+          </a:solidFill>
+          <a:latin typeface="Arial"/>
+          <a:ea typeface="Arial"/>
+          <a:cs typeface="Arial"/>
+          <a:sym typeface="Arial"/>
+        </a:defRPr>
+      </a:lvl5pPr>
+      <a:lvl6pPr marR="0" lvl="5" algn="l" rtl="0">
+        <a:lnSpc>
+          <a:spcPct val="100000"/>
+        </a:lnSpc>
+        <a:spcBef>
+          <a:spcPts val="0"/>
+        </a:spcBef>
+        <a:spcAft>
+          <a:spcPts val="0"/>
+        </a:spcAft>
+        <a:buClr>
+          <a:srgbClr val="000000"/>
+        </a:buClr>
+        <a:buFont typeface="Arial"/>
+        <a:defRPr sz="1867" b="0" i="0" u="none" strike="noStrike" cap="none">
+          <a:solidFill>
+            <a:srgbClr val="000000"/>
+          </a:solidFill>
+          <a:latin typeface="Arial"/>
+          <a:ea typeface="Arial"/>
+          <a:cs typeface="Arial"/>
+          <a:sym typeface="Arial"/>
+        </a:defRPr>
+      </a:lvl6pPr>
+      <a:lvl7pPr marR="0" lvl="6" algn="l" rtl="0">
+        <a:lnSpc>
+          <a:spcPct val="100000"/>
+        </a:lnSpc>
+        <a:spcBef>
+          <a:spcPts val="0"/>
+        </a:spcBef>
+        <a:spcAft>
+          <a:spcPts val="0"/>
+        </a:spcAft>
+        <a:buClr>
+          <a:srgbClr val="000000"/>
+        </a:buClr>
+        <a:buFont typeface="Arial"/>
+        <a:defRPr sz="1867" b="0" i="0" u="none" strike="noStrike" cap="none">
+          <a:solidFill>
+            <a:srgbClr val="000000"/>
+          </a:solidFill>
+          <a:latin typeface="Arial"/>
+          <a:ea typeface="Arial"/>
+          <a:cs typeface="Arial"/>
+          <a:sym typeface="Arial"/>
+        </a:defRPr>
+      </a:lvl7pPr>
+      <a:lvl8pPr marR="0" lvl="7" algn="l" rtl="0">
+        <a:lnSpc>
+          <a:spcPct val="100000"/>
+        </a:lnSpc>
+        <a:spcBef>
+          <a:spcPts val="0"/>
+        </a:spcBef>
+        <a:spcAft>
+          <a:spcPts val="0"/>
+        </a:spcAft>
+        <a:buClr>
+          <a:srgbClr val="000000"/>
+        </a:buClr>
+        <a:buFont typeface="Arial"/>
+        <a:defRPr sz="1867" b="0" i="0" u="none" strike="noStrike" cap="none">
+          <a:solidFill>
+            <a:srgbClr val="000000"/>
+          </a:solidFill>
+          <a:latin typeface="Arial"/>
+          <a:ea typeface="Arial"/>
+          <a:cs typeface="Arial"/>
+          <a:sym typeface="Arial"/>
+        </a:defRPr>
+      </a:lvl8pPr>
+      <a:lvl9pPr marR="0" lvl="8" algn="l" rtl="0">
+        <a:lnSpc>
+          <a:spcPct val="100000"/>
+        </a:lnSpc>
+        <a:spcBef>
+          <a:spcPts val="0"/>
+        </a:spcBef>
+        <a:spcAft>
+          <a:spcPts val="0"/>
+        </a:spcAft>
+        <a:buClr>
+          <a:srgbClr val="000000"/>
+        </a:buClr>
+        <a:buFont typeface="Arial"/>
+        <a:defRPr sz="1867" b="0" i="0" u="none" strike="noStrike" cap="none">
+          <a:solidFill>
+            <a:srgbClr val="000000"/>
+          </a:solidFill>
+          <a:latin typeface="Arial"/>
+          <a:ea typeface="Arial"/>
+          <a:cs typeface="Arial"/>
+          <a:sym typeface="Arial"/>
+        </a:defRPr>
+      </a:lvl9pPr>
+    </p:otherStyle>
+  </p:txStyles>
+</p:sldMaster>
+</file>
+
+<file path=ppt/slides/slide1.xml><?xml version="1.0" encoding="utf-8"?>
+<p:sld xmlns:a="http://schemas.openxmlformats.org/drawingml/2006/main" xmlns:r="http://schemas.openxmlformats.org/officeDocument/2006/relationships" xmlns:p="http://schemas.openxmlformats.org/presentationml/2006/main">
+  <p:cSld>
+    <p:spTree>
+      <p:nvGrpSpPr>
+        <p:cNvPr id="1" name="Shape 53"/>
+        <p:cNvGrpSpPr/>
+        <p:nvPr/>
+      </p:nvGrpSpPr>
+      <p:grpSpPr>
+        <a:xfrm>
+          <a:off x="0" y="0"/>
+          <a:ext cx="0" cy="0"/>
+          <a:chOff x="0" y="0"/>
+          <a:chExt cx="0" cy="0"/>
+        </a:xfrm>
+      </p:grpSpPr>
+      <p:sp>
+        <p:nvSpPr>
+          <p:cNvPr id="54" name="Google Shape;54;p13"/>
+          <p:cNvSpPr txBox="1"/>
+          <p:nvPr/>
+        </p:nvSpPr>
+        <p:spPr>
+          <a:xfrm>
+            <a:off x="824633" y="2452833"/>
+            <a:ext cx="5598800" cy="1681200"/>
+          </a:xfrm>
+          <a:prstGeom prst="rect">
+            <a:avLst/>
+          </a:prstGeom>
+          <a:noFill/>
+          <a:ln>
+            <a:noFill/>
+          </a:ln>
+        </p:spPr>
+        <p:txBody>
+          <a:bodyPr spcFirstLastPara="1" wrap="square" lIns="121900" tIns="121900" rIns="121900" bIns="121900" anchor="t" anchorCtr="0">
+            <a:noAutofit/>
+          </a:bodyPr>
+          <a:lstStyle/>
+          <a:p>
+            <a:pPr defTabSz="1219170">
+              <a:buClr>
+                <a:srgbClr val="000000"/>
+              </a:buClr>
+            </a:pPr>
+            <a:r>
+              <a:rPr lang="en-GB" sz="4000" b="1" kern="0" dirty="0">
+                <a:solidFill>
+                  <a:srgbClr val="000000"/>
+                </a:solidFill>
+                <a:latin typeface="Arial"/>
+                <a:cs typeface="Arial"/>
+                <a:sym typeface="Arial"/>
+              </a:rPr>
+              <a:t>Mob Programming - Language Head to Head</a:t>
+            </a:r>
+            <a:endParaRPr sz="4000" b="1" kern="0" dirty="0">
+              <a:solidFill>
+                <a:srgbClr val="000000"/>
+              </a:solidFill>
+              <a:latin typeface="Arial"/>
+              <a:cs typeface="Arial"/>
+              <a:sym typeface="Arial"/>
+            </a:endParaRPr>
+          </a:p>
+        </p:txBody>
+      </p:sp>
+      <p:pic>
+        <p:nvPicPr>
+          <p:cNvPr id="55" name="Google Shape;55;p13"/>
+          <p:cNvPicPr preferRelativeResize="0"/>
+          <p:nvPr/>
+        </p:nvPicPr>
+        <p:blipFill>
+          <a:blip r:embed="rId3">
+            <a:alphaModFix/>
+          </a:blip>
+          <a:stretch>
+            <a:fillRect/>
+          </a:stretch>
+        </p:blipFill>
+        <p:spPr>
+          <a:xfrm>
+            <a:off x="5621611" y="1"/>
+            <a:ext cx="6519589" cy="6857999"/>
+          </a:xfrm>
+          <a:prstGeom prst="rect">
+            <a:avLst/>
+          </a:prstGeom>
+          <a:noFill/>
+          <a:ln>
+            <a:noFill/>
+          </a:ln>
+        </p:spPr>
+      </p:pic>
+      <p:pic>
+        <p:nvPicPr>
+          <p:cNvPr id="56" name="Google Shape;56;p13"/>
+          <p:cNvPicPr preferRelativeResize="0"/>
+          <p:nvPr/>
+        </p:nvPicPr>
+        <p:blipFill>
+          <a:blip r:embed="rId4">
+            <a:alphaModFix/>
+          </a:blip>
+          <a:stretch>
+            <a:fillRect/>
+          </a:stretch>
+        </p:blipFill>
+        <p:spPr>
+          <a:xfrm>
+            <a:off x="955700" y="733500"/>
+            <a:ext cx="3281365" cy="995467"/>
+          </a:xfrm>
+          <a:prstGeom prst="rect">
+            <a:avLst/>
+          </a:prstGeom>
+          <a:noFill/>
+          <a:ln>
+            <a:noFill/>
+          </a:ln>
+        </p:spPr>
+      </p:pic>
+      <p:sp>
+        <p:nvSpPr>
+          <p:cNvPr id="57" name="Google Shape;57;p13"/>
+          <p:cNvSpPr/>
+          <p:nvPr/>
+        </p:nvSpPr>
+        <p:spPr>
+          <a:xfrm>
+            <a:off x="955700" y="4704000"/>
+            <a:ext cx="1468000" cy="106400"/>
+          </a:xfrm>
+          <a:prstGeom prst="rect">
+            <a:avLst/>
+          </a:prstGeom>
+          <a:solidFill>
+            <a:srgbClr val="589921"/>
+          </a:solidFill>
+          <a:ln>
+            <a:noFill/>
+          </a:ln>
+        </p:spPr>
+        <p:txBody>
+          <a:bodyPr spcFirstLastPara="1" wrap="square" lIns="121900" tIns="121900" rIns="121900" bIns="121900" anchor="ctr" anchorCtr="0">
+            <a:noAutofit/>
+          </a:bodyPr>
+          <a:lstStyle/>
+          <a:p>
+            <a:pPr defTabSz="1219170">
+              <a:buClr>
+                <a:srgbClr val="000000"/>
+              </a:buClr>
+            </a:pPr>
+            <a:endParaRPr sz="1867" kern="0">
+              <a:solidFill>
+                <a:srgbClr val="000000"/>
+              </a:solidFill>
+              <a:latin typeface="Arial"/>
+              <a:cs typeface="Arial"/>
+              <a:sym typeface="Arial"/>
+            </a:endParaRPr>
+          </a:p>
+        </p:txBody>
+      </p:sp>
+      <p:sp>
+        <p:nvSpPr>
+          <p:cNvPr id="58" name="Google Shape;58;p13"/>
+          <p:cNvSpPr txBox="1"/>
+          <p:nvPr/>
+        </p:nvSpPr>
+        <p:spPr>
+          <a:xfrm>
+            <a:off x="842233" y="5457433"/>
+            <a:ext cx="5563600" cy="649200"/>
+          </a:xfrm>
+          <a:prstGeom prst="rect">
+            <a:avLst/>
+          </a:prstGeom>
+          <a:noFill/>
+          <a:ln>
+            <a:noFill/>
+          </a:ln>
+        </p:spPr>
+        <p:txBody>
+          <a:bodyPr spcFirstLastPara="1" wrap="square" lIns="121900" tIns="121900" rIns="121900" bIns="121900" anchor="t" anchorCtr="0">
+            <a:noAutofit/>
+          </a:bodyPr>
+          <a:lstStyle/>
+          <a:p>
+            <a:pPr defTabSz="1219170">
+              <a:buClr>
+                <a:srgbClr val="000000"/>
+              </a:buClr>
+            </a:pPr>
+            <a:r>
+              <a:rPr lang="en-GB" sz="1333" kern="0" dirty="0">
+                <a:solidFill>
+                  <a:srgbClr val="000000"/>
+                </a:solidFill>
+                <a:latin typeface="Arial"/>
+                <a:cs typeface="Arial"/>
+                <a:sym typeface="Arial"/>
+              </a:rPr>
+              <a:t>David Betteridge</a:t>
+            </a:r>
+          </a:p>
+          <a:p>
+            <a:pPr defTabSz="1219170">
+              <a:buClr>
+                <a:srgbClr val="000000"/>
+              </a:buClr>
+            </a:pPr>
+            <a:r>
+              <a:rPr lang="en-GB" sz="1333" kern="0" dirty="0">
+                <a:solidFill>
+                  <a:srgbClr val="000000"/>
+                </a:solidFill>
+                <a:latin typeface="Arial"/>
+                <a:cs typeface="Arial"/>
+                <a:sym typeface="Arial"/>
+              </a:rPr>
+              <a:t>@</a:t>
+            </a:r>
+            <a:r>
+              <a:rPr lang="en-GB" sz="1333" kern="0" dirty="0" err="1">
+                <a:solidFill>
+                  <a:srgbClr val="000000"/>
+                </a:solidFill>
+                <a:latin typeface="Arial"/>
+                <a:cs typeface="Arial"/>
+                <a:sym typeface="Arial"/>
+              </a:rPr>
+              <a:t>da_betteridge</a:t>
+            </a:r>
+            <a:endParaRPr sz="1333" kern="0" dirty="0">
+              <a:solidFill>
+                <a:srgbClr val="000000"/>
+              </a:solidFill>
+              <a:latin typeface="Arial"/>
+              <a:cs typeface="Arial"/>
+              <a:sym typeface="Arial"/>
+            </a:endParaRPr>
+          </a:p>
+        </p:txBody>
+      </p:sp>
+      <p:pic>
+        <p:nvPicPr>
+          <p:cNvPr id="2" name="Picture 1">
+            <a:extLst>
+              <a:ext uri="{FF2B5EF4-FFF2-40B4-BE49-F238E27FC236}">
+                <a16:creationId xmlns:a16="http://schemas.microsoft.com/office/drawing/2014/main" id="{5C338083-5BE8-412C-8E7C-862343E88C85}"/>
+              </a:ext>
+            </a:extLst>
+          </p:cNvPr>
+          <p:cNvPicPr>
+            <a:picLocks noChangeAspect="1"/>
+          </p:cNvPicPr>
+          <p:nvPr/>
+        </p:nvPicPr>
+        <p:blipFill>
+          <a:blip r:embed="rId5"/>
+          <a:stretch>
+            <a:fillRect/>
+          </a:stretch>
+        </p:blipFill>
+        <p:spPr>
+          <a:xfrm>
+            <a:off x="3766626" y="5081430"/>
+            <a:ext cx="1939396" cy="1025203"/>
+          </a:xfrm>
+          <a:prstGeom prst="rect">
+            <a:avLst/>
+          </a:prstGeom>
+        </p:spPr>
+      </p:pic>
+    </p:spTree>
+    <p:extLst>
+      <p:ext uri="{BB962C8B-B14F-4D97-AF65-F5344CB8AC3E}">
+        <p14:creationId xmlns:p14="http://schemas.microsoft.com/office/powerpoint/2010/main" val="274851003"/>
       </p:ext>
     </p:extLst>
   </p:cSld>
@@ -4925,6 +9812,287 @@
 </file>
 
 <file path=ppt/theme/theme2.xml><?xml version="1.0" encoding="utf-8"?>
+<a:theme xmlns:a="http://schemas.openxmlformats.org/drawingml/2006/main" name="Simple Light">
+  <a:themeElements>
+    <a:clrScheme name="Simple Light">
+      <a:dk1>
+        <a:srgbClr val="000000"/>
+      </a:dk1>
+      <a:lt1>
+        <a:srgbClr val="FFFFFF"/>
+      </a:lt1>
+      <a:dk2>
+        <a:srgbClr val="595959"/>
+      </a:dk2>
+      <a:lt2>
+        <a:srgbClr val="EEEEEE"/>
+      </a:lt2>
+      <a:accent1>
+        <a:srgbClr val="FFAB40"/>
+      </a:accent1>
+      <a:accent2>
+        <a:srgbClr val="212121"/>
+      </a:accent2>
+      <a:accent3>
+        <a:srgbClr val="78909C"/>
+      </a:accent3>
+      <a:accent4>
+        <a:srgbClr val="FFAB40"/>
+      </a:accent4>
+      <a:accent5>
+        <a:srgbClr val="0097A7"/>
+      </a:accent5>
+      <a:accent6>
+        <a:srgbClr val="EEFF41"/>
+      </a:accent6>
+      <a:hlink>
+        <a:srgbClr val="0097A7"/>
+      </a:hlink>
+      <a:folHlink>
+        <a:srgbClr val="0097A7"/>
+      </a:folHlink>
+    </a:clrScheme>
+    <a:fontScheme name="Office">
+      <a:majorFont>
+        <a:latin typeface="Arial"/>
+        <a:ea typeface=""/>
+        <a:cs typeface=""/>
+        <a:font script="Jpan" typeface="ＭＳ Ｐゴシック"/>
+        <a:font script="Hang" typeface="맑은 고딕"/>
+        <a:font script="Hans" typeface="宋体"/>
+        <a:font script="Hant" typeface="新細明體"/>
+        <a:font script="Arab" typeface="Times New Roman"/>
+        <a:font script="Hebr" typeface="Times New Roman"/>
+        <a:font script="Thai" typeface="Angsana New"/>
+        <a:font script="Ethi" typeface="Nyala"/>
+        <a:font script="Beng" typeface="Vrinda"/>
+        <a:font script="Gujr" typeface="Shruti"/>
+        <a:font script="Khmr" typeface="MoolBoran"/>
+        <a:font script="Knda" typeface="Tunga"/>
+        <a:font script="Guru" typeface="Raavi"/>
+        <a:font script="Cans" typeface="Euphemia"/>
+        <a:font script="Cher" typeface="Plantagenet Cherokee"/>
+        <a:font script="Yiii" typeface="Microsoft Yi Baiti"/>
+        <a:font script="Tibt" typeface="Microsoft Himalaya"/>
+        <a:font script="Thaa" typeface="MV Boli"/>
+        <a:font script="Deva" typeface="Mangal"/>
+        <a:font script="Telu" typeface="Gautami"/>
+        <a:font script="Taml" typeface="Latha"/>
+        <a:font script="Syrc" typeface="Estrangelo Edessa"/>
+        <a:font script="Orya" typeface="Kalinga"/>
+        <a:font script="Mlym" typeface="Kartika"/>
+        <a:font script="Laoo" typeface="DokChampa"/>
+        <a:font script="Sinh" typeface="Iskoola Pota"/>
+        <a:font script="Mong" typeface="Mongolian Baiti"/>
+        <a:font script="Viet" typeface="Times New Roman"/>
+        <a:font script="Uigh" typeface="Microsoft Uighur"/>
+        <a:font script="Geor" typeface="Sylfaen"/>
+      </a:majorFont>
+      <a:minorFont>
+        <a:latin typeface="Arial"/>
+        <a:ea typeface=""/>
+        <a:cs typeface=""/>
+        <a:font script="Jpan" typeface="ＭＳ Ｐゴシック"/>
+        <a:font script="Hang" typeface="맑은 고딕"/>
+        <a:font script="Hans" typeface="宋体"/>
+        <a:font script="Hant" typeface="新細明體"/>
+        <a:font script="Arab" typeface="Arial"/>
+        <a:font script="Hebr" typeface="Arial"/>
+        <a:font script="Thai" typeface="Cordia New"/>
+        <a:font script="Ethi" typeface="Nyala"/>
+        <a:font script="Beng" typeface="Vrinda"/>
+        <a:font script="Gujr" typeface="Shruti"/>
+        <a:font script="Khmr" typeface="DaunPenh"/>
+        <a:font script="Knda" typeface="Tunga"/>
+        <a:font script="Guru" typeface="Raavi"/>
+        <a:font script="Cans" typeface="Euphemia"/>
+        <a:font script="Cher" typeface="Plantagenet Cherokee"/>
+        <a:font script="Yiii" typeface="Microsoft Yi Baiti"/>
+        <a:font script="Tibt" typeface="Microsoft Himalaya"/>
+        <a:font script="Thaa" typeface="MV Boli"/>
+        <a:font script="Deva" typeface="Mangal"/>
+        <a:font script="Telu" typeface="Gautami"/>
+        <a:font script="Taml" typeface="Latha"/>
+        <a:font script="Syrc" typeface="Estrangelo Edessa"/>
+        <a:font script="Orya" typeface="Kalinga"/>
+        <a:font script="Mlym" typeface="Kartika"/>
+        <a:font script="Laoo" typeface="DokChampa"/>
+        <a:font script="Sinh" typeface="Iskoola Pota"/>
+        <a:font script="Mong" typeface="Mongolian Baiti"/>
+        <a:font script="Viet" typeface="Arial"/>
+        <a:font script="Uigh" typeface="Microsoft Uighur"/>
+        <a:font script="Geor" typeface="Sylfaen"/>
+      </a:minorFont>
+    </a:fontScheme>
+    <a:fmtScheme name="Office">
+      <a:fillStyleLst>
+        <a:solidFill>
+          <a:schemeClr val="phClr"/>
+        </a:solidFill>
+        <a:gradFill rotWithShape="1">
+          <a:gsLst>
+            <a:gs pos="0">
+              <a:schemeClr val="phClr">
+                <a:tint val="50000"/>
+                <a:satMod val="300000"/>
+              </a:schemeClr>
+            </a:gs>
+            <a:gs pos="35000">
+              <a:schemeClr val="phClr">
+                <a:tint val="37000"/>
+                <a:satMod val="300000"/>
+              </a:schemeClr>
+            </a:gs>
+            <a:gs pos="100000">
+              <a:schemeClr val="phClr">
+                <a:tint val="15000"/>
+                <a:satMod val="350000"/>
+              </a:schemeClr>
+            </a:gs>
+          </a:gsLst>
+          <a:lin ang="16200000" scaled="1"/>
+        </a:gradFill>
+        <a:gradFill rotWithShape="1">
+          <a:gsLst>
+            <a:gs pos="0">
+              <a:schemeClr val="phClr">
+                <a:tint val="100000"/>
+                <a:shade val="100000"/>
+                <a:satMod val="130000"/>
+              </a:schemeClr>
+            </a:gs>
+            <a:gs pos="100000">
+              <a:schemeClr val="phClr">
+                <a:tint val="50000"/>
+                <a:shade val="100000"/>
+                <a:satMod val="350000"/>
+              </a:schemeClr>
+            </a:gs>
+          </a:gsLst>
+          <a:lin ang="16200000" scaled="0"/>
+        </a:gradFill>
+      </a:fillStyleLst>
+      <a:lnStyleLst>
+        <a:ln w="9525" cap="flat" cmpd="sng" algn="ctr">
+          <a:solidFill>
+            <a:schemeClr val="phClr">
+              <a:shade val="95000"/>
+              <a:satMod val="105000"/>
+            </a:schemeClr>
+          </a:solidFill>
+          <a:prstDash val="solid"/>
+        </a:ln>
+        <a:ln w="25400" cap="flat" cmpd="sng" algn="ctr">
+          <a:solidFill>
+            <a:schemeClr val="phClr"/>
+          </a:solidFill>
+          <a:prstDash val="solid"/>
+        </a:ln>
+        <a:ln w="38100" cap="flat" cmpd="sng" algn="ctr">
+          <a:solidFill>
+            <a:schemeClr val="phClr"/>
+          </a:solidFill>
+          <a:prstDash val="solid"/>
+        </a:ln>
+      </a:lnStyleLst>
+      <a:effectStyleLst>
+        <a:effectStyle>
+          <a:effectLst>
+            <a:outerShdw blurRad="40000" dist="20000" dir="5400000" rotWithShape="0">
+              <a:srgbClr val="000000">
+                <a:alpha val="38000"/>
+              </a:srgbClr>
+            </a:outerShdw>
+          </a:effectLst>
+        </a:effectStyle>
+        <a:effectStyle>
+          <a:effectLst>
+            <a:outerShdw blurRad="40000" dist="23000" dir="5400000" rotWithShape="0">
+              <a:srgbClr val="000000">
+                <a:alpha val="35000"/>
+              </a:srgbClr>
+            </a:outerShdw>
+          </a:effectLst>
+        </a:effectStyle>
+        <a:effectStyle>
+          <a:effectLst>
+            <a:outerShdw blurRad="40000" dist="23000" dir="5400000" rotWithShape="0">
+              <a:srgbClr val="000000">
+                <a:alpha val="35000"/>
+              </a:srgbClr>
+            </a:outerShdw>
+          </a:effectLst>
+          <a:scene3d>
+            <a:camera prst="orthographicFront">
+              <a:rot lat="0" lon="0" rev="0"/>
+            </a:camera>
+            <a:lightRig rig="threePt" dir="t">
+              <a:rot lat="0" lon="0" rev="1200000"/>
+            </a:lightRig>
+          </a:scene3d>
+          <a:sp3d>
+            <a:bevelT w="63500" h="25400"/>
+          </a:sp3d>
+        </a:effectStyle>
+      </a:effectStyleLst>
+      <a:bgFillStyleLst>
+        <a:solidFill>
+          <a:schemeClr val="phClr"/>
+        </a:solidFill>
+        <a:gradFill rotWithShape="1">
+          <a:gsLst>
+            <a:gs pos="0">
+              <a:schemeClr val="phClr">
+                <a:tint val="40000"/>
+                <a:satMod val="350000"/>
+              </a:schemeClr>
+            </a:gs>
+            <a:gs pos="40000">
+              <a:schemeClr val="phClr">
+                <a:tint val="45000"/>
+                <a:shade val="99000"/>
+                <a:satMod val="350000"/>
+              </a:schemeClr>
+            </a:gs>
+            <a:gs pos="100000">
+              <a:schemeClr val="phClr">
+                <a:shade val="20000"/>
+                <a:satMod val="255000"/>
+              </a:schemeClr>
+            </a:gs>
+          </a:gsLst>
+          <a:path path="circle">
+            <a:fillToRect l="50000" t="-80000" r="50000" b="180000"/>
+          </a:path>
+        </a:gradFill>
+        <a:gradFill rotWithShape="1">
+          <a:gsLst>
+            <a:gs pos="0">
+              <a:schemeClr val="phClr">
+                <a:tint val="80000"/>
+                <a:satMod val="300000"/>
+              </a:schemeClr>
+            </a:gs>
+            <a:gs pos="100000">
+              <a:schemeClr val="phClr">
+                <a:shade val="30000"/>
+                <a:satMod val="200000"/>
+              </a:schemeClr>
+            </a:gs>
+          </a:gsLst>
+          <a:path path="circle">
+            <a:fillToRect l="50000" t="50000" r="50000" b="50000"/>
+          </a:path>
+        </a:gradFill>
+      </a:bgFillStyleLst>
+    </a:fmtScheme>
+  </a:themeElements>
+  <a:objectDefaults/>
+  <a:extraClrSchemeLst/>
+</a:theme>
+</file>
+
+<file path=ppt/theme/theme3.xml><?xml version="1.0" encoding="utf-8"?>
 <a:theme xmlns:a="http://schemas.openxmlformats.org/drawingml/2006/main" name="Office Theme">
   <a:themeElements>
     <a:clrScheme name="Office">

--- a/York Code Dojo - Tech Fest 2018.pptx
+++ b/York Code Dojo - Tech Fest 2018.pptx
@@ -6,7 +6,7 @@
     <p:sldMasterId id="2147483659" r:id="rId2"/>
   </p:sldMasterIdLst>
   <p:notesMasterIdLst>
-    <p:notesMasterId r:id="rId9"/>
+    <p:notesMasterId r:id="rId10"/>
   </p:notesMasterIdLst>
   <p:sldIdLst>
     <p:sldId id="266" r:id="rId3"/>
@@ -14,7 +14,8 @@
     <p:sldId id="258" r:id="rId5"/>
     <p:sldId id="264" r:id="rId6"/>
     <p:sldId id="265" r:id="rId7"/>
-    <p:sldId id="262" r:id="rId8"/>
+    <p:sldId id="267" r:id="rId8"/>
+    <p:sldId id="262" r:id="rId9"/>
   </p:sldIdLst>
   <p:sldSz cx="12192000" cy="6858000"/>
   <p:notesSz cx="6742113" cy="9872663"/>
@@ -203,7 +204,7 @@
           <a:p>
             <a:fld id="{FB773726-3C10-4818-9970-B221DD7BDD81}" type="datetimeFigureOut">
               <a:rPr lang="en-GB" smtClean="0"/>
-              <a:t>08/11/2018</a:t>
+              <a:t>12/11/2018</a:t>
             </a:fld>
             <a:endParaRPr lang="en-GB"/>
           </a:p>
@@ -1134,7 +1135,7 @@
           <a:p>
             <a:fld id="{59855E35-2792-42B5-AA9B-1CC1651621A6}" type="slidenum">
               <a:rPr lang="en-GB" smtClean="0"/>
-              <a:t>6</a:t>
+              <a:t>7</a:t>
             </a:fld>
             <a:endParaRPr lang="en-GB"/>
           </a:p>
@@ -1294,7 +1295,7 @@
           <a:p>
             <a:fld id="{8C2DC95F-4758-45CC-8E65-674D23536E7F}" type="datetimeFigureOut">
               <a:rPr lang="en-GB" smtClean="0"/>
-              <a:t>08/11/2018</a:t>
+              <a:t>12/11/2018</a:t>
             </a:fld>
             <a:endParaRPr lang="en-GB"/>
           </a:p>
@@ -1504,7 +1505,7 @@
           <a:p>
             <a:fld id="{8C2DC95F-4758-45CC-8E65-674D23536E7F}" type="datetimeFigureOut">
               <a:rPr lang="en-GB" smtClean="0"/>
-              <a:t>08/11/2018</a:t>
+              <a:t>12/11/2018</a:t>
             </a:fld>
             <a:endParaRPr lang="en-GB"/>
           </a:p>
@@ -4664,7 +4665,7 @@
           <a:p>
             <a:fld id="{8C2DC95F-4758-45CC-8E65-674D23536E7F}" type="datetimeFigureOut">
               <a:rPr lang="en-GB" smtClean="0"/>
-              <a:t>08/11/2018</a:t>
+              <a:t>12/11/2018</a:t>
             </a:fld>
             <a:endParaRPr lang="en-GB"/>
           </a:p>
@@ -5398,7 +5399,7 @@
           <a:p>
             <a:fld id="{8C2DC95F-4758-45CC-8E65-674D23536E7F}" type="datetimeFigureOut">
               <a:rPr lang="en-GB" smtClean="0"/>
-              <a:t>08/11/2018</a:t>
+              <a:t>12/11/2018</a:t>
             </a:fld>
             <a:endParaRPr lang="en-GB"/>
           </a:p>
@@ -5668,7 +5669,7 @@
           <a:p>
             <a:fld id="{8C2DC95F-4758-45CC-8E65-674D23536E7F}" type="datetimeFigureOut">
               <a:rPr lang="en-GB" smtClean="0"/>
-              <a:t>08/11/2018</a:t>
+              <a:t>12/11/2018</a:t>
             </a:fld>
             <a:endParaRPr lang="en-GB"/>
           </a:p>
@@ -6074,7 +6075,7 @@
           <a:p>
             <a:fld id="{8C2DC95F-4758-45CC-8E65-674D23536E7F}" type="datetimeFigureOut">
               <a:rPr lang="en-GB" smtClean="0"/>
-              <a:t>08/11/2018</a:t>
+              <a:t>12/11/2018</a:t>
             </a:fld>
             <a:endParaRPr lang="en-GB"/>
           </a:p>
@@ -6224,7 +6225,7 @@
           <a:p>
             <a:fld id="{8C2DC95F-4758-45CC-8E65-674D23536E7F}" type="datetimeFigureOut">
               <a:rPr lang="en-GB" smtClean="0"/>
-              <a:t>08/11/2018</a:t>
+              <a:t>12/11/2018</a:t>
             </a:fld>
             <a:endParaRPr lang="en-GB"/>
           </a:p>
@@ -6343,7 +6344,7 @@
           <a:p>
             <a:fld id="{8C2DC95F-4758-45CC-8E65-674D23536E7F}" type="datetimeFigureOut">
               <a:rPr lang="en-GB" smtClean="0"/>
-              <a:t>08/11/2018</a:t>
+              <a:t>12/11/2018</a:t>
             </a:fld>
             <a:endParaRPr lang="en-GB"/>
           </a:p>
@@ -6653,7 +6654,7 @@
           <a:p>
             <a:fld id="{8C2DC95F-4758-45CC-8E65-674D23536E7F}" type="datetimeFigureOut">
               <a:rPr lang="en-GB" smtClean="0"/>
-              <a:t>08/11/2018</a:t>
+              <a:t>12/11/2018</a:t>
             </a:fld>
             <a:endParaRPr lang="en-GB"/>
           </a:p>
@@ -6943,7 +6944,7 @@
           <a:p>
             <a:fld id="{8C2DC95F-4758-45CC-8E65-674D23536E7F}" type="datetimeFigureOut">
               <a:rPr lang="en-GB" smtClean="0"/>
-              <a:t>08/11/2018</a:t>
+              <a:t>12/11/2018</a:t>
             </a:fld>
             <a:endParaRPr lang="en-GB"/>
           </a:p>
@@ -9454,6 +9455,86 @@
       </p:grpSpPr>
       <p:sp>
         <p:nvSpPr>
+          <p:cNvPr id="2" name="Title 1">
+            <a:extLst>
+              <a:ext uri="{FF2B5EF4-FFF2-40B4-BE49-F238E27FC236}">
+                <a16:creationId xmlns:a16="http://schemas.microsoft.com/office/drawing/2014/main" id="{C30FE5CC-1E7B-49B1-93F3-CA9FFC764DEF}"/>
+              </a:ext>
+            </a:extLst>
+          </p:cNvPr>
+          <p:cNvSpPr>
+            <a:spLocks noGrp="1"/>
+          </p:cNvSpPr>
+          <p:nvPr>
+            <p:ph type="title"/>
+          </p:nvPr>
+        </p:nvSpPr>
+        <p:spPr/>
+        <p:txBody>
+          <a:bodyPr/>
+          <a:lstStyle/>
+          <a:p>
+            <a:endParaRPr lang="en-GB"/>
+          </a:p>
+        </p:txBody>
+      </p:sp>
+      <p:sp>
+        <p:nvSpPr>
+          <p:cNvPr id="3" name="Content Placeholder 2">
+            <a:extLst>
+              <a:ext uri="{FF2B5EF4-FFF2-40B4-BE49-F238E27FC236}">
+                <a16:creationId xmlns:a16="http://schemas.microsoft.com/office/drawing/2014/main" id="{BFAD86D8-FF38-446D-A5E0-DAF16FB694CE}"/>
+              </a:ext>
+            </a:extLst>
+          </p:cNvPr>
+          <p:cNvSpPr>
+            <a:spLocks noGrp="1"/>
+          </p:cNvSpPr>
+          <p:nvPr>
+            <p:ph idx="1"/>
+          </p:nvPr>
+        </p:nvSpPr>
+        <p:spPr/>
+        <p:txBody>
+          <a:bodyPr/>
+          <a:lstStyle/>
+          <a:p>
+            <a:endParaRPr lang="en-GB"/>
+          </a:p>
+        </p:txBody>
+      </p:sp>
+    </p:spTree>
+    <p:extLst>
+      <p:ext uri="{BB962C8B-B14F-4D97-AF65-F5344CB8AC3E}">
+        <p14:creationId xmlns:p14="http://schemas.microsoft.com/office/powerpoint/2010/main" val="84816976"/>
+      </p:ext>
+    </p:extLst>
+  </p:cSld>
+  <p:clrMapOvr>
+    <a:masterClrMapping/>
+  </p:clrMapOvr>
+</p:sld>
+</file>
+
+<file path=ppt/slides/slide7.xml><?xml version="1.0" encoding="utf-8"?>
+<p:sld xmlns:a="http://schemas.openxmlformats.org/drawingml/2006/main" xmlns:r="http://schemas.openxmlformats.org/officeDocument/2006/relationships" xmlns:p="http://schemas.openxmlformats.org/presentationml/2006/main">
+  <p:cSld>
+    <p:spTree>
+      <p:nvGrpSpPr>
+        <p:cNvPr id="1" name=""/>
+        <p:cNvGrpSpPr/>
+        <p:nvPr/>
+      </p:nvGrpSpPr>
+      <p:grpSpPr>
+        <a:xfrm>
+          <a:off x="0" y="0"/>
+          <a:ext cx="0" cy="0"/>
+          <a:chOff x="0" y="0"/>
+          <a:chExt cx="0" cy="0"/>
+        </a:xfrm>
+      </p:grpSpPr>
+      <p:sp>
+        <p:nvSpPr>
           <p:cNvPr id="2" name="Title 1"/>
           <p:cNvSpPr>
             <a:spLocks noGrp="1"/>
@@ -9481,7 +9562,7 @@
             <a:pPr algn="ctr"/>
             <a:r>
               <a:rPr lang="en-GB" dirty="0"/>
-              <a:t>Next Meeting</a:t>
+              <a:t>Next Meetings</a:t>
             </a:r>
           </a:p>
         </p:txBody>
@@ -9498,8 +9579,8 @@
         </p:nvSpPr>
         <p:spPr>
           <a:xfrm>
-            <a:off x="1424762" y="1825625"/>
-            <a:ext cx="9929037" cy="4351338"/>
+            <a:off x="1424762" y="1303868"/>
+            <a:ext cx="9929037" cy="5350932"/>
           </a:xfrm>
         </p:spPr>
         <p:txBody>
@@ -9508,7 +9589,7 @@
           <a:p>
             <a:r>
               <a:rPr lang="en-GB" dirty="0"/>
-              <a:t>Tomorrow!  -  6:30pm</a:t>
+              <a:t>Tomorrow!  -  6:30pm @ York St. Johns - Sudoku</a:t>
             </a:r>
           </a:p>
           <a:p>
@@ -9517,7 +9598,7 @@
           <a:p>
             <a:r>
               <a:rPr lang="en-GB" dirty="0"/>
-              <a:t>@ York St. Johns</a:t>
+              <a:t>Dec – Advent of code problems</a:t>
             </a:r>
           </a:p>
           <a:p>
@@ -9526,8 +9607,36 @@
           <a:p>
             <a:r>
               <a:rPr lang="en-GB" dirty="0"/>
-              <a:t>Meetup / Slack</a:t>
+              <a:t>Jan – Job interview questions</a:t>
             </a:r>
+          </a:p>
+          <a:p>
+            <a:endParaRPr lang="en-GB" dirty="0"/>
+          </a:p>
+          <a:p>
+            <a:r>
+              <a:rPr lang="en-GB" dirty="0"/>
+              <a:t>Meetup  - </a:t>
+            </a:r>
+            <a:r>
+              <a:rPr lang="en-GB" dirty="0" err="1"/>
+              <a:t>YorkCodeDojo</a:t>
+            </a:r>
+            <a:endParaRPr lang="en-GB" dirty="0"/>
+          </a:p>
+          <a:p>
+            <a:endParaRPr lang="en-GB" dirty="0"/>
+          </a:p>
+          <a:p>
+            <a:r>
+              <a:rPr lang="en-GB" dirty="0"/>
+              <a:t>Slack - </a:t>
+            </a:r>
+            <a:r>
+              <a:rPr lang="en-GB" dirty="0" err="1"/>
+              <a:t>YorkDevelopers</a:t>
+            </a:r>
+            <a:endParaRPr lang="en-GB" dirty="0"/>
           </a:p>
           <a:p>
             <a:endParaRPr lang="en-GB" dirty="0"/>
